--- a/Graph_Dijkstra/dijkstra.pptx
+++ b/Graph_Dijkstra/dijkstra.pptx
@@ -165,7 +165,7 @@
           <a:noFill/>
           <a:extLst>
             <a:ext uri="{909E8E84-426E-40dd-AFC4-6F175D3DCCD1}">
-              <a14:hiddenFill xmlns="" xmlns:a14="http://schemas.microsoft.com/office/drawing/2010/main">
+              <a14:hiddenFill xmlns:a14="http://schemas.microsoft.com/office/drawing/2010/main" xmlns="">
                 <a:solidFill>
                   <a:srgbClr val="FFFFFF"/>
                 </a:solidFill>
@@ -225,7 +225,7 @@
             </a:ln>
             <a:extLst>
               <a:ext uri="{91240B29-F687-4f45-9708-019B960494DF}">
-                <a14:hiddenLine xmlns="" xmlns:a14="http://schemas.microsoft.com/office/drawing/2010/main" w="9525">
+                <a14:hiddenLine xmlns:a14="http://schemas.microsoft.com/office/drawing/2010/main" xmlns="" w="9525">
                   <a:solidFill>
                     <a:srgbClr val="000000"/>
                   </a:solidFill>
@@ -315,7 +315,7 @@
             </a:ln>
             <a:extLst>
               <a:ext uri="{91240B29-F687-4f45-9708-019B960494DF}">
-                <a14:hiddenLine xmlns="" xmlns:a14="http://schemas.microsoft.com/office/drawing/2010/main" w="9525">
+                <a14:hiddenLine xmlns:a14="http://schemas.microsoft.com/office/drawing/2010/main" xmlns="" w="9525">
                   <a:solidFill>
                     <a:srgbClr val="000000"/>
                   </a:solidFill>
@@ -405,7 +405,7 @@
             </a:ln>
             <a:extLst>
               <a:ext uri="{91240B29-F687-4f45-9708-019B960494DF}">
-                <a14:hiddenLine xmlns="" xmlns:a14="http://schemas.microsoft.com/office/drawing/2010/main" w="9525">
+                <a14:hiddenLine xmlns:a14="http://schemas.microsoft.com/office/drawing/2010/main" xmlns="" w="9525">
                   <a:solidFill>
                     <a:srgbClr val="000000"/>
                   </a:solidFill>
@@ -439,7 +439,7 @@
             </a:ln>
             <a:extLst>
               <a:ext uri="{91240B29-F687-4f45-9708-019B960494DF}">
-                <a14:hiddenLine xmlns="" xmlns:a14="http://schemas.microsoft.com/office/drawing/2010/main" w="9525">
+                <a14:hiddenLine xmlns:a14="http://schemas.microsoft.com/office/drawing/2010/main" xmlns="" w="9525">
                   <a:solidFill>
                     <a:srgbClr val="000000"/>
                   </a:solidFill>
@@ -529,7 +529,7 @@
             </a:ln>
             <a:extLst>
               <a:ext uri="{91240B29-F687-4f45-9708-019B960494DF}">
-                <a14:hiddenLine xmlns="" xmlns:a14="http://schemas.microsoft.com/office/drawing/2010/main" w="9525">
+                <a14:hiddenLine xmlns:a14="http://schemas.microsoft.com/office/drawing/2010/main" xmlns="" w="9525">
                   <a:solidFill>
                     <a:srgbClr val="000000"/>
                   </a:solidFill>
@@ -591,7 +591,7 @@
             </a:ln>
             <a:extLst>
               <a:ext uri="{91240B29-F687-4f45-9708-019B960494DF}">
-                <a14:hiddenLine xmlns="" xmlns:a14="http://schemas.microsoft.com/office/drawing/2010/main" w="9525">
+                <a14:hiddenLine xmlns:a14="http://schemas.microsoft.com/office/drawing/2010/main" xmlns="" w="9525">
                   <a:solidFill>
                     <a:srgbClr val="000000"/>
                   </a:solidFill>
@@ -653,7 +653,7 @@
             </a:ln>
             <a:extLst>
               <a:ext uri="{91240B29-F687-4f45-9708-019B960494DF}">
-                <a14:hiddenLine xmlns="" xmlns:a14="http://schemas.microsoft.com/office/drawing/2010/main" w="9525">
+                <a14:hiddenLine xmlns:a14="http://schemas.microsoft.com/office/drawing/2010/main" xmlns="" w="9525">
                   <a:solidFill>
                     <a:srgbClr val="000000"/>
                   </a:solidFill>
@@ -743,7 +743,7 @@
             </a:ln>
             <a:extLst>
               <a:ext uri="{91240B29-F687-4f45-9708-019B960494DF}">
-                <a14:hiddenLine xmlns="" xmlns:a14="http://schemas.microsoft.com/office/drawing/2010/main" w="9525">
+                <a14:hiddenLine xmlns:a14="http://schemas.microsoft.com/office/drawing/2010/main" xmlns="" w="9525">
                   <a:solidFill>
                     <a:srgbClr val="000000"/>
                   </a:solidFill>
@@ -805,7 +805,7 @@
             </a:ln>
             <a:extLst>
               <a:ext uri="{91240B29-F687-4f45-9708-019B960494DF}">
-                <a14:hiddenLine xmlns="" xmlns:a14="http://schemas.microsoft.com/office/drawing/2010/main" w="9525">
+                <a14:hiddenLine xmlns:a14="http://schemas.microsoft.com/office/drawing/2010/main" xmlns="" w="9525">
                   <a:solidFill>
                     <a:srgbClr val="000000"/>
                   </a:solidFill>
@@ -867,7 +867,7 @@
             </a:ln>
             <a:extLst>
               <a:ext uri="{91240B29-F687-4f45-9708-019B960494DF}">
-                <a14:hiddenLine xmlns="" xmlns:a14="http://schemas.microsoft.com/office/drawing/2010/main" w="9525">
+                <a14:hiddenLine xmlns:a14="http://schemas.microsoft.com/office/drawing/2010/main" xmlns="" w="9525">
                   <a:solidFill>
                     <a:srgbClr val="000000"/>
                   </a:solidFill>
@@ -957,7 +957,7 @@
             </a:ln>
             <a:extLst>
               <a:ext uri="{91240B29-F687-4f45-9708-019B960494DF}">
-                <a14:hiddenLine xmlns="" xmlns:a14="http://schemas.microsoft.com/office/drawing/2010/main" w="9525">
+                <a14:hiddenLine xmlns:a14="http://schemas.microsoft.com/office/drawing/2010/main" xmlns="" w="9525">
                   <a:solidFill>
                     <a:srgbClr val="000000"/>
                   </a:solidFill>
@@ -1047,7 +1047,7 @@
             </a:ln>
             <a:extLst>
               <a:ext uri="{91240B29-F687-4f45-9708-019B960494DF}">
-                <a14:hiddenLine xmlns="" xmlns:a14="http://schemas.microsoft.com/office/drawing/2010/main" w="9525">
+                <a14:hiddenLine xmlns:a14="http://schemas.microsoft.com/office/drawing/2010/main" xmlns="" w="9525">
                   <a:solidFill>
                     <a:srgbClr val="000000"/>
                   </a:solidFill>
@@ -1109,7 +1109,7 @@
             </a:ln>
             <a:extLst>
               <a:ext uri="{91240B29-F687-4f45-9708-019B960494DF}">
-                <a14:hiddenLine xmlns="" xmlns:a14="http://schemas.microsoft.com/office/drawing/2010/main" w="9525">
+                <a14:hiddenLine xmlns:a14="http://schemas.microsoft.com/office/drawing/2010/main" xmlns="" w="9525">
                   <a:solidFill>
                     <a:srgbClr val="000000"/>
                   </a:solidFill>
@@ -1219,7 +1219,7 @@
             </a:ln>
             <a:extLst>
               <a:ext uri="{91240B29-F687-4f45-9708-019B960494DF}">
-                <a14:hiddenLine xmlns="" xmlns:a14="http://schemas.microsoft.com/office/drawing/2010/main" w="9525">
+                <a14:hiddenLine xmlns:a14="http://schemas.microsoft.com/office/drawing/2010/main" xmlns="" w="9525">
                   <a:solidFill>
                     <a:srgbClr val="000000"/>
                   </a:solidFill>
@@ -1281,7 +1281,7 @@
             </a:ln>
             <a:extLst>
               <a:ext uri="{91240B29-F687-4f45-9708-019B960494DF}">
-                <a14:hiddenLine xmlns="" xmlns:a14="http://schemas.microsoft.com/office/drawing/2010/main" w="9525">
+                <a14:hiddenLine xmlns:a14="http://schemas.microsoft.com/office/drawing/2010/main" xmlns="" w="9525">
                   <a:solidFill>
                     <a:srgbClr val="000000"/>
                   </a:solidFill>
@@ -1371,7 +1371,7 @@
             </a:ln>
             <a:extLst>
               <a:ext uri="{91240B29-F687-4f45-9708-019B960494DF}">
-                <a14:hiddenLine xmlns="" xmlns:a14="http://schemas.microsoft.com/office/drawing/2010/main" w="9525">
+                <a14:hiddenLine xmlns:a14="http://schemas.microsoft.com/office/drawing/2010/main" xmlns="" w="9525">
                   <a:solidFill>
                     <a:srgbClr val="000000"/>
                   </a:solidFill>
@@ -1461,7 +1461,7 @@
             </a:ln>
             <a:extLst>
               <a:ext uri="{91240B29-F687-4f45-9708-019B960494DF}">
-                <a14:hiddenLine xmlns="" xmlns:a14="http://schemas.microsoft.com/office/drawing/2010/main" w="9525">
+                <a14:hiddenLine xmlns:a14="http://schemas.microsoft.com/office/drawing/2010/main" xmlns="" w="9525">
                   <a:solidFill>
                     <a:srgbClr val="000000"/>
                   </a:solidFill>
@@ -1523,7 +1523,7 @@
             </a:ln>
             <a:extLst>
               <a:ext uri="{91240B29-F687-4f45-9708-019B960494DF}">
-                <a14:hiddenLine xmlns="" xmlns:a14="http://schemas.microsoft.com/office/drawing/2010/main" w="9525">
+                <a14:hiddenLine xmlns:a14="http://schemas.microsoft.com/office/drawing/2010/main" xmlns="" w="9525">
                   <a:solidFill>
                     <a:srgbClr val="000000"/>
                   </a:solidFill>
@@ -1613,7 +1613,7 @@
             </a:ln>
             <a:extLst>
               <a:ext uri="{91240B29-F687-4f45-9708-019B960494DF}">
-                <a14:hiddenLine xmlns="" xmlns:a14="http://schemas.microsoft.com/office/drawing/2010/main" w="9525">
+                <a14:hiddenLine xmlns:a14="http://schemas.microsoft.com/office/drawing/2010/main" xmlns="" w="9525">
                   <a:solidFill>
                     <a:srgbClr val="000000"/>
                   </a:solidFill>
@@ -1703,7 +1703,7 @@
             </a:ln>
             <a:extLst>
               <a:ext uri="{91240B29-F687-4f45-9708-019B960494DF}">
-                <a14:hiddenLine xmlns="" xmlns:a14="http://schemas.microsoft.com/office/drawing/2010/main" w="9525">
+                <a14:hiddenLine xmlns:a14="http://schemas.microsoft.com/office/drawing/2010/main" xmlns="" w="9525">
                   <a:solidFill>
                     <a:srgbClr val="000000"/>
                   </a:solidFill>
@@ -1759,7 +1759,7 @@
             </a:ln>
             <a:extLst>
               <a:ext uri="{91240B29-F687-4f45-9708-019B960494DF}">
-                <a14:hiddenLine xmlns="" xmlns:a14="http://schemas.microsoft.com/office/drawing/2010/main" w="9525">
+                <a14:hiddenLine xmlns:a14="http://schemas.microsoft.com/office/drawing/2010/main" xmlns="" w="9525">
                   <a:solidFill>
                     <a:srgbClr val="000000"/>
                   </a:solidFill>
@@ -1849,7 +1849,7 @@
             </a:ln>
             <a:extLst>
               <a:ext uri="{91240B29-F687-4f45-9708-019B960494DF}">
-                <a14:hiddenLine xmlns="" xmlns:a14="http://schemas.microsoft.com/office/drawing/2010/main" w="9525">
+                <a14:hiddenLine xmlns:a14="http://schemas.microsoft.com/office/drawing/2010/main" xmlns="" w="9525">
                   <a:solidFill>
                     <a:srgbClr val="000000"/>
                   </a:solidFill>
@@ -1905,7 +1905,7 @@
             </a:ln>
             <a:extLst>
               <a:ext uri="{91240B29-F687-4f45-9708-019B960494DF}">
-                <a14:hiddenLine xmlns="" xmlns:a14="http://schemas.microsoft.com/office/drawing/2010/main" w="9525">
+                <a14:hiddenLine xmlns:a14="http://schemas.microsoft.com/office/drawing/2010/main" xmlns="" w="9525">
                   <a:solidFill>
                     <a:srgbClr val="000000"/>
                   </a:solidFill>
@@ -1995,7 +1995,7 @@
             </a:ln>
             <a:extLst>
               <a:ext uri="{91240B29-F687-4f45-9708-019B960494DF}">
-                <a14:hiddenLine xmlns="" xmlns:a14="http://schemas.microsoft.com/office/drawing/2010/main" w="9525">
+                <a14:hiddenLine xmlns:a14="http://schemas.microsoft.com/office/drawing/2010/main" xmlns="" w="9525">
                   <a:solidFill>
                     <a:srgbClr val="000000"/>
                   </a:solidFill>
@@ -2063,7 +2063,7 @@
             </a:ln>
             <a:extLst>
               <a:ext uri="{91240B29-F687-4f45-9708-019B960494DF}">
-                <a14:hiddenLine xmlns="" xmlns:a14="http://schemas.microsoft.com/office/drawing/2010/main" w="9525">
+                <a14:hiddenLine xmlns:a14="http://schemas.microsoft.com/office/drawing/2010/main" xmlns="" w="9525">
                   <a:solidFill>
                     <a:srgbClr val="000000"/>
                   </a:solidFill>
@@ -2153,7 +2153,7 @@
             </a:ln>
             <a:extLst>
               <a:ext uri="{91240B29-F687-4f45-9708-019B960494DF}">
-                <a14:hiddenLine xmlns="" xmlns:a14="http://schemas.microsoft.com/office/drawing/2010/main" w="9525">
+                <a14:hiddenLine xmlns:a14="http://schemas.microsoft.com/office/drawing/2010/main" xmlns="" w="9525">
                   <a:solidFill>
                     <a:srgbClr val="000000"/>
                   </a:solidFill>
@@ -2221,7 +2221,7 @@
             </a:ln>
             <a:extLst>
               <a:ext uri="{91240B29-F687-4f45-9708-019B960494DF}">
-                <a14:hiddenLine xmlns="" xmlns:a14="http://schemas.microsoft.com/office/drawing/2010/main" w="9525">
+                <a14:hiddenLine xmlns:a14="http://schemas.microsoft.com/office/drawing/2010/main" xmlns="" w="9525">
                   <a:solidFill>
                     <a:srgbClr val="000000"/>
                   </a:solidFill>
@@ -2311,7 +2311,7 @@
             </a:ln>
             <a:extLst>
               <a:ext uri="{91240B29-F687-4f45-9708-019B960494DF}">
-                <a14:hiddenLine xmlns="" xmlns:a14="http://schemas.microsoft.com/office/drawing/2010/main" w="9525">
+                <a14:hiddenLine xmlns:a14="http://schemas.microsoft.com/office/drawing/2010/main" xmlns="" w="9525">
                   <a:solidFill>
                     <a:srgbClr val="000000"/>
                   </a:solidFill>
@@ -2345,7 +2345,7 @@
             </a:ln>
             <a:extLst>
               <a:ext uri="{91240B29-F687-4f45-9708-019B960494DF}">
-                <a14:hiddenLine xmlns="" xmlns:a14="http://schemas.microsoft.com/office/drawing/2010/main" w="9525">
+                <a14:hiddenLine xmlns:a14="http://schemas.microsoft.com/office/drawing/2010/main" xmlns="" w="9525">
                   <a:solidFill>
                     <a:srgbClr val="000000"/>
                   </a:solidFill>
@@ -2435,7 +2435,7 @@
             </a:ln>
             <a:extLst>
               <a:ext uri="{91240B29-F687-4f45-9708-019B960494DF}">
-                <a14:hiddenLine xmlns="" xmlns:a14="http://schemas.microsoft.com/office/drawing/2010/main" w="9525">
+                <a14:hiddenLine xmlns:a14="http://schemas.microsoft.com/office/drawing/2010/main" xmlns="" w="9525">
                   <a:solidFill>
                     <a:srgbClr val="000000"/>
                   </a:solidFill>
@@ -2497,7 +2497,7 @@
             </a:ln>
             <a:extLst>
               <a:ext uri="{91240B29-F687-4f45-9708-019B960494DF}">
-                <a14:hiddenLine xmlns="" xmlns:a14="http://schemas.microsoft.com/office/drawing/2010/main" w="9525">
+                <a14:hiddenLine xmlns:a14="http://schemas.microsoft.com/office/drawing/2010/main" xmlns="" w="9525">
                   <a:solidFill>
                     <a:srgbClr val="000000"/>
                   </a:solidFill>
@@ -2559,7 +2559,7 @@
             </a:ln>
             <a:extLst>
               <a:ext uri="{91240B29-F687-4f45-9708-019B960494DF}">
-                <a14:hiddenLine xmlns="" xmlns:a14="http://schemas.microsoft.com/office/drawing/2010/main" w="9525">
+                <a14:hiddenLine xmlns:a14="http://schemas.microsoft.com/office/drawing/2010/main" xmlns="" w="9525">
                   <a:solidFill>
                     <a:srgbClr val="000000"/>
                   </a:solidFill>
@@ -2649,7 +2649,7 @@
             </a:ln>
             <a:extLst>
               <a:ext uri="{91240B29-F687-4f45-9708-019B960494DF}">
-                <a14:hiddenLine xmlns="" xmlns:a14="http://schemas.microsoft.com/office/drawing/2010/main" w="9525">
+                <a14:hiddenLine xmlns:a14="http://schemas.microsoft.com/office/drawing/2010/main" xmlns="" w="9525">
                   <a:solidFill>
                     <a:srgbClr val="000000"/>
                   </a:solidFill>
@@ -2717,7 +2717,7 @@
             </a:ln>
             <a:extLst>
               <a:ext uri="{91240B29-F687-4f45-9708-019B960494DF}">
-                <a14:hiddenLine xmlns="" xmlns:a14="http://schemas.microsoft.com/office/drawing/2010/main" w="9525">
+                <a14:hiddenLine xmlns:a14="http://schemas.microsoft.com/office/drawing/2010/main" xmlns="" w="9525">
                   <a:solidFill>
                     <a:srgbClr val="000000"/>
                   </a:solidFill>
@@ -2779,7 +2779,7 @@
             </a:ln>
             <a:extLst>
               <a:ext uri="{91240B29-F687-4f45-9708-019B960494DF}">
-                <a14:hiddenLine xmlns="" xmlns:a14="http://schemas.microsoft.com/office/drawing/2010/main" w="9525">
+                <a14:hiddenLine xmlns:a14="http://schemas.microsoft.com/office/drawing/2010/main" xmlns="" w="9525">
                   <a:solidFill>
                     <a:srgbClr val="000000"/>
                   </a:solidFill>
@@ -2869,7 +2869,7 @@
             </a:ln>
             <a:extLst>
               <a:ext uri="{91240B29-F687-4f45-9708-019B960494DF}">
-                <a14:hiddenLine xmlns="" xmlns:a14="http://schemas.microsoft.com/office/drawing/2010/main" w="9525">
+                <a14:hiddenLine xmlns:a14="http://schemas.microsoft.com/office/drawing/2010/main" xmlns="" w="9525">
                   <a:solidFill>
                     <a:srgbClr val="000000"/>
                   </a:solidFill>
@@ -2931,7 +2931,7 @@
             </a:ln>
             <a:extLst>
               <a:ext uri="{91240B29-F687-4f45-9708-019B960494DF}">
-                <a14:hiddenLine xmlns="" xmlns:a14="http://schemas.microsoft.com/office/drawing/2010/main" w="9525">
+                <a14:hiddenLine xmlns:a14="http://schemas.microsoft.com/office/drawing/2010/main" xmlns="" w="9525">
                   <a:solidFill>
                     <a:srgbClr val="000000"/>
                   </a:solidFill>
@@ -3021,7 +3021,7 @@
             </a:ln>
             <a:extLst>
               <a:ext uri="{91240B29-F687-4f45-9708-019B960494DF}">
-                <a14:hiddenLine xmlns="" xmlns:a14="http://schemas.microsoft.com/office/drawing/2010/main" w="9525">
+                <a14:hiddenLine xmlns:a14="http://schemas.microsoft.com/office/drawing/2010/main" xmlns="" w="9525">
                   <a:solidFill>
                     <a:srgbClr val="000000"/>
                   </a:solidFill>
@@ -3083,7 +3083,7 @@
             </a:ln>
             <a:extLst>
               <a:ext uri="{91240B29-F687-4f45-9708-019B960494DF}">
-                <a14:hiddenLine xmlns="" xmlns:a14="http://schemas.microsoft.com/office/drawing/2010/main" w="9525">
+                <a14:hiddenLine xmlns:a14="http://schemas.microsoft.com/office/drawing/2010/main" xmlns="" w="9525">
                   <a:solidFill>
                     <a:srgbClr val="000000"/>
                   </a:solidFill>
@@ -3173,7 +3173,7 @@
             </a:ln>
             <a:extLst>
               <a:ext uri="{91240B29-F687-4f45-9708-019B960494DF}">
-                <a14:hiddenLine xmlns="" xmlns:a14="http://schemas.microsoft.com/office/drawing/2010/main" w="9525">
+                <a14:hiddenLine xmlns:a14="http://schemas.microsoft.com/office/drawing/2010/main" xmlns="" w="9525">
                   <a:solidFill>
                     <a:srgbClr val="000000"/>
                   </a:solidFill>
@@ -3207,7 +3207,7 @@
             </a:ln>
             <a:extLst>
               <a:ext uri="{91240B29-F687-4f45-9708-019B960494DF}">
-                <a14:hiddenLine xmlns="" xmlns:a14="http://schemas.microsoft.com/office/drawing/2010/main" w="9525">
+                <a14:hiddenLine xmlns:a14="http://schemas.microsoft.com/office/drawing/2010/main" xmlns="" w="9525">
                   <a:solidFill>
                     <a:srgbClr val="000000"/>
                   </a:solidFill>
@@ -3272,7 +3272,7 @@
             </a:ln>
             <a:extLst>
               <a:ext uri="{91240B29-F687-4f45-9708-019B960494DF}">
-                <a14:hiddenLine xmlns="" xmlns:a14="http://schemas.microsoft.com/office/drawing/2010/main" w="9525">
+                <a14:hiddenLine xmlns:a14="http://schemas.microsoft.com/office/drawing/2010/main" xmlns="" w="9525">
                   <a:solidFill>
                     <a:srgbClr val="000000"/>
                   </a:solidFill>
@@ -3362,7 +3362,7 @@
             </a:ln>
             <a:extLst>
               <a:ext uri="{91240B29-F687-4f45-9708-019B960494DF}">
-                <a14:hiddenLine xmlns="" xmlns:a14="http://schemas.microsoft.com/office/drawing/2010/main" w="9525">
+                <a14:hiddenLine xmlns:a14="http://schemas.microsoft.com/office/drawing/2010/main" xmlns="" w="9525">
                   <a:solidFill>
                     <a:srgbClr val="000000"/>
                   </a:solidFill>
@@ -3424,7 +3424,7 @@
             </a:ln>
             <a:extLst>
               <a:ext uri="{91240B29-F687-4f45-9708-019B960494DF}">
-                <a14:hiddenLine xmlns="" xmlns:a14="http://schemas.microsoft.com/office/drawing/2010/main" w="9525">
+                <a14:hiddenLine xmlns:a14="http://schemas.microsoft.com/office/drawing/2010/main" xmlns="" w="9525">
                   <a:solidFill>
                     <a:srgbClr val="000000"/>
                   </a:solidFill>
@@ -3514,7 +3514,7 @@
             </a:ln>
             <a:extLst>
               <a:ext uri="{91240B29-F687-4f45-9708-019B960494DF}">
-                <a14:hiddenLine xmlns="" xmlns:a14="http://schemas.microsoft.com/office/drawing/2010/main" w="9525">
+                <a14:hiddenLine xmlns:a14="http://schemas.microsoft.com/office/drawing/2010/main" xmlns="" w="9525">
                   <a:solidFill>
                     <a:srgbClr val="000000"/>
                   </a:solidFill>
@@ -3604,7 +3604,7 @@
             </a:ln>
             <a:extLst>
               <a:ext uri="{91240B29-F687-4f45-9708-019B960494DF}">
-                <a14:hiddenLine xmlns="" xmlns:a14="http://schemas.microsoft.com/office/drawing/2010/main" w="9525">
+                <a14:hiddenLine xmlns:a14="http://schemas.microsoft.com/office/drawing/2010/main" xmlns="" w="9525">
                   <a:solidFill>
                     <a:srgbClr val="000000"/>
                   </a:solidFill>
@@ -3669,7 +3669,7 @@
             </a:ln>
             <a:extLst>
               <a:ext uri="{91240B29-F687-4f45-9708-019B960494DF}">
-                <a14:hiddenLine xmlns="" xmlns:a14="http://schemas.microsoft.com/office/drawing/2010/main" w="9525">
+                <a14:hiddenLine xmlns:a14="http://schemas.microsoft.com/office/drawing/2010/main" xmlns="" w="9525">
                   <a:solidFill>
                     <a:srgbClr val="000000"/>
                   </a:solidFill>
@@ -3731,7 +3731,7 @@
             </a:ln>
             <a:extLst>
               <a:ext uri="{91240B29-F687-4f45-9708-019B960494DF}">
-                <a14:hiddenLine xmlns="" xmlns:a14="http://schemas.microsoft.com/office/drawing/2010/main" w="9525">
+                <a14:hiddenLine xmlns:a14="http://schemas.microsoft.com/office/drawing/2010/main" xmlns="" w="9525">
                   <a:solidFill>
                     <a:srgbClr val="000000"/>
                   </a:solidFill>
@@ -3821,7 +3821,7 @@
             </a:ln>
             <a:extLst>
               <a:ext uri="{91240B29-F687-4f45-9708-019B960494DF}">
-                <a14:hiddenLine xmlns="" xmlns:a14="http://schemas.microsoft.com/office/drawing/2010/main" w="9525">
+                <a14:hiddenLine xmlns:a14="http://schemas.microsoft.com/office/drawing/2010/main" xmlns="" w="9525">
                   <a:solidFill>
                     <a:srgbClr val="000000"/>
                   </a:solidFill>
@@ -3911,7 +3911,7 @@
             </a:ln>
             <a:extLst>
               <a:ext uri="{91240B29-F687-4f45-9708-019B960494DF}">
-                <a14:hiddenLine xmlns="" xmlns:a14="http://schemas.microsoft.com/office/drawing/2010/main" w="9525">
+                <a14:hiddenLine xmlns:a14="http://schemas.microsoft.com/office/drawing/2010/main" xmlns="" w="9525">
                   <a:solidFill>
                     <a:srgbClr val="000000"/>
                   </a:solidFill>
@@ -3973,7 +3973,7 @@
             </a:ln>
             <a:extLst>
               <a:ext uri="{91240B29-F687-4f45-9708-019B960494DF}">
-                <a14:hiddenLine xmlns="" xmlns:a14="http://schemas.microsoft.com/office/drawing/2010/main" w="9525">
+                <a14:hiddenLine xmlns:a14="http://schemas.microsoft.com/office/drawing/2010/main" xmlns="" w="9525">
                   <a:solidFill>
                     <a:srgbClr val="000000"/>
                   </a:solidFill>
@@ -4093,7 +4093,7 @@
             </a:ln>
             <a:extLst>
               <a:ext uri="{91240B29-F687-4f45-9708-019B960494DF}">
-                <a14:hiddenLine xmlns="" xmlns:a14="http://schemas.microsoft.com/office/drawing/2010/main" w="9525">
+                <a14:hiddenLine xmlns:a14="http://schemas.microsoft.com/office/drawing/2010/main" xmlns="" w="9525">
                   <a:solidFill>
                     <a:srgbClr val="000000"/>
                   </a:solidFill>
@@ -4161,7 +4161,7 @@
             </a:ln>
             <a:extLst>
               <a:ext uri="{91240B29-F687-4f45-9708-019B960494DF}">
-                <a14:hiddenLine xmlns="" xmlns:a14="http://schemas.microsoft.com/office/drawing/2010/main" w="9525">
+                <a14:hiddenLine xmlns:a14="http://schemas.microsoft.com/office/drawing/2010/main" xmlns="" w="9525">
                   <a:solidFill>
                     <a:srgbClr val="000000"/>
                   </a:solidFill>
@@ -4251,7 +4251,7 @@
             </a:ln>
             <a:extLst>
               <a:ext uri="{91240B29-F687-4f45-9708-019B960494DF}">
-                <a14:hiddenLine xmlns="" xmlns:a14="http://schemas.microsoft.com/office/drawing/2010/main" w="9525">
+                <a14:hiddenLine xmlns:a14="http://schemas.microsoft.com/office/drawing/2010/main" xmlns="" w="9525">
                   <a:solidFill>
                     <a:srgbClr val="000000"/>
                   </a:solidFill>
@@ -4391,7 +4391,7 @@
           <a:p>
             <a:fld id="{C3600A06-36DD-406A-821E-53AD92F7ED8A}" type="datetimeFigureOut">
               <a:rPr lang="uk-UA" smtClean="0"/>
-              <a:t>05.03.2021</a:t>
+              <a:t>12.03.2021</a:t>
             </a:fld>
             <a:endParaRPr lang="uk-UA"/>
           </a:p>
@@ -4658,7 +4658,7 @@
           <a:p>
             <a:fld id="{C3600A06-36DD-406A-821E-53AD92F7ED8A}" type="datetimeFigureOut">
               <a:rPr lang="uk-UA" smtClean="0"/>
-              <a:t>05.03.2021</a:t>
+              <a:t>12.03.2021</a:t>
             </a:fld>
             <a:endParaRPr lang="uk-UA"/>
           </a:p>
@@ -4854,7 +4854,7 @@
           <a:p>
             <a:fld id="{C3600A06-36DD-406A-821E-53AD92F7ED8A}" type="datetimeFigureOut">
               <a:rPr lang="uk-UA" smtClean="0"/>
-              <a:t>05.03.2021</a:t>
+              <a:t>12.03.2021</a:t>
             </a:fld>
             <a:endParaRPr lang="uk-UA"/>
           </a:p>
@@ -5117,7 +5117,7 @@
           <a:p>
             <a:fld id="{C3600A06-36DD-406A-821E-53AD92F7ED8A}" type="datetimeFigureOut">
               <a:rPr lang="uk-UA" smtClean="0"/>
-              <a:t>05.03.2021</a:t>
+              <a:t>12.03.2021</a:t>
             </a:fld>
             <a:endParaRPr lang="uk-UA"/>
           </a:p>
@@ -5551,7 +5551,7 @@
           <a:p>
             <a:fld id="{C3600A06-36DD-406A-821E-53AD92F7ED8A}" type="datetimeFigureOut">
               <a:rPr lang="uk-UA" smtClean="0"/>
-              <a:t>05.03.2021</a:t>
+              <a:t>12.03.2021</a:t>
             </a:fld>
             <a:endParaRPr lang="uk-UA"/>
           </a:p>
@@ -6097,7 +6097,7 @@
           <a:p>
             <a:fld id="{C3600A06-36DD-406A-821E-53AD92F7ED8A}" type="datetimeFigureOut">
               <a:rPr lang="uk-UA" smtClean="0"/>
-              <a:t>05.03.2021</a:t>
+              <a:t>12.03.2021</a:t>
             </a:fld>
             <a:endParaRPr lang="uk-UA"/>
           </a:p>
@@ -6817,7 +6817,7 @@
           <a:p>
             <a:fld id="{C3600A06-36DD-406A-821E-53AD92F7ED8A}" type="datetimeFigureOut">
               <a:rPr lang="uk-UA" smtClean="0"/>
-              <a:t>05.03.2021</a:t>
+              <a:t>12.03.2021</a:t>
             </a:fld>
             <a:endParaRPr lang="uk-UA"/>
           </a:p>
@@ -6987,7 +6987,7 @@
           <a:p>
             <a:fld id="{C3600A06-36DD-406A-821E-53AD92F7ED8A}" type="datetimeFigureOut">
               <a:rPr lang="uk-UA" smtClean="0"/>
-              <a:t>05.03.2021</a:t>
+              <a:t>12.03.2021</a:t>
             </a:fld>
             <a:endParaRPr lang="uk-UA"/>
           </a:p>
@@ -7167,7 +7167,7 @@
           <a:p>
             <a:fld id="{C3600A06-36DD-406A-821E-53AD92F7ED8A}" type="datetimeFigureOut">
               <a:rPr lang="uk-UA" smtClean="0"/>
-              <a:t>05.03.2021</a:t>
+              <a:t>12.03.2021</a:t>
             </a:fld>
             <a:endParaRPr lang="uk-UA"/>
           </a:p>
@@ -7337,7 +7337,7 @@
           <a:p>
             <a:fld id="{C3600A06-36DD-406A-821E-53AD92F7ED8A}" type="datetimeFigureOut">
               <a:rPr lang="uk-UA" smtClean="0"/>
-              <a:t>05.03.2021</a:t>
+              <a:t>12.03.2021</a:t>
             </a:fld>
             <a:endParaRPr lang="uk-UA"/>
           </a:p>
@@ -7587,7 +7587,7 @@
           <a:p>
             <a:fld id="{C3600A06-36DD-406A-821E-53AD92F7ED8A}" type="datetimeFigureOut">
               <a:rPr lang="uk-UA" smtClean="0"/>
-              <a:t>05.03.2021</a:t>
+              <a:t>12.03.2021</a:t>
             </a:fld>
             <a:endParaRPr lang="uk-UA"/>
           </a:p>
@@ -7819,7 +7819,7 @@
           <a:p>
             <a:fld id="{C3600A06-36DD-406A-821E-53AD92F7ED8A}" type="datetimeFigureOut">
               <a:rPr lang="uk-UA" smtClean="0"/>
-              <a:t>05.03.2021</a:t>
+              <a:t>12.03.2021</a:t>
             </a:fld>
             <a:endParaRPr lang="uk-UA"/>
           </a:p>
@@ -8200,7 +8200,7 @@
           <a:p>
             <a:fld id="{C3600A06-36DD-406A-821E-53AD92F7ED8A}" type="datetimeFigureOut">
               <a:rPr lang="uk-UA" smtClean="0"/>
-              <a:t>05.03.2021</a:t>
+              <a:t>12.03.2021</a:t>
             </a:fld>
             <a:endParaRPr lang="uk-UA"/>
           </a:p>
@@ -8318,7 +8318,7 @@
           <a:p>
             <a:fld id="{C3600A06-36DD-406A-821E-53AD92F7ED8A}" type="datetimeFigureOut">
               <a:rPr lang="uk-UA" smtClean="0"/>
-              <a:t>05.03.2021</a:t>
+              <a:t>12.03.2021</a:t>
             </a:fld>
             <a:endParaRPr lang="uk-UA"/>
           </a:p>
@@ -8413,7 +8413,7 @@
           <a:p>
             <a:fld id="{C3600A06-36DD-406A-821E-53AD92F7ED8A}" type="datetimeFigureOut">
               <a:rPr lang="uk-UA" smtClean="0"/>
-              <a:t>05.03.2021</a:t>
+              <a:t>12.03.2021</a:t>
             </a:fld>
             <a:endParaRPr lang="uk-UA"/>
           </a:p>
@@ -8662,7 +8662,7 @@
           <a:p>
             <a:fld id="{C3600A06-36DD-406A-821E-53AD92F7ED8A}" type="datetimeFigureOut">
               <a:rPr lang="uk-UA" smtClean="0"/>
-              <a:t>05.03.2021</a:t>
+              <a:t>12.03.2021</a:t>
             </a:fld>
             <a:endParaRPr lang="uk-UA"/>
           </a:p>
@@ -8942,7 +8942,7 @@
           <a:p>
             <a:fld id="{C3600A06-36DD-406A-821E-53AD92F7ED8A}" type="datetimeFigureOut">
               <a:rPr lang="uk-UA" smtClean="0"/>
-              <a:t>05.03.2021</a:t>
+              <a:t>12.03.2021</a:t>
             </a:fld>
             <a:endParaRPr lang="uk-UA"/>
           </a:p>
@@ -9058,7 +9058,7 @@
           <a:noFill/>
           <a:extLst>
             <a:ext uri="{909E8E84-426E-40dd-AFC4-6F175D3DCCD1}">
-              <a14:hiddenFill xmlns="" xmlns:a14="http://schemas.microsoft.com/office/drawing/2010/main">
+              <a14:hiddenFill xmlns:a14="http://schemas.microsoft.com/office/drawing/2010/main" xmlns="">
                 <a:solidFill>
                   <a:srgbClr val="FFFFFF"/>
                 </a:solidFill>
@@ -9132,7 +9132,7 @@
               </a:ln>
               <a:extLst>
                 <a:ext uri="{91240B29-F687-4f45-9708-019B960494DF}">
-                  <a14:hiddenLine xmlns="" xmlns:a14="http://schemas.microsoft.com/office/drawing/2010/main" w="9525">
+                  <a14:hiddenLine xmlns:a14="http://schemas.microsoft.com/office/drawing/2010/main" xmlns="" w="9525">
                     <a:solidFill>
                       <a:srgbClr val="000000"/>
                     </a:solidFill>
@@ -9222,7 +9222,7 @@
               </a:ln>
               <a:extLst>
                 <a:ext uri="{91240B29-F687-4f45-9708-019B960494DF}">
-                  <a14:hiddenLine xmlns="" xmlns:a14="http://schemas.microsoft.com/office/drawing/2010/main" w="9525">
+                  <a14:hiddenLine xmlns:a14="http://schemas.microsoft.com/office/drawing/2010/main" xmlns="" w="9525">
                     <a:solidFill>
                       <a:srgbClr val="000000"/>
                     </a:solidFill>
@@ -9312,7 +9312,7 @@
               </a:ln>
               <a:extLst>
                 <a:ext uri="{91240B29-F687-4f45-9708-019B960494DF}">
-                  <a14:hiddenLine xmlns="" xmlns:a14="http://schemas.microsoft.com/office/drawing/2010/main" w="9525">
+                  <a14:hiddenLine xmlns:a14="http://schemas.microsoft.com/office/drawing/2010/main" xmlns="" w="9525">
                     <a:solidFill>
                       <a:srgbClr val="000000"/>
                     </a:solidFill>
@@ -9374,7 +9374,7 @@
               </a:ln>
               <a:extLst>
                 <a:ext uri="{91240B29-F687-4f45-9708-019B960494DF}">
-                  <a14:hiddenLine xmlns="" xmlns:a14="http://schemas.microsoft.com/office/drawing/2010/main" w="9525">
+                  <a14:hiddenLine xmlns:a14="http://schemas.microsoft.com/office/drawing/2010/main" xmlns="" w="9525">
                     <a:solidFill>
                       <a:srgbClr val="000000"/>
                     </a:solidFill>
@@ -9464,7 +9464,7 @@
               </a:ln>
               <a:extLst>
                 <a:ext uri="{91240B29-F687-4f45-9708-019B960494DF}">
-                  <a14:hiddenLine xmlns="" xmlns:a14="http://schemas.microsoft.com/office/drawing/2010/main" w="9525">
+                  <a14:hiddenLine xmlns:a14="http://schemas.microsoft.com/office/drawing/2010/main" xmlns="" w="9525">
                     <a:solidFill>
                       <a:srgbClr val="000000"/>
                     </a:solidFill>
@@ -9526,7 +9526,7 @@
               </a:ln>
               <a:extLst>
                 <a:ext uri="{91240B29-F687-4f45-9708-019B960494DF}">
-                  <a14:hiddenLine xmlns="" xmlns:a14="http://schemas.microsoft.com/office/drawing/2010/main" w="9525">
+                  <a14:hiddenLine xmlns:a14="http://schemas.microsoft.com/office/drawing/2010/main" xmlns="" w="9525">
                     <a:solidFill>
                       <a:srgbClr val="000000"/>
                     </a:solidFill>
@@ -9588,7 +9588,7 @@
               </a:ln>
               <a:extLst>
                 <a:ext uri="{91240B29-F687-4f45-9708-019B960494DF}">
-                  <a14:hiddenLine xmlns="" xmlns:a14="http://schemas.microsoft.com/office/drawing/2010/main" w="9525">
+                  <a14:hiddenLine xmlns:a14="http://schemas.microsoft.com/office/drawing/2010/main" xmlns="" w="9525">
                     <a:solidFill>
                       <a:srgbClr val="000000"/>
                     </a:solidFill>
@@ -9678,7 +9678,7 @@
               </a:ln>
               <a:extLst>
                 <a:ext uri="{91240B29-F687-4f45-9708-019B960494DF}">
-                  <a14:hiddenLine xmlns="" xmlns:a14="http://schemas.microsoft.com/office/drawing/2010/main" w="9525">
+                  <a14:hiddenLine xmlns:a14="http://schemas.microsoft.com/office/drawing/2010/main" xmlns="" w="9525">
                     <a:solidFill>
                       <a:srgbClr val="000000"/>
                     </a:solidFill>
@@ -9768,7 +9768,7 @@
               </a:ln>
               <a:extLst>
                 <a:ext uri="{91240B29-F687-4f45-9708-019B960494DF}">
-                  <a14:hiddenLine xmlns="" xmlns:a14="http://schemas.microsoft.com/office/drawing/2010/main" w="9525">
+                  <a14:hiddenLine xmlns:a14="http://schemas.microsoft.com/office/drawing/2010/main" xmlns="" w="9525">
                     <a:solidFill>
                       <a:srgbClr val="000000"/>
                     </a:solidFill>
@@ -9830,7 +9830,7 @@
               </a:ln>
               <a:extLst>
                 <a:ext uri="{91240B29-F687-4f45-9708-019B960494DF}">
-                  <a14:hiddenLine xmlns="" xmlns:a14="http://schemas.microsoft.com/office/drawing/2010/main" w="9525">
+                  <a14:hiddenLine xmlns:a14="http://schemas.microsoft.com/office/drawing/2010/main" xmlns="" w="9525">
                     <a:solidFill>
                       <a:srgbClr val="000000"/>
                     </a:solidFill>
@@ -9940,7 +9940,7 @@
               </a:ln>
               <a:extLst>
                 <a:ext uri="{91240B29-F687-4f45-9708-019B960494DF}">
-                  <a14:hiddenLine xmlns="" xmlns:a14="http://schemas.microsoft.com/office/drawing/2010/main" w="9525">
+                  <a14:hiddenLine xmlns:a14="http://schemas.microsoft.com/office/drawing/2010/main" xmlns="" w="9525">
                     <a:solidFill>
                       <a:srgbClr val="000000"/>
                     </a:solidFill>
@@ -10024,7 +10024,7 @@
               </a:ln>
               <a:extLst>
                 <a:ext uri="{91240B29-F687-4f45-9708-019B960494DF}">
-                  <a14:hiddenLine xmlns="" xmlns:a14="http://schemas.microsoft.com/office/drawing/2010/main" w="9525">
+                  <a14:hiddenLine xmlns:a14="http://schemas.microsoft.com/office/drawing/2010/main" xmlns="" w="9525">
                     <a:solidFill>
                       <a:srgbClr val="000000"/>
                     </a:solidFill>
@@ -10086,7 +10086,7 @@
               </a:ln>
               <a:extLst>
                 <a:ext uri="{91240B29-F687-4f45-9708-019B960494DF}">
-                  <a14:hiddenLine xmlns="" xmlns:a14="http://schemas.microsoft.com/office/drawing/2010/main" w="9525">
+                  <a14:hiddenLine xmlns:a14="http://schemas.microsoft.com/office/drawing/2010/main" xmlns="" w="9525">
                     <a:solidFill>
                       <a:srgbClr val="000000"/>
                     </a:solidFill>
@@ -10148,7 +10148,7 @@
               </a:ln>
               <a:extLst>
                 <a:ext uri="{91240B29-F687-4f45-9708-019B960494DF}">
-                  <a14:hiddenLine xmlns="" xmlns:a14="http://schemas.microsoft.com/office/drawing/2010/main" w="9525">
+                  <a14:hiddenLine xmlns:a14="http://schemas.microsoft.com/office/drawing/2010/main" xmlns="" w="9525">
                     <a:solidFill>
                       <a:srgbClr val="000000"/>
                     </a:solidFill>
@@ -10238,7 +10238,7 @@
               </a:ln>
               <a:extLst>
                 <a:ext uri="{91240B29-F687-4f45-9708-019B960494DF}">
-                  <a14:hiddenLine xmlns="" xmlns:a14="http://schemas.microsoft.com/office/drawing/2010/main" w="9525">
+                  <a14:hiddenLine xmlns:a14="http://schemas.microsoft.com/office/drawing/2010/main" xmlns="" w="9525">
                     <a:solidFill>
                       <a:srgbClr val="000000"/>
                     </a:solidFill>
@@ -10272,7 +10272,7 @@
               </a:ln>
               <a:extLst>
                 <a:ext uri="{91240B29-F687-4f45-9708-019B960494DF}">
-                  <a14:hiddenLine xmlns="" xmlns:a14="http://schemas.microsoft.com/office/drawing/2010/main" w="9525">
+                  <a14:hiddenLine xmlns:a14="http://schemas.microsoft.com/office/drawing/2010/main" xmlns="" w="9525">
                     <a:solidFill>
                       <a:srgbClr val="000000"/>
                     </a:solidFill>
@@ -10337,7 +10337,7 @@
               </a:ln>
               <a:extLst>
                 <a:ext uri="{91240B29-F687-4f45-9708-019B960494DF}">
-                  <a14:hiddenLine xmlns="" xmlns:a14="http://schemas.microsoft.com/office/drawing/2010/main" w="9525">
+                  <a14:hiddenLine xmlns:a14="http://schemas.microsoft.com/office/drawing/2010/main" xmlns="" w="9525">
                     <a:solidFill>
                       <a:srgbClr val="000000"/>
                     </a:solidFill>
@@ -10427,7 +10427,7 @@
               </a:ln>
               <a:extLst>
                 <a:ext uri="{91240B29-F687-4f45-9708-019B960494DF}">
-                  <a14:hiddenLine xmlns="" xmlns:a14="http://schemas.microsoft.com/office/drawing/2010/main" w="9525">
+                  <a14:hiddenLine xmlns:a14="http://schemas.microsoft.com/office/drawing/2010/main" xmlns="" w="9525">
                     <a:solidFill>
                       <a:srgbClr val="000000"/>
                     </a:solidFill>
@@ -10489,7 +10489,7 @@
               </a:ln>
               <a:extLst>
                 <a:ext uri="{91240B29-F687-4f45-9708-019B960494DF}">
-                  <a14:hiddenLine xmlns="" xmlns:a14="http://schemas.microsoft.com/office/drawing/2010/main" w="9525">
+                  <a14:hiddenLine xmlns:a14="http://schemas.microsoft.com/office/drawing/2010/main" xmlns="" w="9525">
                     <a:solidFill>
                       <a:srgbClr val="000000"/>
                     </a:solidFill>
@@ -10579,7 +10579,7 @@
               </a:ln>
               <a:extLst>
                 <a:ext uri="{91240B29-F687-4f45-9708-019B960494DF}">
-                  <a14:hiddenLine xmlns="" xmlns:a14="http://schemas.microsoft.com/office/drawing/2010/main" w="9525">
+                  <a14:hiddenLine xmlns:a14="http://schemas.microsoft.com/office/drawing/2010/main" xmlns="" w="9525">
                     <a:solidFill>
                       <a:srgbClr val="000000"/>
                     </a:solidFill>
@@ -10644,7 +10644,7 @@
               </a:ln>
               <a:extLst>
                 <a:ext uri="{91240B29-F687-4f45-9708-019B960494DF}">
-                  <a14:hiddenLine xmlns="" xmlns:a14="http://schemas.microsoft.com/office/drawing/2010/main" w="9525">
+                  <a14:hiddenLine xmlns:a14="http://schemas.microsoft.com/office/drawing/2010/main" xmlns="" w="9525">
                     <a:solidFill>
                       <a:srgbClr val="000000"/>
                     </a:solidFill>
@@ -10706,7 +10706,7 @@
               </a:ln>
               <a:extLst>
                 <a:ext uri="{91240B29-F687-4f45-9708-019B960494DF}">
-                  <a14:hiddenLine xmlns="" xmlns:a14="http://schemas.microsoft.com/office/drawing/2010/main" w="9525">
+                  <a14:hiddenLine xmlns:a14="http://schemas.microsoft.com/office/drawing/2010/main" xmlns="" w="9525">
                     <a:solidFill>
                       <a:srgbClr val="000000"/>
                     </a:solidFill>
@@ -10796,7 +10796,7 @@
               </a:ln>
               <a:extLst>
                 <a:ext uri="{91240B29-F687-4f45-9708-019B960494DF}">
-                  <a14:hiddenLine xmlns="" xmlns:a14="http://schemas.microsoft.com/office/drawing/2010/main" w="9525">
+                  <a14:hiddenLine xmlns:a14="http://schemas.microsoft.com/office/drawing/2010/main" xmlns="" w="9525">
                     <a:solidFill>
                       <a:srgbClr val="000000"/>
                     </a:solidFill>
@@ -10886,7 +10886,7 @@
               </a:ln>
               <a:extLst>
                 <a:ext uri="{91240B29-F687-4f45-9708-019B960494DF}">
-                  <a14:hiddenLine xmlns="" xmlns:a14="http://schemas.microsoft.com/office/drawing/2010/main" w="9525">
+                  <a14:hiddenLine xmlns:a14="http://schemas.microsoft.com/office/drawing/2010/main" xmlns="" w="9525">
                     <a:solidFill>
                       <a:srgbClr val="000000"/>
                     </a:solidFill>
@@ -10951,7 +10951,7 @@
               </a:ln>
               <a:extLst>
                 <a:ext uri="{91240B29-F687-4f45-9708-019B960494DF}">
-                  <a14:hiddenLine xmlns="" xmlns:a14="http://schemas.microsoft.com/office/drawing/2010/main" w="9525">
+                  <a14:hiddenLine xmlns:a14="http://schemas.microsoft.com/office/drawing/2010/main" xmlns="" w="9525">
                     <a:solidFill>
                       <a:srgbClr val="000000"/>
                     </a:solidFill>
@@ -11071,7 +11071,7 @@
               </a:ln>
               <a:extLst>
                 <a:ext uri="{91240B29-F687-4f45-9708-019B960494DF}">
-                  <a14:hiddenLine xmlns="" xmlns:a14="http://schemas.microsoft.com/office/drawing/2010/main" w="9525">
+                  <a14:hiddenLine xmlns:a14="http://schemas.microsoft.com/office/drawing/2010/main" xmlns="" w="9525">
                     <a:solidFill>
                       <a:srgbClr val="000000"/>
                     </a:solidFill>
@@ -11169,7 +11169,7 @@
               </a:ln>
               <a:extLst>
                 <a:ext uri="{91240B29-F687-4f45-9708-019B960494DF}">
-                  <a14:hiddenLine xmlns="" xmlns:a14="http://schemas.microsoft.com/office/drawing/2010/main" w="9525">
+                  <a14:hiddenLine xmlns:a14="http://schemas.microsoft.com/office/drawing/2010/main" xmlns="" w="9525">
                     <a:solidFill>
                       <a:srgbClr val="000000"/>
                     </a:solidFill>
@@ -11284,7 +11284,7 @@
               </a:ln>
               <a:extLst>
                 <a:ext uri="{91240B29-F687-4f45-9708-019B960494DF}">
-                  <a14:hiddenLine xmlns="" xmlns:a14="http://schemas.microsoft.com/office/drawing/2010/main" w="9525">
+                  <a14:hiddenLine xmlns:a14="http://schemas.microsoft.com/office/drawing/2010/main" xmlns="" w="9525">
                     <a:solidFill>
                       <a:srgbClr val="000000"/>
                     </a:solidFill>
@@ -11374,7 +11374,7 @@
               </a:ln>
               <a:extLst>
                 <a:ext uri="{91240B29-F687-4f45-9708-019B960494DF}">
-                  <a14:hiddenLine xmlns="" xmlns:a14="http://schemas.microsoft.com/office/drawing/2010/main" w="9525">
+                  <a14:hiddenLine xmlns:a14="http://schemas.microsoft.com/office/drawing/2010/main" xmlns="" w="9525">
                     <a:solidFill>
                       <a:srgbClr val="000000"/>
                     </a:solidFill>
@@ -11439,7 +11439,7 @@
               </a:ln>
               <a:extLst>
                 <a:ext uri="{91240B29-F687-4f45-9708-019B960494DF}">
-                  <a14:hiddenLine xmlns="" xmlns:a14="http://schemas.microsoft.com/office/drawing/2010/main" w="9525">
+                  <a14:hiddenLine xmlns:a14="http://schemas.microsoft.com/office/drawing/2010/main" xmlns="" w="9525">
                     <a:solidFill>
                       <a:srgbClr val="000000"/>
                     </a:solidFill>
@@ -11529,7 +11529,7 @@
               </a:ln>
               <a:extLst>
                 <a:ext uri="{91240B29-F687-4f45-9708-019B960494DF}">
-                  <a14:hiddenLine xmlns="" xmlns:a14="http://schemas.microsoft.com/office/drawing/2010/main" w="9525">
+                  <a14:hiddenLine xmlns:a14="http://schemas.microsoft.com/office/drawing/2010/main" xmlns="" w="9525">
                     <a:solidFill>
                       <a:srgbClr val="000000"/>
                     </a:solidFill>
@@ -11597,7 +11597,7 @@
               </a:ln>
               <a:extLst>
                 <a:ext uri="{91240B29-F687-4f45-9708-019B960494DF}">
-                  <a14:hiddenLine xmlns="" xmlns:a14="http://schemas.microsoft.com/office/drawing/2010/main" w="9525">
+                  <a14:hiddenLine xmlns:a14="http://schemas.microsoft.com/office/drawing/2010/main" xmlns="" w="9525">
                     <a:solidFill>
                       <a:srgbClr val="000000"/>
                     </a:solidFill>
@@ -11687,7 +11687,7 @@
               </a:ln>
               <a:extLst>
                 <a:ext uri="{91240B29-F687-4f45-9708-019B960494DF}">
-                  <a14:hiddenLine xmlns="" xmlns:a14="http://schemas.microsoft.com/office/drawing/2010/main" w="9525">
+                  <a14:hiddenLine xmlns:a14="http://schemas.microsoft.com/office/drawing/2010/main" xmlns="" w="9525">
                     <a:solidFill>
                       <a:srgbClr val="000000"/>
                     </a:solidFill>
@@ -11755,7 +11755,7 @@
               </a:ln>
               <a:extLst>
                 <a:ext uri="{91240B29-F687-4f45-9708-019B960494DF}">
-                  <a14:hiddenLine xmlns="" xmlns:a14="http://schemas.microsoft.com/office/drawing/2010/main" w="9525">
+                  <a14:hiddenLine xmlns:a14="http://schemas.microsoft.com/office/drawing/2010/main" xmlns="" w="9525">
                     <a:solidFill>
                       <a:srgbClr val="000000"/>
                     </a:solidFill>
@@ -11845,7 +11845,7 @@
               </a:ln>
               <a:extLst>
                 <a:ext uri="{91240B29-F687-4f45-9708-019B960494DF}">
-                  <a14:hiddenLine xmlns="" xmlns:a14="http://schemas.microsoft.com/office/drawing/2010/main" w="9525">
+                  <a14:hiddenLine xmlns:a14="http://schemas.microsoft.com/office/drawing/2010/main" xmlns="" w="9525">
                     <a:solidFill>
                       <a:srgbClr val="000000"/>
                     </a:solidFill>
@@ -11879,7 +11879,7 @@
               </a:ln>
               <a:extLst>
                 <a:ext uri="{91240B29-F687-4f45-9708-019B960494DF}">
-                  <a14:hiddenLine xmlns="" xmlns:a14="http://schemas.microsoft.com/office/drawing/2010/main" w="9525">
+                  <a14:hiddenLine xmlns:a14="http://schemas.microsoft.com/office/drawing/2010/main" xmlns="" w="9525">
                     <a:solidFill>
                       <a:srgbClr val="000000"/>
                     </a:solidFill>
@@ -12019,7 +12019,7 @@
           <a:p>
             <a:fld id="{C3600A06-36DD-406A-821E-53AD92F7ED8A}" type="datetimeFigureOut">
               <a:rPr lang="uk-UA" smtClean="0"/>
-              <a:t>05.03.2021</a:t>
+              <a:t>12.03.2021</a:t>
             </a:fld>
             <a:endParaRPr lang="uk-UA"/>
           </a:p>
@@ -14058,7 +14058,7 @@
                                     </p:set>
                                     <p:animEffect transition="in" filter="wipe(left)">
                                       <p:cBhvr>
-                                        <p:cTn id="7" dur="500"/>
+                                        <p:cTn id="7" dur="1000"/>
                                         <p:tgtEl>
                                           <p:spTgt spid="170"/>
                                         </p:tgtEl>
@@ -14073,7 +14073,7 @@
                         <p:par>
                           <p:cTn id="8" fill="hold">
                             <p:stCondLst>
-                              <p:cond delay="500"/>
+                              <p:cond delay="1000"/>
                             </p:stCondLst>
                             <p:childTnLst>
                               <p:par>
@@ -14102,7 +14102,7 @@
                                     </p:set>
                                     <p:animEffect transition="in" filter="wipe(down)">
                                       <p:cBhvr>
-                                        <p:cTn id="11" dur="500"/>
+                                        <p:cTn id="11" dur="1000"/>
                                         <p:tgtEl>
                                           <p:spTgt spid="104"/>
                                         </p:tgtEl>
@@ -14137,7 +14137,7 @@
                                     </p:set>
                                     <p:animEffect transition="in" filter="wipe(down)">
                                       <p:cBhvr>
-                                        <p:cTn id="14" dur="500"/>
+                                        <p:cTn id="14" dur="1000"/>
                                         <p:tgtEl>
                                           <p:spTgt spid="4"/>
                                         </p:tgtEl>
@@ -14172,7 +14172,7 @@
                                     </p:set>
                                     <p:animEffect transition="in" filter="wipe(down)">
                                       <p:cBhvr>
-                                        <p:cTn id="17" dur="500"/>
+                                        <p:cTn id="17" dur="1000"/>
                                         <p:tgtEl>
                                           <p:spTgt spid="105"/>
                                         </p:tgtEl>
@@ -14207,7 +14207,7 @@
                                     </p:set>
                                     <p:animEffect transition="in" filter="wipe(down)">
                                       <p:cBhvr>
-                                        <p:cTn id="20" dur="500"/>
+                                        <p:cTn id="20" dur="1000"/>
                                         <p:tgtEl>
                                           <p:spTgt spid="106"/>
                                         </p:tgtEl>
@@ -14242,7 +14242,7 @@
                                     </p:set>
                                     <p:animEffect transition="in" filter="wipe(down)">
                                       <p:cBhvr>
-                                        <p:cTn id="23" dur="500"/>
+                                        <p:cTn id="23" dur="1000"/>
                                         <p:tgtEl>
                                           <p:spTgt spid="5"/>
                                         </p:tgtEl>
@@ -14277,7 +14277,7 @@
                                     </p:set>
                                     <p:animEffect transition="in" filter="wipe(down)">
                                       <p:cBhvr>
-                                        <p:cTn id="26" dur="500"/>
+                                        <p:cTn id="26" dur="1000"/>
                                         <p:tgtEl>
                                           <p:spTgt spid="6"/>
                                         </p:tgtEl>
@@ -14312,7 +14312,7 @@
                                     </p:set>
                                     <p:animEffect transition="in" filter="wipe(down)">
                                       <p:cBhvr>
-                                        <p:cTn id="29" dur="500"/>
+                                        <p:cTn id="29" dur="1000"/>
                                         <p:tgtEl>
                                           <p:spTgt spid="21"/>
                                         </p:tgtEl>
@@ -14327,7 +14327,7 @@
                         <p:par>
                           <p:cTn id="30" fill="hold">
                             <p:stCondLst>
-                              <p:cond delay="1000"/>
+                              <p:cond delay="2000"/>
                             </p:stCondLst>
                             <p:childTnLst>
                               <p:par>
@@ -14356,7 +14356,7 @@
                                     </p:set>
                                     <p:animEffect transition="in" filter="wipe(left)">
                                       <p:cBhvr>
-                                        <p:cTn id="33" dur="500"/>
+                                        <p:cTn id="33" dur="1000"/>
                                         <p:tgtEl>
                                           <p:spTgt spid="64"/>
                                         </p:tgtEl>
@@ -14394,7 +14394,7 @@
                                     </p:set>
                                     <p:animEffect transition="in" filter="fade">
                                       <p:cBhvr>
-                                        <p:cTn id="36" dur="500"/>
+                                        <p:cTn id="36" dur="1000"/>
                                         <p:tgtEl>
                                           <p:spTgt spid="187"/>
                                         </p:tgtEl>
@@ -14429,7 +14429,7 @@
                                     </p:set>
                                     <p:animEffect transition="in" filter="wipe(left)">
                                       <p:cBhvr>
-                                        <p:cTn id="39" dur="500"/>
+                                        <p:cTn id="39" dur="1000"/>
                                         <p:tgtEl>
                                           <p:spTgt spid="63"/>
                                         </p:tgtEl>
@@ -14467,7 +14467,7 @@
                                     </p:set>
                                     <p:animEffect transition="in" filter="fade">
                                       <p:cBhvr>
-                                        <p:cTn id="42" dur="500"/>
+                                        <p:cTn id="42" dur="1000"/>
                                         <p:tgtEl>
                                           <p:spTgt spid="188"/>
                                         </p:tgtEl>
@@ -14502,7 +14502,7 @@
                                     </p:set>
                                     <p:animEffect transition="in" filter="wipe(left)">
                                       <p:cBhvr>
-                                        <p:cTn id="45" dur="500"/>
+                                        <p:cTn id="45" dur="1000"/>
                                         <p:tgtEl>
                                           <p:spTgt spid="56"/>
                                         </p:tgtEl>
@@ -14540,7 +14540,7 @@
                                     </p:set>
                                     <p:animEffect transition="in" filter="fade">
                                       <p:cBhvr>
-                                        <p:cTn id="48" dur="500"/>
+                                        <p:cTn id="48" dur="1000"/>
                                         <p:tgtEl>
                                           <p:spTgt spid="189"/>
                                         </p:tgtEl>
@@ -14555,7 +14555,7 @@
                         <p:par>
                           <p:cTn id="49" fill="hold">
                             <p:stCondLst>
-                              <p:cond delay="1500"/>
+                              <p:cond delay="3000"/>
                             </p:stCondLst>
                             <p:childTnLst>
                               <p:par>
@@ -14584,7 +14584,7 @@
                                     </p:set>
                                     <p:animEffect transition="in" filter="wipe(left)">
                                       <p:cBhvr>
-                                        <p:cTn id="52" dur="500"/>
+                                        <p:cTn id="52" dur="1000"/>
                                         <p:tgtEl>
                                           <p:spTgt spid="51"/>
                                         </p:tgtEl>
@@ -14622,7 +14622,7 @@
                                     </p:set>
                                     <p:animEffect transition="in" filter="fade">
                                       <p:cBhvr>
-                                        <p:cTn id="55" dur="500"/>
+                                        <p:cTn id="55" dur="1000"/>
                                         <p:tgtEl>
                                           <p:spTgt spid="190"/>
                                         </p:tgtEl>
@@ -14637,7 +14637,7 @@
                         <p:par>
                           <p:cTn id="56" fill="hold">
                             <p:stCondLst>
-                              <p:cond delay="2000"/>
+                              <p:cond delay="4000"/>
                             </p:stCondLst>
                             <p:childTnLst>
                               <p:par>
@@ -14666,7 +14666,7 @@
                                     </p:set>
                                     <p:animEffect transition="in" filter="wipe(left)">
                                       <p:cBhvr>
-                                        <p:cTn id="59" dur="500"/>
+                                        <p:cTn id="59" dur="1000"/>
                                         <p:tgtEl>
                                           <p:spTgt spid="88"/>
                                         </p:tgtEl>
@@ -14704,7 +14704,7 @@
                                     </p:set>
                                     <p:animEffect transition="in" filter="fade">
                                       <p:cBhvr>
-                                        <p:cTn id="62" dur="500"/>
+                                        <p:cTn id="62" dur="1000"/>
                                         <p:tgtEl>
                                           <p:spTgt spid="191"/>
                                         </p:tgtEl>
@@ -14739,7 +14739,7 @@
                                     </p:set>
                                     <p:animEffect transition="in" filter="wipe(up)">
                                       <p:cBhvr>
-                                        <p:cTn id="65" dur="500"/>
+                                        <p:cTn id="65" dur="1000"/>
                                         <p:tgtEl>
                                           <p:spTgt spid="73"/>
                                         </p:tgtEl>
@@ -14777,7 +14777,7 @@
                                     </p:set>
                                     <p:animEffect transition="in" filter="fade">
                                       <p:cBhvr>
-                                        <p:cTn id="68" dur="500"/>
+                                        <p:cTn id="68" dur="1000"/>
                                         <p:tgtEl>
                                           <p:spTgt spid="192"/>
                                         </p:tgtEl>
@@ -14792,7 +14792,7 @@
                         <p:par>
                           <p:cTn id="69" fill="hold">
                             <p:stCondLst>
-                              <p:cond delay="2500"/>
+                              <p:cond delay="5000"/>
                             </p:stCondLst>
                             <p:childTnLst>
                               <p:par>
@@ -14821,7 +14821,7 @@
                                     </p:set>
                                     <p:animEffect transition="in" filter="wipe(left)">
                                       <p:cBhvr>
-                                        <p:cTn id="72" dur="500"/>
+                                        <p:cTn id="72" dur="1000"/>
                                         <p:tgtEl>
                                           <p:spTgt spid="91"/>
                                         </p:tgtEl>
@@ -14859,7 +14859,7 @@
                                     </p:set>
                                     <p:animEffect transition="in" filter="fade">
                                       <p:cBhvr>
-                                        <p:cTn id="75" dur="500"/>
+                                        <p:cTn id="75" dur="1000"/>
                                         <p:tgtEl>
                                           <p:spTgt spid="193"/>
                                         </p:tgtEl>
@@ -14874,7 +14874,7 @@
                         <p:par>
                           <p:cTn id="76" fill="hold">
                             <p:stCondLst>
-                              <p:cond delay="3000"/>
+                              <p:cond delay="6000"/>
                             </p:stCondLst>
                             <p:childTnLst>
                               <p:par>
@@ -14903,7 +14903,7 @@
                                     </p:set>
                                     <p:animEffect transition="in" filter="wipe(left)">
                                       <p:cBhvr>
-                                        <p:cTn id="79" dur="500"/>
+                                        <p:cTn id="79" dur="1000"/>
                                         <p:tgtEl>
                                           <p:spTgt spid="80"/>
                                         </p:tgtEl>
@@ -14941,7 +14941,7 @@
                                     </p:set>
                                     <p:animEffect transition="in" filter="fade">
                                       <p:cBhvr>
-                                        <p:cTn id="82" dur="500"/>
+                                        <p:cTn id="82" dur="1000"/>
                                         <p:tgtEl>
                                           <p:spTgt spid="194"/>
                                         </p:tgtEl>
@@ -14956,7 +14956,7 @@
                         <p:par>
                           <p:cTn id="83" fill="hold">
                             <p:stCondLst>
-                              <p:cond delay="3500"/>
+                              <p:cond delay="7000"/>
                             </p:stCondLst>
                             <p:childTnLst>
                               <p:par>
@@ -14985,7 +14985,7 @@
                                     </p:set>
                                     <p:animEffect transition="in" filter="wipe(left)">
                                       <p:cBhvr>
-                                        <p:cTn id="86" dur="500"/>
+                                        <p:cTn id="86" dur="1000"/>
                                         <p:tgtEl>
                                           <p:spTgt spid="76"/>
                                         </p:tgtEl>
@@ -15023,7 +15023,7 @@
                                     </p:set>
                                     <p:animEffect transition="in" filter="fade">
                                       <p:cBhvr>
-                                        <p:cTn id="89" dur="500"/>
+                                        <p:cTn id="89" dur="1000"/>
                                         <p:tgtEl>
                                           <p:spTgt spid="195"/>
                                         </p:tgtEl>
@@ -15038,7 +15038,7 @@
                         <p:par>
                           <p:cTn id="90" fill="hold">
                             <p:stCondLst>
-                              <p:cond delay="4000"/>
+                              <p:cond delay="8000"/>
                             </p:stCondLst>
                             <p:childTnLst>
                               <p:par>
@@ -16804,7 +16804,7 @@
       <p:sp>
         <p:nvSpPr>
           <p:cNvPr id="42" name="Округлений прямокутник 41">
-            <a:hlinkClick r:id="rId2" action="ppaction://hlinksldjump"/>
+            <a:hlinkClick r:id="" action="ppaction://hlinkshowjump?jump=lastslide"/>
           </p:cNvPr>
           <p:cNvSpPr/>
           <p:nvPr/>
@@ -18825,7 +18825,7 @@
       <p:sp>
         <p:nvSpPr>
           <p:cNvPr id="5" name="Округлений прямокутник 4">
-            <a:hlinkClick r:id="rId3" action="ppaction://hlinksldjump"/>
+            <a:hlinkClick r:id="" action="ppaction://hlinkshowjump?jump=previousslide"/>
           </p:cNvPr>
           <p:cNvSpPr/>
           <p:nvPr/>
@@ -18882,7 +18882,7 @@
       <p:sp>
         <p:nvSpPr>
           <p:cNvPr id="6" name="Округлений прямокутник 5">
-            <a:hlinkClick r:id="rId4" action="ppaction://hlinksldjump"/>
+            <a:hlinkClick r:id="rId3" action="ppaction://hlinksldjump"/>
           </p:cNvPr>
           <p:cNvSpPr/>
           <p:nvPr/>

--- a/Graph_Dijkstra/dijkstra.pptx
+++ b/Graph_Dijkstra/dijkstra.pptx
@@ -7,8 +7,9 @@
   <p:sldIdLst>
     <p:sldId id="256" r:id="rId2"/>
     <p:sldId id="257" r:id="rId3"/>
-    <p:sldId id="265" r:id="rId4"/>
-    <p:sldId id="263" r:id="rId5"/>
+    <p:sldId id="266" r:id="rId4"/>
+    <p:sldId id="265" r:id="rId5"/>
+    <p:sldId id="263" r:id="rId6"/>
   </p:sldIdLst>
   <p:sldSz cx="12192000" cy="6858000"/>
   <p:notesSz cx="6858000" cy="9144000"/>
@@ -165,7 +166,7 @@
           <a:noFill/>
           <a:extLst>
             <a:ext uri="{909E8E84-426E-40dd-AFC4-6F175D3DCCD1}">
-              <a14:hiddenFill xmlns:a14="http://schemas.microsoft.com/office/drawing/2010/main" xmlns="">
+              <a14:hiddenFill xmlns="" xmlns:a14="http://schemas.microsoft.com/office/drawing/2010/main">
                 <a:solidFill>
                   <a:srgbClr val="FFFFFF"/>
                 </a:solidFill>
@@ -225,7 +226,7 @@
             </a:ln>
             <a:extLst>
               <a:ext uri="{91240B29-F687-4f45-9708-019B960494DF}">
-                <a14:hiddenLine xmlns:a14="http://schemas.microsoft.com/office/drawing/2010/main" xmlns="" w="9525">
+                <a14:hiddenLine xmlns="" xmlns:a14="http://schemas.microsoft.com/office/drawing/2010/main" w="9525">
                   <a:solidFill>
                     <a:srgbClr val="000000"/>
                   </a:solidFill>
@@ -315,7 +316,7 @@
             </a:ln>
             <a:extLst>
               <a:ext uri="{91240B29-F687-4f45-9708-019B960494DF}">
-                <a14:hiddenLine xmlns:a14="http://schemas.microsoft.com/office/drawing/2010/main" xmlns="" w="9525">
+                <a14:hiddenLine xmlns="" xmlns:a14="http://schemas.microsoft.com/office/drawing/2010/main" w="9525">
                   <a:solidFill>
                     <a:srgbClr val="000000"/>
                   </a:solidFill>
@@ -405,7 +406,7 @@
             </a:ln>
             <a:extLst>
               <a:ext uri="{91240B29-F687-4f45-9708-019B960494DF}">
-                <a14:hiddenLine xmlns:a14="http://schemas.microsoft.com/office/drawing/2010/main" xmlns="" w="9525">
+                <a14:hiddenLine xmlns="" xmlns:a14="http://schemas.microsoft.com/office/drawing/2010/main" w="9525">
                   <a:solidFill>
                     <a:srgbClr val="000000"/>
                   </a:solidFill>
@@ -439,7 +440,7 @@
             </a:ln>
             <a:extLst>
               <a:ext uri="{91240B29-F687-4f45-9708-019B960494DF}">
-                <a14:hiddenLine xmlns:a14="http://schemas.microsoft.com/office/drawing/2010/main" xmlns="" w="9525">
+                <a14:hiddenLine xmlns="" xmlns:a14="http://schemas.microsoft.com/office/drawing/2010/main" w="9525">
                   <a:solidFill>
                     <a:srgbClr val="000000"/>
                   </a:solidFill>
@@ -529,7 +530,7 @@
             </a:ln>
             <a:extLst>
               <a:ext uri="{91240B29-F687-4f45-9708-019B960494DF}">
-                <a14:hiddenLine xmlns:a14="http://schemas.microsoft.com/office/drawing/2010/main" xmlns="" w="9525">
+                <a14:hiddenLine xmlns="" xmlns:a14="http://schemas.microsoft.com/office/drawing/2010/main" w="9525">
                   <a:solidFill>
                     <a:srgbClr val="000000"/>
                   </a:solidFill>
@@ -591,7 +592,7 @@
             </a:ln>
             <a:extLst>
               <a:ext uri="{91240B29-F687-4f45-9708-019B960494DF}">
-                <a14:hiddenLine xmlns:a14="http://schemas.microsoft.com/office/drawing/2010/main" xmlns="" w="9525">
+                <a14:hiddenLine xmlns="" xmlns:a14="http://schemas.microsoft.com/office/drawing/2010/main" w="9525">
                   <a:solidFill>
                     <a:srgbClr val="000000"/>
                   </a:solidFill>
@@ -653,7 +654,7 @@
             </a:ln>
             <a:extLst>
               <a:ext uri="{91240B29-F687-4f45-9708-019B960494DF}">
-                <a14:hiddenLine xmlns:a14="http://schemas.microsoft.com/office/drawing/2010/main" xmlns="" w="9525">
+                <a14:hiddenLine xmlns="" xmlns:a14="http://schemas.microsoft.com/office/drawing/2010/main" w="9525">
                   <a:solidFill>
                     <a:srgbClr val="000000"/>
                   </a:solidFill>
@@ -743,7 +744,7 @@
             </a:ln>
             <a:extLst>
               <a:ext uri="{91240B29-F687-4f45-9708-019B960494DF}">
-                <a14:hiddenLine xmlns:a14="http://schemas.microsoft.com/office/drawing/2010/main" xmlns="" w="9525">
+                <a14:hiddenLine xmlns="" xmlns:a14="http://schemas.microsoft.com/office/drawing/2010/main" w="9525">
                   <a:solidFill>
                     <a:srgbClr val="000000"/>
                   </a:solidFill>
@@ -805,7 +806,7 @@
             </a:ln>
             <a:extLst>
               <a:ext uri="{91240B29-F687-4f45-9708-019B960494DF}">
-                <a14:hiddenLine xmlns:a14="http://schemas.microsoft.com/office/drawing/2010/main" xmlns="" w="9525">
+                <a14:hiddenLine xmlns="" xmlns:a14="http://schemas.microsoft.com/office/drawing/2010/main" w="9525">
                   <a:solidFill>
                     <a:srgbClr val="000000"/>
                   </a:solidFill>
@@ -867,7 +868,7 @@
             </a:ln>
             <a:extLst>
               <a:ext uri="{91240B29-F687-4f45-9708-019B960494DF}">
-                <a14:hiddenLine xmlns:a14="http://schemas.microsoft.com/office/drawing/2010/main" xmlns="" w="9525">
+                <a14:hiddenLine xmlns="" xmlns:a14="http://schemas.microsoft.com/office/drawing/2010/main" w="9525">
                   <a:solidFill>
                     <a:srgbClr val="000000"/>
                   </a:solidFill>
@@ -957,7 +958,7 @@
             </a:ln>
             <a:extLst>
               <a:ext uri="{91240B29-F687-4f45-9708-019B960494DF}">
-                <a14:hiddenLine xmlns:a14="http://schemas.microsoft.com/office/drawing/2010/main" xmlns="" w="9525">
+                <a14:hiddenLine xmlns="" xmlns:a14="http://schemas.microsoft.com/office/drawing/2010/main" w="9525">
                   <a:solidFill>
                     <a:srgbClr val="000000"/>
                   </a:solidFill>
@@ -1047,7 +1048,7 @@
             </a:ln>
             <a:extLst>
               <a:ext uri="{91240B29-F687-4f45-9708-019B960494DF}">
-                <a14:hiddenLine xmlns:a14="http://schemas.microsoft.com/office/drawing/2010/main" xmlns="" w="9525">
+                <a14:hiddenLine xmlns="" xmlns:a14="http://schemas.microsoft.com/office/drawing/2010/main" w="9525">
                   <a:solidFill>
                     <a:srgbClr val="000000"/>
                   </a:solidFill>
@@ -1109,7 +1110,7 @@
             </a:ln>
             <a:extLst>
               <a:ext uri="{91240B29-F687-4f45-9708-019B960494DF}">
-                <a14:hiddenLine xmlns:a14="http://schemas.microsoft.com/office/drawing/2010/main" xmlns="" w="9525">
+                <a14:hiddenLine xmlns="" xmlns:a14="http://schemas.microsoft.com/office/drawing/2010/main" w="9525">
                   <a:solidFill>
                     <a:srgbClr val="000000"/>
                   </a:solidFill>
@@ -1219,7 +1220,7 @@
             </a:ln>
             <a:extLst>
               <a:ext uri="{91240B29-F687-4f45-9708-019B960494DF}">
-                <a14:hiddenLine xmlns:a14="http://schemas.microsoft.com/office/drawing/2010/main" xmlns="" w="9525">
+                <a14:hiddenLine xmlns="" xmlns:a14="http://schemas.microsoft.com/office/drawing/2010/main" w="9525">
                   <a:solidFill>
                     <a:srgbClr val="000000"/>
                   </a:solidFill>
@@ -1281,7 +1282,7 @@
             </a:ln>
             <a:extLst>
               <a:ext uri="{91240B29-F687-4f45-9708-019B960494DF}">
-                <a14:hiddenLine xmlns:a14="http://schemas.microsoft.com/office/drawing/2010/main" xmlns="" w="9525">
+                <a14:hiddenLine xmlns="" xmlns:a14="http://schemas.microsoft.com/office/drawing/2010/main" w="9525">
                   <a:solidFill>
                     <a:srgbClr val="000000"/>
                   </a:solidFill>
@@ -1371,7 +1372,7 @@
             </a:ln>
             <a:extLst>
               <a:ext uri="{91240B29-F687-4f45-9708-019B960494DF}">
-                <a14:hiddenLine xmlns:a14="http://schemas.microsoft.com/office/drawing/2010/main" xmlns="" w="9525">
+                <a14:hiddenLine xmlns="" xmlns:a14="http://schemas.microsoft.com/office/drawing/2010/main" w="9525">
                   <a:solidFill>
                     <a:srgbClr val="000000"/>
                   </a:solidFill>
@@ -1461,7 +1462,7 @@
             </a:ln>
             <a:extLst>
               <a:ext uri="{91240B29-F687-4f45-9708-019B960494DF}">
-                <a14:hiddenLine xmlns:a14="http://schemas.microsoft.com/office/drawing/2010/main" xmlns="" w="9525">
+                <a14:hiddenLine xmlns="" xmlns:a14="http://schemas.microsoft.com/office/drawing/2010/main" w="9525">
                   <a:solidFill>
                     <a:srgbClr val="000000"/>
                   </a:solidFill>
@@ -1523,7 +1524,7 @@
             </a:ln>
             <a:extLst>
               <a:ext uri="{91240B29-F687-4f45-9708-019B960494DF}">
-                <a14:hiddenLine xmlns:a14="http://schemas.microsoft.com/office/drawing/2010/main" xmlns="" w="9525">
+                <a14:hiddenLine xmlns="" xmlns:a14="http://schemas.microsoft.com/office/drawing/2010/main" w="9525">
                   <a:solidFill>
                     <a:srgbClr val="000000"/>
                   </a:solidFill>
@@ -1613,7 +1614,7 @@
             </a:ln>
             <a:extLst>
               <a:ext uri="{91240B29-F687-4f45-9708-019B960494DF}">
-                <a14:hiddenLine xmlns:a14="http://schemas.microsoft.com/office/drawing/2010/main" xmlns="" w="9525">
+                <a14:hiddenLine xmlns="" xmlns:a14="http://schemas.microsoft.com/office/drawing/2010/main" w="9525">
                   <a:solidFill>
                     <a:srgbClr val="000000"/>
                   </a:solidFill>
@@ -1703,7 +1704,7 @@
             </a:ln>
             <a:extLst>
               <a:ext uri="{91240B29-F687-4f45-9708-019B960494DF}">
-                <a14:hiddenLine xmlns:a14="http://schemas.microsoft.com/office/drawing/2010/main" xmlns="" w="9525">
+                <a14:hiddenLine xmlns="" xmlns:a14="http://schemas.microsoft.com/office/drawing/2010/main" w="9525">
                   <a:solidFill>
                     <a:srgbClr val="000000"/>
                   </a:solidFill>
@@ -1759,7 +1760,7 @@
             </a:ln>
             <a:extLst>
               <a:ext uri="{91240B29-F687-4f45-9708-019B960494DF}">
-                <a14:hiddenLine xmlns:a14="http://schemas.microsoft.com/office/drawing/2010/main" xmlns="" w="9525">
+                <a14:hiddenLine xmlns="" xmlns:a14="http://schemas.microsoft.com/office/drawing/2010/main" w="9525">
                   <a:solidFill>
                     <a:srgbClr val="000000"/>
                   </a:solidFill>
@@ -1849,7 +1850,7 @@
             </a:ln>
             <a:extLst>
               <a:ext uri="{91240B29-F687-4f45-9708-019B960494DF}">
-                <a14:hiddenLine xmlns:a14="http://schemas.microsoft.com/office/drawing/2010/main" xmlns="" w="9525">
+                <a14:hiddenLine xmlns="" xmlns:a14="http://schemas.microsoft.com/office/drawing/2010/main" w="9525">
                   <a:solidFill>
                     <a:srgbClr val="000000"/>
                   </a:solidFill>
@@ -1905,7 +1906,7 @@
             </a:ln>
             <a:extLst>
               <a:ext uri="{91240B29-F687-4f45-9708-019B960494DF}">
-                <a14:hiddenLine xmlns:a14="http://schemas.microsoft.com/office/drawing/2010/main" xmlns="" w="9525">
+                <a14:hiddenLine xmlns="" xmlns:a14="http://schemas.microsoft.com/office/drawing/2010/main" w="9525">
                   <a:solidFill>
                     <a:srgbClr val="000000"/>
                   </a:solidFill>
@@ -1995,7 +1996,7 @@
             </a:ln>
             <a:extLst>
               <a:ext uri="{91240B29-F687-4f45-9708-019B960494DF}">
-                <a14:hiddenLine xmlns:a14="http://schemas.microsoft.com/office/drawing/2010/main" xmlns="" w="9525">
+                <a14:hiddenLine xmlns="" xmlns:a14="http://schemas.microsoft.com/office/drawing/2010/main" w="9525">
                   <a:solidFill>
                     <a:srgbClr val="000000"/>
                   </a:solidFill>
@@ -2063,7 +2064,7 @@
             </a:ln>
             <a:extLst>
               <a:ext uri="{91240B29-F687-4f45-9708-019B960494DF}">
-                <a14:hiddenLine xmlns:a14="http://schemas.microsoft.com/office/drawing/2010/main" xmlns="" w="9525">
+                <a14:hiddenLine xmlns="" xmlns:a14="http://schemas.microsoft.com/office/drawing/2010/main" w="9525">
                   <a:solidFill>
                     <a:srgbClr val="000000"/>
                   </a:solidFill>
@@ -2153,7 +2154,7 @@
             </a:ln>
             <a:extLst>
               <a:ext uri="{91240B29-F687-4f45-9708-019B960494DF}">
-                <a14:hiddenLine xmlns:a14="http://schemas.microsoft.com/office/drawing/2010/main" xmlns="" w="9525">
+                <a14:hiddenLine xmlns="" xmlns:a14="http://schemas.microsoft.com/office/drawing/2010/main" w="9525">
                   <a:solidFill>
                     <a:srgbClr val="000000"/>
                   </a:solidFill>
@@ -2221,7 +2222,7 @@
             </a:ln>
             <a:extLst>
               <a:ext uri="{91240B29-F687-4f45-9708-019B960494DF}">
-                <a14:hiddenLine xmlns:a14="http://schemas.microsoft.com/office/drawing/2010/main" xmlns="" w="9525">
+                <a14:hiddenLine xmlns="" xmlns:a14="http://schemas.microsoft.com/office/drawing/2010/main" w="9525">
                   <a:solidFill>
                     <a:srgbClr val="000000"/>
                   </a:solidFill>
@@ -2311,7 +2312,7 @@
             </a:ln>
             <a:extLst>
               <a:ext uri="{91240B29-F687-4f45-9708-019B960494DF}">
-                <a14:hiddenLine xmlns:a14="http://schemas.microsoft.com/office/drawing/2010/main" xmlns="" w="9525">
+                <a14:hiddenLine xmlns="" xmlns:a14="http://schemas.microsoft.com/office/drawing/2010/main" w="9525">
                   <a:solidFill>
                     <a:srgbClr val="000000"/>
                   </a:solidFill>
@@ -2345,7 +2346,7 @@
             </a:ln>
             <a:extLst>
               <a:ext uri="{91240B29-F687-4f45-9708-019B960494DF}">
-                <a14:hiddenLine xmlns:a14="http://schemas.microsoft.com/office/drawing/2010/main" xmlns="" w="9525">
+                <a14:hiddenLine xmlns="" xmlns:a14="http://schemas.microsoft.com/office/drawing/2010/main" w="9525">
                   <a:solidFill>
                     <a:srgbClr val="000000"/>
                   </a:solidFill>
@@ -2435,7 +2436,7 @@
             </a:ln>
             <a:extLst>
               <a:ext uri="{91240B29-F687-4f45-9708-019B960494DF}">
-                <a14:hiddenLine xmlns:a14="http://schemas.microsoft.com/office/drawing/2010/main" xmlns="" w="9525">
+                <a14:hiddenLine xmlns="" xmlns:a14="http://schemas.microsoft.com/office/drawing/2010/main" w="9525">
                   <a:solidFill>
                     <a:srgbClr val="000000"/>
                   </a:solidFill>
@@ -2497,7 +2498,7 @@
             </a:ln>
             <a:extLst>
               <a:ext uri="{91240B29-F687-4f45-9708-019B960494DF}">
-                <a14:hiddenLine xmlns:a14="http://schemas.microsoft.com/office/drawing/2010/main" xmlns="" w="9525">
+                <a14:hiddenLine xmlns="" xmlns:a14="http://schemas.microsoft.com/office/drawing/2010/main" w="9525">
                   <a:solidFill>
                     <a:srgbClr val="000000"/>
                   </a:solidFill>
@@ -2559,7 +2560,7 @@
             </a:ln>
             <a:extLst>
               <a:ext uri="{91240B29-F687-4f45-9708-019B960494DF}">
-                <a14:hiddenLine xmlns:a14="http://schemas.microsoft.com/office/drawing/2010/main" xmlns="" w="9525">
+                <a14:hiddenLine xmlns="" xmlns:a14="http://schemas.microsoft.com/office/drawing/2010/main" w="9525">
                   <a:solidFill>
                     <a:srgbClr val="000000"/>
                   </a:solidFill>
@@ -2649,7 +2650,7 @@
             </a:ln>
             <a:extLst>
               <a:ext uri="{91240B29-F687-4f45-9708-019B960494DF}">
-                <a14:hiddenLine xmlns:a14="http://schemas.microsoft.com/office/drawing/2010/main" xmlns="" w="9525">
+                <a14:hiddenLine xmlns="" xmlns:a14="http://schemas.microsoft.com/office/drawing/2010/main" w="9525">
                   <a:solidFill>
                     <a:srgbClr val="000000"/>
                   </a:solidFill>
@@ -2717,7 +2718,7 @@
             </a:ln>
             <a:extLst>
               <a:ext uri="{91240B29-F687-4f45-9708-019B960494DF}">
-                <a14:hiddenLine xmlns:a14="http://schemas.microsoft.com/office/drawing/2010/main" xmlns="" w="9525">
+                <a14:hiddenLine xmlns="" xmlns:a14="http://schemas.microsoft.com/office/drawing/2010/main" w="9525">
                   <a:solidFill>
                     <a:srgbClr val="000000"/>
                   </a:solidFill>
@@ -2779,7 +2780,7 @@
             </a:ln>
             <a:extLst>
               <a:ext uri="{91240B29-F687-4f45-9708-019B960494DF}">
-                <a14:hiddenLine xmlns:a14="http://schemas.microsoft.com/office/drawing/2010/main" xmlns="" w="9525">
+                <a14:hiddenLine xmlns="" xmlns:a14="http://schemas.microsoft.com/office/drawing/2010/main" w="9525">
                   <a:solidFill>
                     <a:srgbClr val="000000"/>
                   </a:solidFill>
@@ -2869,7 +2870,7 @@
             </a:ln>
             <a:extLst>
               <a:ext uri="{91240B29-F687-4f45-9708-019B960494DF}">
-                <a14:hiddenLine xmlns:a14="http://schemas.microsoft.com/office/drawing/2010/main" xmlns="" w="9525">
+                <a14:hiddenLine xmlns="" xmlns:a14="http://schemas.microsoft.com/office/drawing/2010/main" w="9525">
                   <a:solidFill>
                     <a:srgbClr val="000000"/>
                   </a:solidFill>
@@ -2931,7 +2932,7 @@
             </a:ln>
             <a:extLst>
               <a:ext uri="{91240B29-F687-4f45-9708-019B960494DF}">
-                <a14:hiddenLine xmlns:a14="http://schemas.microsoft.com/office/drawing/2010/main" xmlns="" w="9525">
+                <a14:hiddenLine xmlns="" xmlns:a14="http://schemas.microsoft.com/office/drawing/2010/main" w="9525">
                   <a:solidFill>
                     <a:srgbClr val="000000"/>
                   </a:solidFill>
@@ -3021,7 +3022,7 @@
             </a:ln>
             <a:extLst>
               <a:ext uri="{91240B29-F687-4f45-9708-019B960494DF}">
-                <a14:hiddenLine xmlns:a14="http://schemas.microsoft.com/office/drawing/2010/main" xmlns="" w="9525">
+                <a14:hiddenLine xmlns="" xmlns:a14="http://schemas.microsoft.com/office/drawing/2010/main" w="9525">
                   <a:solidFill>
                     <a:srgbClr val="000000"/>
                   </a:solidFill>
@@ -3083,7 +3084,7 @@
             </a:ln>
             <a:extLst>
               <a:ext uri="{91240B29-F687-4f45-9708-019B960494DF}">
-                <a14:hiddenLine xmlns:a14="http://schemas.microsoft.com/office/drawing/2010/main" xmlns="" w="9525">
+                <a14:hiddenLine xmlns="" xmlns:a14="http://schemas.microsoft.com/office/drawing/2010/main" w="9525">
                   <a:solidFill>
                     <a:srgbClr val="000000"/>
                   </a:solidFill>
@@ -3173,7 +3174,7 @@
             </a:ln>
             <a:extLst>
               <a:ext uri="{91240B29-F687-4f45-9708-019B960494DF}">
-                <a14:hiddenLine xmlns:a14="http://schemas.microsoft.com/office/drawing/2010/main" xmlns="" w="9525">
+                <a14:hiddenLine xmlns="" xmlns:a14="http://schemas.microsoft.com/office/drawing/2010/main" w="9525">
                   <a:solidFill>
                     <a:srgbClr val="000000"/>
                   </a:solidFill>
@@ -3207,7 +3208,7 @@
             </a:ln>
             <a:extLst>
               <a:ext uri="{91240B29-F687-4f45-9708-019B960494DF}">
-                <a14:hiddenLine xmlns:a14="http://schemas.microsoft.com/office/drawing/2010/main" xmlns="" w="9525">
+                <a14:hiddenLine xmlns="" xmlns:a14="http://schemas.microsoft.com/office/drawing/2010/main" w="9525">
                   <a:solidFill>
                     <a:srgbClr val="000000"/>
                   </a:solidFill>
@@ -3272,7 +3273,7 @@
             </a:ln>
             <a:extLst>
               <a:ext uri="{91240B29-F687-4f45-9708-019B960494DF}">
-                <a14:hiddenLine xmlns:a14="http://schemas.microsoft.com/office/drawing/2010/main" xmlns="" w="9525">
+                <a14:hiddenLine xmlns="" xmlns:a14="http://schemas.microsoft.com/office/drawing/2010/main" w="9525">
                   <a:solidFill>
                     <a:srgbClr val="000000"/>
                   </a:solidFill>
@@ -3362,7 +3363,7 @@
             </a:ln>
             <a:extLst>
               <a:ext uri="{91240B29-F687-4f45-9708-019B960494DF}">
-                <a14:hiddenLine xmlns:a14="http://schemas.microsoft.com/office/drawing/2010/main" xmlns="" w="9525">
+                <a14:hiddenLine xmlns="" xmlns:a14="http://schemas.microsoft.com/office/drawing/2010/main" w="9525">
                   <a:solidFill>
                     <a:srgbClr val="000000"/>
                   </a:solidFill>
@@ -3424,7 +3425,7 @@
             </a:ln>
             <a:extLst>
               <a:ext uri="{91240B29-F687-4f45-9708-019B960494DF}">
-                <a14:hiddenLine xmlns:a14="http://schemas.microsoft.com/office/drawing/2010/main" xmlns="" w="9525">
+                <a14:hiddenLine xmlns="" xmlns:a14="http://schemas.microsoft.com/office/drawing/2010/main" w="9525">
                   <a:solidFill>
                     <a:srgbClr val="000000"/>
                   </a:solidFill>
@@ -3514,7 +3515,7 @@
             </a:ln>
             <a:extLst>
               <a:ext uri="{91240B29-F687-4f45-9708-019B960494DF}">
-                <a14:hiddenLine xmlns:a14="http://schemas.microsoft.com/office/drawing/2010/main" xmlns="" w="9525">
+                <a14:hiddenLine xmlns="" xmlns:a14="http://schemas.microsoft.com/office/drawing/2010/main" w="9525">
                   <a:solidFill>
                     <a:srgbClr val="000000"/>
                   </a:solidFill>
@@ -3604,7 +3605,7 @@
             </a:ln>
             <a:extLst>
               <a:ext uri="{91240B29-F687-4f45-9708-019B960494DF}">
-                <a14:hiddenLine xmlns:a14="http://schemas.microsoft.com/office/drawing/2010/main" xmlns="" w="9525">
+                <a14:hiddenLine xmlns="" xmlns:a14="http://schemas.microsoft.com/office/drawing/2010/main" w="9525">
                   <a:solidFill>
                     <a:srgbClr val="000000"/>
                   </a:solidFill>
@@ -3669,7 +3670,7 @@
             </a:ln>
             <a:extLst>
               <a:ext uri="{91240B29-F687-4f45-9708-019B960494DF}">
-                <a14:hiddenLine xmlns:a14="http://schemas.microsoft.com/office/drawing/2010/main" xmlns="" w="9525">
+                <a14:hiddenLine xmlns="" xmlns:a14="http://schemas.microsoft.com/office/drawing/2010/main" w="9525">
                   <a:solidFill>
                     <a:srgbClr val="000000"/>
                   </a:solidFill>
@@ -3731,7 +3732,7 @@
             </a:ln>
             <a:extLst>
               <a:ext uri="{91240B29-F687-4f45-9708-019B960494DF}">
-                <a14:hiddenLine xmlns:a14="http://schemas.microsoft.com/office/drawing/2010/main" xmlns="" w="9525">
+                <a14:hiddenLine xmlns="" xmlns:a14="http://schemas.microsoft.com/office/drawing/2010/main" w="9525">
                   <a:solidFill>
                     <a:srgbClr val="000000"/>
                   </a:solidFill>
@@ -3821,7 +3822,7 @@
             </a:ln>
             <a:extLst>
               <a:ext uri="{91240B29-F687-4f45-9708-019B960494DF}">
-                <a14:hiddenLine xmlns:a14="http://schemas.microsoft.com/office/drawing/2010/main" xmlns="" w="9525">
+                <a14:hiddenLine xmlns="" xmlns:a14="http://schemas.microsoft.com/office/drawing/2010/main" w="9525">
                   <a:solidFill>
                     <a:srgbClr val="000000"/>
                   </a:solidFill>
@@ -3911,7 +3912,7 @@
             </a:ln>
             <a:extLst>
               <a:ext uri="{91240B29-F687-4f45-9708-019B960494DF}">
-                <a14:hiddenLine xmlns:a14="http://schemas.microsoft.com/office/drawing/2010/main" xmlns="" w="9525">
+                <a14:hiddenLine xmlns="" xmlns:a14="http://schemas.microsoft.com/office/drawing/2010/main" w="9525">
                   <a:solidFill>
                     <a:srgbClr val="000000"/>
                   </a:solidFill>
@@ -3973,7 +3974,7 @@
             </a:ln>
             <a:extLst>
               <a:ext uri="{91240B29-F687-4f45-9708-019B960494DF}">
-                <a14:hiddenLine xmlns:a14="http://schemas.microsoft.com/office/drawing/2010/main" xmlns="" w="9525">
+                <a14:hiddenLine xmlns="" xmlns:a14="http://schemas.microsoft.com/office/drawing/2010/main" w="9525">
                   <a:solidFill>
                     <a:srgbClr val="000000"/>
                   </a:solidFill>
@@ -4093,7 +4094,7 @@
             </a:ln>
             <a:extLst>
               <a:ext uri="{91240B29-F687-4f45-9708-019B960494DF}">
-                <a14:hiddenLine xmlns:a14="http://schemas.microsoft.com/office/drawing/2010/main" xmlns="" w="9525">
+                <a14:hiddenLine xmlns="" xmlns:a14="http://schemas.microsoft.com/office/drawing/2010/main" w="9525">
                   <a:solidFill>
                     <a:srgbClr val="000000"/>
                   </a:solidFill>
@@ -4161,7 +4162,7 @@
             </a:ln>
             <a:extLst>
               <a:ext uri="{91240B29-F687-4f45-9708-019B960494DF}">
-                <a14:hiddenLine xmlns:a14="http://schemas.microsoft.com/office/drawing/2010/main" xmlns="" w="9525">
+                <a14:hiddenLine xmlns="" xmlns:a14="http://schemas.microsoft.com/office/drawing/2010/main" w="9525">
                   <a:solidFill>
                     <a:srgbClr val="000000"/>
                   </a:solidFill>
@@ -4251,7 +4252,7 @@
             </a:ln>
             <a:extLst>
               <a:ext uri="{91240B29-F687-4f45-9708-019B960494DF}">
-                <a14:hiddenLine xmlns:a14="http://schemas.microsoft.com/office/drawing/2010/main" xmlns="" w="9525">
+                <a14:hiddenLine xmlns="" xmlns:a14="http://schemas.microsoft.com/office/drawing/2010/main" w="9525">
                   <a:solidFill>
                     <a:srgbClr val="000000"/>
                   </a:solidFill>
@@ -4391,7 +4392,7 @@
           <a:p>
             <a:fld id="{C3600A06-36DD-406A-821E-53AD92F7ED8A}" type="datetimeFigureOut">
               <a:rPr lang="uk-UA" smtClean="0"/>
-              <a:t>12.03.2021</a:t>
+              <a:t>15.03.2021</a:t>
             </a:fld>
             <a:endParaRPr lang="uk-UA"/>
           </a:p>
@@ -4658,7 +4659,7 @@
           <a:p>
             <a:fld id="{C3600A06-36DD-406A-821E-53AD92F7ED8A}" type="datetimeFigureOut">
               <a:rPr lang="uk-UA" smtClean="0"/>
-              <a:t>12.03.2021</a:t>
+              <a:t>15.03.2021</a:t>
             </a:fld>
             <a:endParaRPr lang="uk-UA"/>
           </a:p>
@@ -4854,7 +4855,7 @@
           <a:p>
             <a:fld id="{C3600A06-36DD-406A-821E-53AD92F7ED8A}" type="datetimeFigureOut">
               <a:rPr lang="uk-UA" smtClean="0"/>
-              <a:t>12.03.2021</a:t>
+              <a:t>15.03.2021</a:t>
             </a:fld>
             <a:endParaRPr lang="uk-UA"/>
           </a:p>
@@ -5117,7 +5118,7 @@
           <a:p>
             <a:fld id="{C3600A06-36DD-406A-821E-53AD92F7ED8A}" type="datetimeFigureOut">
               <a:rPr lang="uk-UA" smtClean="0"/>
-              <a:t>12.03.2021</a:t>
+              <a:t>15.03.2021</a:t>
             </a:fld>
             <a:endParaRPr lang="uk-UA"/>
           </a:p>
@@ -5551,7 +5552,7 @@
           <a:p>
             <a:fld id="{C3600A06-36DD-406A-821E-53AD92F7ED8A}" type="datetimeFigureOut">
               <a:rPr lang="uk-UA" smtClean="0"/>
-              <a:t>12.03.2021</a:t>
+              <a:t>15.03.2021</a:t>
             </a:fld>
             <a:endParaRPr lang="uk-UA"/>
           </a:p>
@@ -6097,7 +6098,7 @@
           <a:p>
             <a:fld id="{C3600A06-36DD-406A-821E-53AD92F7ED8A}" type="datetimeFigureOut">
               <a:rPr lang="uk-UA" smtClean="0"/>
-              <a:t>12.03.2021</a:t>
+              <a:t>15.03.2021</a:t>
             </a:fld>
             <a:endParaRPr lang="uk-UA"/>
           </a:p>
@@ -6817,7 +6818,7 @@
           <a:p>
             <a:fld id="{C3600A06-36DD-406A-821E-53AD92F7ED8A}" type="datetimeFigureOut">
               <a:rPr lang="uk-UA" smtClean="0"/>
-              <a:t>12.03.2021</a:t>
+              <a:t>15.03.2021</a:t>
             </a:fld>
             <a:endParaRPr lang="uk-UA"/>
           </a:p>
@@ -6987,7 +6988,7 @@
           <a:p>
             <a:fld id="{C3600A06-36DD-406A-821E-53AD92F7ED8A}" type="datetimeFigureOut">
               <a:rPr lang="uk-UA" smtClean="0"/>
-              <a:t>12.03.2021</a:t>
+              <a:t>15.03.2021</a:t>
             </a:fld>
             <a:endParaRPr lang="uk-UA"/>
           </a:p>
@@ -7167,7 +7168,7 @@
           <a:p>
             <a:fld id="{C3600A06-36DD-406A-821E-53AD92F7ED8A}" type="datetimeFigureOut">
               <a:rPr lang="uk-UA" smtClean="0"/>
-              <a:t>12.03.2021</a:t>
+              <a:t>15.03.2021</a:t>
             </a:fld>
             <a:endParaRPr lang="uk-UA"/>
           </a:p>
@@ -7337,7 +7338,7 @@
           <a:p>
             <a:fld id="{C3600A06-36DD-406A-821E-53AD92F7ED8A}" type="datetimeFigureOut">
               <a:rPr lang="uk-UA" smtClean="0"/>
-              <a:t>12.03.2021</a:t>
+              <a:t>15.03.2021</a:t>
             </a:fld>
             <a:endParaRPr lang="uk-UA"/>
           </a:p>
@@ -7587,7 +7588,7 @@
           <a:p>
             <a:fld id="{C3600A06-36DD-406A-821E-53AD92F7ED8A}" type="datetimeFigureOut">
               <a:rPr lang="uk-UA" smtClean="0"/>
-              <a:t>12.03.2021</a:t>
+              <a:t>15.03.2021</a:t>
             </a:fld>
             <a:endParaRPr lang="uk-UA"/>
           </a:p>
@@ -7819,7 +7820,7 @@
           <a:p>
             <a:fld id="{C3600A06-36DD-406A-821E-53AD92F7ED8A}" type="datetimeFigureOut">
               <a:rPr lang="uk-UA" smtClean="0"/>
-              <a:t>12.03.2021</a:t>
+              <a:t>15.03.2021</a:t>
             </a:fld>
             <a:endParaRPr lang="uk-UA"/>
           </a:p>
@@ -8200,7 +8201,7 @@
           <a:p>
             <a:fld id="{C3600A06-36DD-406A-821E-53AD92F7ED8A}" type="datetimeFigureOut">
               <a:rPr lang="uk-UA" smtClean="0"/>
-              <a:t>12.03.2021</a:t>
+              <a:t>15.03.2021</a:t>
             </a:fld>
             <a:endParaRPr lang="uk-UA"/>
           </a:p>
@@ -8318,7 +8319,7 @@
           <a:p>
             <a:fld id="{C3600A06-36DD-406A-821E-53AD92F7ED8A}" type="datetimeFigureOut">
               <a:rPr lang="uk-UA" smtClean="0"/>
-              <a:t>12.03.2021</a:t>
+              <a:t>15.03.2021</a:t>
             </a:fld>
             <a:endParaRPr lang="uk-UA"/>
           </a:p>
@@ -8413,7 +8414,7 @@
           <a:p>
             <a:fld id="{C3600A06-36DD-406A-821E-53AD92F7ED8A}" type="datetimeFigureOut">
               <a:rPr lang="uk-UA" smtClean="0"/>
-              <a:t>12.03.2021</a:t>
+              <a:t>15.03.2021</a:t>
             </a:fld>
             <a:endParaRPr lang="uk-UA"/>
           </a:p>
@@ -8662,7 +8663,7 @@
           <a:p>
             <a:fld id="{C3600A06-36DD-406A-821E-53AD92F7ED8A}" type="datetimeFigureOut">
               <a:rPr lang="uk-UA" smtClean="0"/>
-              <a:t>12.03.2021</a:t>
+              <a:t>15.03.2021</a:t>
             </a:fld>
             <a:endParaRPr lang="uk-UA"/>
           </a:p>
@@ -8942,7 +8943,7 @@
           <a:p>
             <a:fld id="{C3600A06-36DD-406A-821E-53AD92F7ED8A}" type="datetimeFigureOut">
               <a:rPr lang="uk-UA" smtClean="0"/>
-              <a:t>12.03.2021</a:t>
+              <a:t>15.03.2021</a:t>
             </a:fld>
             <a:endParaRPr lang="uk-UA"/>
           </a:p>
@@ -9058,7 +9059,7 @@
           <a:noFill/>
           <a:extLst>
             <a:ext uri="{909E8E84-426E-40dd-AFC4-6F175D3DCCD1}">
-              <a14:hiddenFill xmlns:a14="http://schemas.microsoft.com/office/drawing/2010/main" xmlns="">
+              <a14:hiddenFill xmlns="" xmlns:a14="http://schemas.microsoft.com/office/drawing/2010/main">
                 <a:solidFill>
                   <a:srgbClr val="FFFFFF"/>
                 </a:solidFill>
@@ -9132,7 +9133,7 @@
               </a:ln>
               <a:extLst>
                 <a:ext uri="{91240B29-F687-4f45-9708-019B960494DF}">
-                  <a14:hiddenLine xmlns:a14="http://schemas.microsoft.com/office/drawing/2010/main" xmlns="" w="9525">
+                  <a14:hiddenLine xmlns="" xmlns:a14="http://schemas.microsoft.com/office/drawing/2010/main" w="9525">
                     <a:solidFill>
                       <a:srgbClr val="000000"/>
                     </a:solidFill>
@@ -9222,7 +9223,7 @@
               </a:ln>
               <a:extLst>
                 <a:ext uri="{91240B29-F687-4f45-9708-019B960494DF}">
-                  <a14:hiddenLine xmlns:a14="http://schemas.microsoft.com/office/drawing/2010/main" xmlns="" w="9525">
+                  <a14:hiddenLine xmlns="" xmlns:a14="http://schemas.microsoft.com/office/drawing/2010/main" w="9525">
                     <a:solidFill>
                       <a:srgbClr val="000000"/>
                     </a:solidFill>
@@ -9312,7 +9313,7 @@
               </a:ln>
               <a:extLst>
                 <a:ext uri="{91240B29-F687-4f45-9708-019B960494DF}">
-                  <a14:hiddenLine xmlns:a14="http://schemas.microsoft.com/office/drawing/2010/main" xmlns="" w="9525">
+                  <a14:hiddenLine xmlns="" xmlns:a14="http://schemas.microsoft.com/office/drawing/2010/main" w="9525">
                     <a:solidFill>
                       <a:srgbClr val="000000"/>
                     </a:solidFill>
@@ -9374,7 +9375,7 @@
               </a:ln>
               <a:extLst>
                 <a:ext uri="{91240B29-F687-4f45-9708-019B960494DF}">
-                  <a14:hiddenLine xmlns:a14="http://schemas.microsoft.com/office/drawing/2010/main" xmlns="" w="9525">
+                  <a14:hiddenLine xmlns="" xmlns:a14="http://schemas.microsoft.com/office/drawing/2010/main" w="9525">
                     <a:solidFill>
                       <a:srgbClr val="000000"/>
                     </a:solidFill>
@@ -9464,7 +9465,7 @@
               </a:ln>
               <a:extLst>
                 <a:ext uri="{91240B29-F687-4f45-9708-019B960494DF}">
-                  <a14:hiddenLine xmlns:a14="http://schemas.microsoft.com/office/drawing/2010/main" xmlns="" w="9525">
+                  <a14:hiddenLine xmlns="" xmlns:a14="http://schemas.microsoft.com/office/drawing/2010/main" w="9525">
                     <a:solidFill>
                       <a:srgbClr val="000000"/>
                     </a:solidFill>
@@ -9526,7 +9527,7 @@
               </a:ln>
               <a:extLst>
                 <a:ext uri="{91240B29-F687-4f45-9708-019B960494DF}">
-                  <a14:hiddenLine xmlns:a14="http://schemas.microsoft.com/office/drawing/2010/main" xmlns="" w="9525">
+                  <a14:hiddenLine xmlns="" xmlns:a14="http://schemas.microsoft.com/office/drawing/2010/main" w="9525">
                     <a:solidFill>
                       <a:srgbClr val="000000"/>
                     </a:solidFill>
@@ -9588,7 +9589,7 @@
               </a:ln>
               <a:extLst>
                 <a:ext uri="{91240B29-F687-4f45-9708-019B960494DF}">
-                  <a14:hiddenLine xmlns:a14="http://schemas.microsoft.com/office/drawing/2010/main" xmlns="" w="9525">
+                  <a14:hiddenLine xmlns="" xmlns:a14="http://schemas.microsoft.com/office/drawing/2010/main" w="9525">
                     <a:solidFill>
                       <a:srgbClr val="000000"/>
                     </a:solidFill>
@@ -9678,7 +9679,7 @@
               </a:ln>
               <a:extLst>
                 <a:ext uri="{91240B29-F687-4f45-9708-019B960494DF}">
-                  <a14:hiddenLine xmlns:a14="http://schemas.microsoft.com/office/drawing/2010/main" xmlns="" w="9525">
+                  <a14:hiddenLine xmlns="" xmlns:a14="http://schemas.microsoft.com/office/drawing/2010/main" w="9525">
                     <a:solidFill>
                       <a:srgbClr val="000000"/>
                     </a:solidFill>
@@ -9768,7 +9769,7 @@
               </a:ln>
               <a:extLst>
                 <a:ext uri="{91240B29-F687-4f45-9708-019B960494DF}">
-                  <a14:hiddenLine xmlns:a14="http://schemas.microsoft.com/office/drawing/2010/main" xmlns="" w="9525">
+                  <a14:hiddenLine xmlns="" xmlns:a14="http://schemas.microsoft.com/office/drawing/2010/main" w="9525">
                     <a:solidFill>
                       <a:srgbClr val="000000"/>
                     </a:solidFill>
@@ -9830,7 +9831,7 @@
               </a:ln>
               <a:extLst>
                 <a:ext uri="{91240B29-F687-4f45-9708-019B960494DF}">
-                  <a14:hiddenLine xmlns:a14="http://schemas.microsoft.com/office/drawing/2010/main" xmlns="" w="9525">
+                  <a14:hiddenLine xmlns="" xmlns:a14="http://schemas.microsoft.com/office/drawing/2010/main" w="9525">
                     <a:solidFill>
                       <a:srgbClr val="000000"/>
                     </a:solidFill>
@@ -9940,7 +9941,7 @@
               </a:ln>
               <a:extLst>
                 <a:ext uri="{91240B29-F687-4f45-9708-019B960494DF}">
-                  <a14:hiddenLine xmlns:a14="http://schemas.microsoft.com/office/drawing/2010/main" xmlns="" w="9525">
+                  <a14:hiddenLine xmlns="" xmlns:a14="http://schemas.microsoft.com/office/drawing/2010/main" w="9525">
                     <a:solidFill>
                       <a:srgbClr val="000000"/>
                     </a:solidFill>
@@ -10024,7 +10025,7 @@
               </a:ln>
               <a:extLst>
                 <a:ext uri="{91240B29-F687-4f45-9708-019B960494DF}">
-                  <a14:hiddenLine xmlns:a14="http://schemas.microsoft.com/office/drawing/2010/main" xmlns="" w="9525">
+                  <a14:hiddenLine xmlns="" xmlns:a14="http://schemas.microsoft.com/office/drawing/2010/main" w="9525">
                     <a:solidFill>
                       <a:srgbClr val="000000"/>
                     </a:solidFill>
@@ -10086,7 +10087,7 @@
               </a:ln>
               <a:extLst>
                 <a:ext uri="{91240B29-F687-4f45-9708-019B960494DF}">
-                  <a14:hiddenLine xmlns:a14="http://schemas.microsoft.com/office/drawing/2010/main" xmlns="" w="9525">
+                  <a14:hiddenLine xmlns="" xmlns:a14="http://schemas.microsoft.com/office/drawing/2010/main" w="9525">
                     <a:solidFill>
                       <a:srgbClr val="000000"/>
                     </a:solidFill>
@@ -10148,7 +10149,7 @@
               </a:ln>
               <a:extLst>
                 <a:ext uri="{91240B29-F687-4f45-9708-019B960494DF}">
-                  <a14:hiddenLine xmlns:a14="http://schemas.microsoft.com/office/drawing/2010/main" xmlns="" w="9525">
+                  <a14:hiddenLine xmlns="" xmlns:a14="http://schemas.microsoft.com/office/drawing/2010/main" w="9525">
                     <a:solidFill>
                       <a:srgbClr val="000000"/>
                     </a:solidFill>
@@ -10238,7 +10239,7 @@
               </a:ln>
               <a:extLst>
                 <a:ext uri="{91240B29-F687-4f45-9708-019B960494DF}">
-                  <a14:hiddenLine xmlns:a14="http://schemas.microsoft.com/office/drawing/2010/main" xmlns="" w="9525">
+                  <a14:hiddenLine xmlns="" xmlns:a14="http://schemas.microsoft.com/office/drawing/2010/main" w="9525">
                     <a:solidFill>
                       <a:srgbClr val="000000"/>
                     </a:solidFill>
@@ -10272,7 +10273,7 @@
               </a:ln>
               <a:extLst>
                 <a:ext uri="{91240B29-F687-4f45-9708-019B960494DF}">
-                  <a14:hiddenLine xmlns:a14="http://schemas.microsoft.com/office/drawing/2010/main" xmlns="" w="9525">
+                  <a14:hiddenLine xmlns="" xmlns:a14="http://schemas.microsoft.com/office/drawing/2010/main" w="9525">
                     <a:solidFill>
                       <a:srgbClr val="000000"/>
                     </a:solidFill>
@@ -10337,7 +10338,7 @@
               </a:ln>
               <a:extLst>
                 <a:ext uri="{91240B29-F687-4f45-9708-019B960494DF}">
-                  <a14:hiddenLine xmlns:a14="http://schemas.microsoft.com/office/drawing/2010/main" xmlns="" w="9525">
+                  <a14:hiddenLine xmlns="" xmlns:a14="http://schemas.microsoft.com/office/drawing/2010/main" w="9525">
                     <a:solidFill>
                       <a:srgbClr val="000000"/>
                     </a:solidFill>
@@ -10427,7 +10428,7 @@
               </a:ln>
               <a:extLst>
                 <a:ext uri="{91240B29-F687-4f45-9708-019B960494DF}">
-                  <a14:hiddenLine xmlns:a14="http://schemas.microsoft.com/office/drawing/2010/main" xmlns="" w="9525">
+                  <a14:hiddenLine xmlns="" xmlns:a14="http://schemas.microsoft.com/office/drawing/2010/main" w="9525">
                     <a:solidFill>
                       <a:srgbClr val="000000"/>
                     </a:solidFill>
@@ -10489,7 +10490,7 @@
               </a:ln>
               <a:extLst>
                 <a:ext uri="{91240B29-F687-4f45-9708-019B960494DF}">
-                  <a14:hiddenLine xmlns:a14="http://schemas.microsoft.com/office/drawing/2010/main" xmlns="" w="9525">
+                  <a14:hiddenLine xmlns="" xmlns:a14="http://schemas.microsoft.com/office/drawing/2010/main" w="9525">
                     <a:solidFill>
                       <a:srgbClr val="000000"/>
                     </a:solidFill>
@@ -10579,7 +10580,7 @@
               </a:ln>
               <a:extLst>
                 <a:ext uri="{91240B29-F687-4f45-9708-019B960494DF}">
-                  <a14:hiddenLine xmlns:a14="http://schemas.microsoft.com/office/drawing/2010/main" xmlns="" w="9525">
+                  <a14:hiddenLine xmlns="" xmlns:a14="http://schemas.microsoft.com/office/drawing/2010/main" w="9525">
                     <a:solidFill>
                       <a:srgbClr val="000000"/>
                     </a:solidFill>
@@ -10644,7 +10645,7 @@
               </a:ln>
               <a:extLst>
                 <a:ext uri="{91240B29-F687-4f45-9708-019B960494DF}">
-                  <a14:hiddenLine xmlns:a14="http://schemas.microsoft.com/office/drawing/2010/main" xmlns="" w="9525">
+                  <a14:hiddenLine xmlns="" xmlns:a14="http://schemas.microsoft.com/office/drawing/2010/main" w="9525">
                     <a:solidFill>
                       <a:srgbClr val="000000"/>
                     </a:solidFill>
@@ -10706,7 +10707,7 @@
               </a:ln>
               <a:extLst>
                 <a:ext uri="{91240B29-F687-4f45-9708-019B960494DF}">
-                  <a14:hiddenLine xmlns:a14="http://schemas.microsoft.com/office/drawing/2010/main" xmlns="" w="9525">
+                  <a14:hiddenLine xmlns="" xmlns:a14="http://schemas.microsoft.com/office/drawing/2010/main" w="9525">
                     <a:solidFill>
                       <a:srgbClr val="000000"/>
                     </a:solidFill>
@@ -10796,7 +10797,7 @@
               </a:ln>
               <a:extLst>
                 <a:ext uri="{91240B29-F687-4f45-9708-019B960494DF}">
-                  <a14:hiddenLine xmlns:a14="http://schemas.microsoft.com/office/drawing/2010/main" xmlns="" w="9525">
+                  <a14:hiddenLine xmlns="" xmlns:a14="http://schemas.microsoft.com/office/drawing/2010/main" w="9525">
                     <a:solidFill>
                       <a:srgbClr val="000000"/>
                     </a:solidFill>
@@ -10886,7 +10887,7 @@
               </a:ln>
               <a:extLst>
                 <a:ext uri="{91240B29-F687-4f45-9708-019B960494DF}">
-                  <a14:hiddenLine xmlns:a14="http://schemas.microsoft.com/office/drawing/2010/main" xmlns="" w="9525">
+                  <a14:hiddenLine xmlns="" xmlns:a14="http://schemas.microsoft.com/office/drawing/2010/main" w="9525">
                     <a:solidFill>
                       <a:srgbClr val="000000"/>
                     </a:solidFill>
@@ -10951,7 +10952,7 @@
               </a:ln>
               <a:extLst>
                 <a:ext uri="{91240B29-F687-4f45-9708-019B960494DF}">
-                  <a14:hiddenLine xmlns:a14="http://schemas.microsoft.com/office/drawing/2010/main" xmlns="" w="9525">
+                  <a14:hiddenLine xmlns="" xmlns:a14="http://schemas.microsoft.com/office/drawing/2010/main" w="9525">
                     <a:solidFill>
                       <a:srgbClr val="000000"/>
                     </a:solidFill>
@@ -11071,7 +11072,7 @@
               </a:ln>
               <a:extLst>
                 <a:ext uri="{91240B29-F687-4f45-9708-019B960494DF}">
-                  <a14:hiddenLine xmlns:a14="http://schemas.microsoft.com/office/drawing/2010/main" xmlns="" w="9525">
+                  <a14:hiddenLine xmlns="" xmlns:a14="http://schemas.microsoft.com/office/drawing/2010/main" w="9525">
                     <a:solidFill>
                       <a:srgbClr val="000000"/>
                     </a:solidFill>
@@ -11169,7 +11170,7 @@
               </a:ln>
               <a:extLst>
                 <a:ext uri="{91240B29-F687-4f45-9708-019B960494DF}">
-                  <a14:hiddenLine xmlns:a14="http://schemas.microsoft.com/office/drawing/2010/main" xmlns="" w="9525">
+                  <a14:hiddenLine xmlns="" xmlns:a14="http://schemas.microsoft.com/office/drawing/2010/main" w="9525">
                     <a:solidFill>
                       <a:srgbClr val="000000"/>
                     </a:solidFill>
@@ -11284,7 +11285,7 @@
               </a:ln>
               <a:extLst>
                 <a:ext uri="{91240B29-F687-4f45-9708-019B960494DF}">
-                  <a14:hiddenLine xmlns:a14="http://schemas.microsoft.com/office/drawing/2010/main" xmlns="" w="9525">
+                  <a14:hiddenLine xmlns="" xmlns:a14="http://schemas.microsoft.com/office/drawing/2010/main" w="9525">
                     <a:solidFill>
                       <a:srgbClr val="000000"/>
                     </a:solidFill>
@@ -11374,7 +11375,7 @@
               </a:ln>
               <a:extLst>
                 <a:ext uri="{91240B29-F687-4f45-9708-019B960494DF}">
-                  <a14:hiddenLine xmlns:a14="http://schemas.microsoft.com/office/drawing/2010/main" xmlns="" w="9525">
+                  <a14:hiddenLine xmlns="" xmlns:a14="http://schemas.microsoft.com/office/drawing/2010/main" w="9525">
                     <a:solidFill>
                       <a:srgbClr val="000000"/>
                     </a:solidFill>
@@ -11439,7 +11440,7 @@
               </a:ln>
               <a:extLst>
                 <a:ext uri="{91240B29-F687-4f45-9708-019B960494DF}">
-                  <a14:hiddenLine xmlns:a14="http://schemas.microsoft.com/office/drawing/2010/main" xmlns="" w="9525">
+                  <a14:hiddenLine xmlns="" xmlns:a14="http://schemas.microsoft.com/office/drawing/2010/main" w="9525">
                     <a:solidFill>
                       <a:srgbClr val="000000"/>
                     </a:solidFill>
@@ -11529,7 +11530,7 @@
               </a:ln>
               <a:extLst>
                 <a:ext uri="{91240B29-F687-4f45-9708-019B960494DF}">
-                  <a14:hiddenLine xmlns:a14="http://schemas.microsoft.com/office/drawing/2010/main" xmlns="" w="9525">
+                  <a14:hiddenLine xmlns="" xmlns:a14="http://schemas.microsoft.com/office/drawing/2010/main" w="9525">
                     <a:solidFill>
                       <a:srgbClr val="000000"/>
                     </a:solidFill>
@@ -11597,7 +11598,7 @@
               </a:ln>
               <a:extLst>
                 <a:ext uri="{91240B29-F687-4f45-9708-019B960494DF}">
-                  <a14:hiddenLine xmlns:a14="http://schemas.microsoft.com/office/drawing/2010/main" xmlns="" w="9525">
+                  <a14:hiddenLine xmlns="" xmlns:a14="http://schemas.microsoft.com/office/drawing/2010/main" w="9525">
                     <a:solidFill>
                       <a:srgbClr val="000000"/>
                     </a:solidFill>
@@ -11687,7 +11688,7 @@
               </a:ln>
               <a:extLst>
                 <a:ext uri="{91240B29-F687-4f45-9708-019B960494DF}">
-                  <a14:hiddenLine xmlns:a14="http://schemas.microsoft.com/office/drawing/2010/main" xmlns="" w="9525">
+                  <a14:hiddenLine xmlns="" xmlns:a14="http://schemas.microsoft.com/office/drawing/2010/main" w="9525">
                     <a:solidFill>
                       <a:srgbClr val="000000"/>
                     </a:solidFill>
@@ -11755,7 +11756,7 @@
               </a:ln>
               <a:extLst>
                 <a:ext uri="{91240B29-F687-4f45-9708-019B960494DF}">
-                  <a14:hiddenLine xmlns:a14="http://schemas.microsoft.com/office/drawing/2010/main" xmlns="" w="9525">
+                  <a14:hiddenLine xmlns="" xmlns:a14="http://schemas.microsoft.com/office/drawing/2010/main" w="9525">
                     <a:solidFill>
                       <a:srgbClr val="000000"/>
                     </a:solidFill>
@@ -11845,7 +11846,7 @@
               </a:ln>
               <a:extLst>
                 <a:ext uri="{91240B29-F687-4f45-9708-019B960494DF}">
-                  <a14:hiddenLine xmlns:a14="http://schemas.microsoft.com/office/drawing/2010/main" xmlns="" w="9525">
+                  <a14:hiddenLine xmlns="" xmlns:a14="http://schemas.microsoft.com/office/drawing/2010/main" w="9525">
                     <a:solidFill>
                       <a:srgbClr val="000000"/>
                     </a:solidFill>
@@ -11879,7 +11880,7 @@
               </a:ln>
               <a:extLst>
                 <a:ext uri="{91240B29-F687-4f45-9708-019B960494DF}">
-                  <a14:hiddenLine xmlns:a14="http://schemas.microsoft.com/office/drawing/2010/main" xmlns="" w="9525">
+                  <a14:hiddenLine xmlns="" xmlns:a14="http://schemas.microsoft.com/office/drawing/2010/main" w="9525">
                     <a:solidFill>
                       <a:srgbClr val="000000"/>
                     </a:solidFill>
@@ -12019,7 +12020,7 @@
           <a:p>
             <a:fld id="{C3600A06-36DD-406A-821E-53AD92F7ED8A}" type="datetimeFigureOut">
               <a:rPr lang="uk-UA" smtClean="0"/>
-              <a:t>12.03.2021</a:t>
+              <a:t>15.03.2021</a:t>
             </a:fld>
             <a:endParaRPr lang="uk-UA"/>
           </a:p>
@@ -12520,12 +12521,12 @@
   </p:clrMapOvr>
   <mc:AlternateContent xmlns:mc="http://schemas.openxmlformats.org/markup-compatibility/2006" xmlns:p14="http://schemas.microsoft.com/office/powerpoint/2010/main">
     <mc:Choice Requires="p14">
-      <p:transition spd="slow" p14:dur="2000" advClick="0" advTm="2000">
+      <p:transition spd="slow" p14:dur="1500" advClick="0" advTm="3000">
         <p14:glitter pattern="hexagon"/>
       </p:transition>
     </mc:Choice>
     <mc:Fallback xmlns="">
-      <p:transition spd="slow" advClick="0" advTm="2000">
+      <p:transition spd="slow" advClick="0" advTm="3000">
         <p:fade/>
       </p:transition>
     </mc:Fallback>
@@ -12579,7 +12580,7 @@
                                     </p:set>
                                     <p:animEffect transition="in" filter="wipe(up)">
                                       <p:cBhvr>
-                                        <p:cTn id="7" dur="1000"/>
+                                        <p:cTn id="7" dur="750"/>
                                         <p:tgtEl>
                                           <p:spTgt spid="5"/>
                                         </p:tgtEl>
@@ -12594,7 +12595,7 @@
                         <p:par>
                           <p:cTn id="8" fill="hold">
                             <p:stCondLst>
-                              <p:cond delay="1000"/>
+                              <p:cond delay="750"/>
                             </p:stCondLst>
                             <p:childTnLst>
                               <p:par>
@@ -12688,7 +12689,7 @@
                         <p:par>
                           <p:cTn id="13" fill="hold">
                             <p:stCondLst>
-                              <p:cond delay="1500"/>
+                              <p:cond delay="1250"/>
                             </p:stCondLst>
                             <p:childTnLst>
                               <p:par>
@@ -13563,16 +13564,394 @@
       </p:sp>
       <p:sp>
         <p:nvSpPr>
-          <p:cNvPr id="118" name="Округлений прямокутник 117">
-            <a:hlinkClick r:id="rId2" action="ppaction://hlinksldjump"/>
+          <p:cNvPr id="187" name="TextBox 186"/>
+          <p:cNvSpPr txBox="1"/>
+          <p:nvPr/>
+        </p:nvSpPr>
+        <p:spPr>
+          <a:xfrm>
+            <a:off x="1850740" y="1274957"/>
+            <a:ext cx="393056" cy="584775"/>
+          </a:xfrm>
+          <a:prstGeom prst="rect">
+            <a:avLst/>
+          </a:prstGeom>
+          <a:noFill/>
+        </p:spPr>
+        <p:txBody>
+          <a:bodyPr wrap="none" rtlCol="0">
+            <a:spAutoFit/>
+          </a:bodyPr>
+          <a:lstStyle/>
+          <a:p>
+            <a:r>
+              <a:rPr lang="uk-UA" sz="3200" dirty="0" smtClean="0">
+                <a:solidFill>
+                  <a:schemeClr val="bg2"/>
+                </a:solidFill>
+                <a:latin typeface="Calibri" panose="020F0502020204030204" pitchFamily="34" charset="0"/>
+                <a:cs typeface="Calibri" panose="020F0502020204030204" pitchFamily="34" charset="0"/>
+              </a:rPr>
+              <a:t>9</a:t>
+            </a:r>
+            <a:endParaRPr lang="uk-UA" dirty="0">
+              <a:solidFill>
+                <a:schemeClr val="bg2"/>
+              </a:solidFill>
+              <a:latin typeface="Calibri" panose="020F0502020204030204" pitchFamily="34" charset="0"/>
+              <a:cs typeface="Calibri" panose="020F0502020204030204" pitchFamily="34" charset="0"/>
+            </a:endParaRPr>
+          </a:p>
+        </p:txBody>
+      </p:sp>
+      <p:sp>
+        <p:nvSpPr>
+          <p:cNvPr id="188" name="TextBox 187"/>
+          <p:cNvSpPr txBox="1"/>
+          <p:nvPr/>
+        </p:nvSpPr>
+        <p:spPr>
+          <a:xfrm>
+            <a:off x="2123773" y="2602973"/>
+            <a:ext cx="393056" cy="584775"/>
+          </a:xfrm>
+          <a:prstGeom prst="rect">
+            <a:avLst/>
+          </a:prstGeom>
+          <a:noFill/>
+        </p:spPr>
+        <p:txBody>
+          <a:bodyPr wrap="none" rtlCol="0">
+            <a:spAutoFit/>
+          </a:bodyPr>
+          <a:lstStyle/>
+          <a:p>
+            <a:r>
+              <a:rPr lang="en-US" sz="3200" dirty="0" smtClean="0">
+                <a:solidFill>
+                  <a:schemeClr val="bg2"/>
+                </a:solidFill>
+                <a:latin typeface="Calibri" panose="020F0502020204030204" pitchFamily="34" charset="0"/>
+                <a:cs typeface="Calibri" panose="020F0502020204030204" pitchFamily="34" charset="0"/>
+              </a:rPr>
+              <a:t>4</a:t>
+            </a:r>
+            <a:endParaRPr lang="uk-UA" dirty="0">
+              <a:solidFill>
+                <a:schemeClr val="bg2"/>
+              </a:solidFill>
+              <a:latin typeface="Calibri" panose="020F0502020204030204" pitchFamily="34" charset="0"/>
+              <a:cs typeface="Calibri" panose="020F0502020204030204" pitchFamily="34" charset="0"/>
+            </a:endParaRPr>
+          </a:p>
+        </p:txBody>
+      </p:sp>
+      <p:sp>
+        <p:nvSpPr>
+          <p:cNvPr id="189" name="TextBox 188"/>
+          <p:cNvSpPr txBox="1"/>
+          <p:nvPr/>
+        </p:nvSpPr>
+        <p:spPr>
+          <a:xfrm>
+            <a:off x="2328682" y="3912859"/>
+            <a:ext cx="393056" cy="584775"/>
+          </a:xfrm>
+          <a:prstGeom prst="rect">
+            <a:avLst/>
+          </a:prstGeom>
+          <a:noFill/>
+        </p:spPr>
+        <p:txBody>
+          <a:bodyPr wrap="none" rtlCol="0">
+            <a:spAutoFit/>
+          </a:bodyPr>
+          <a:lstStyle/>
+          <a:p>
+            <a:r>
+              <a:rPr lang="en-US" sz="3200" dirty="0" smtClean="0">
+                <a:solidFill>
+                  <a:schemeClr val="bg2"/>
+                </a:solidFill>
+                <a:latin typeface="Calibri" panose="020F0502020204030204" pitchFamily="34" charset="0"/>
+                <a:cs typeface="Calibri" panose="020F0502020204030204" pitchFamily="34" charset="0"/>
+              </a:rPr>
+              <a:t>7</a:t>
+            </a:r>
+            <a:endParaRPr lang="uk-UA" dirty="0">
+              <a:solidFill>
+                <a:schemeClr val="bg2"/>
+              </a:solidFill>
+              <a:latin typeface="Calibri" panose="020F0502020204030204" pitchFamily="34" charset="0"/>
+              <a:cs typeface="Calibri" panose="020F0502020204030204" pitchFamily="34" charset="0"/>
+            </a:endParaRPr>
+          </a:p>
+        </p:txBody>
+      </p:sp>
+      <p:sp>
+        <p:nvSpPr>
+          <p:cNvPr id="190" name="TextBox 189"/>
+          <p:cNvSpPr txBox="1"/>
+          <p:nvPr/>
+        </p:nvSpPr>
+        <p:spPr>
+          <a:xfrm>
+            <a:off x="4682018" y="1055772"/>
+            <a:ext cx="601447" cy="584775"/>
+          </a:xfrm>
+          <a:prstGeom prst="rect">
+            <a:avLst/>
+          </a:prstGeom>
+          <a:noFill/>
+        </p:spPr>
+        <p:txBody>
+          <a:bodyPr wrap="none" rtlCol="0">
+            <a:spAutoFit/>
+          </a:bodyPr>
+          <a:lstStyle/>
+          <a:p>
+            <a:r>
+              <a:rPr lang="en-US" sz="3200" dirty="0" smtClean="0">
+                <a:solidFill>
+                  <a:schemeClr val="bg2"/>
+                </a:solidFill>
+                <a:latin typeface="Calibri" panose="020F0502020204030204" pitchFamily="34" charset="0"/>
+                <a:cs typeface="Calibri" panose="020F0502020204030204" pitchFamily="34" charset="0"/>
+              </a:rPr>
+              <a:t>11</a:t>
+            </a:r>
+            <a:endParaRPr lang="uk-UA" dirty="0">
+              <a:solidFill>
+                <a:schemeClr val="bg2"/>
+              </a:solidFill>
+              <a:latin typeface="Calibri" panose="020F0502020204030204" pitchFamily="34" charset="0"/>
+              <a:cs typeface="Calibri" panose="020F0502020204030204" pitchFamily="34" charset="0"/>
+            </a:endParaRPr>
+          </a:p>
+        </p:txBody>
+      </p:sp>
+      <p:sp>
+        <p:nvSpPr>
+          <p:cNvPr id="191" name="TextBox 190"/>
+          <p:cNvSpPr txBox="1"/>
+          <p:nvPr/>
+        </p:nvSpPr>
+        <p:spPr>
+          <a:xfrm>
+            <a:off x="4163891" y="2338498"/>
+            <a:ext cx="601447" cy="584775"/>
+          </a:xfrm>
+          <a:prstGeom prst="rect">
+            <a:avLst/>
+          </a:prstGeom>
+          <a:noFill/>
+        </p:spPr>
+        <p:txBody>
+          <a:bodyPr wrap="none" rtlCol="0">
+            <a:spAutoFit/>
+          </a:bodyPr>
+          <a:lstStyle/>
+          <a:p>
+            <a:r>
+              <a:rPr lang="en-US" sz="3200" dirty="0" smtClean="0">
+                <a:solidFill>
+                  <a:schemeClr val="bg2"/>
+                </a:solidFill>
+                <a:latin typeface="Calibri" panose="020F0502020204030204" pitchFamily="34" charset="0"/>
+                <a:cs typeface="Calibri" panose="020F0502020204030204" pitchFamily="34" charset="0"/>
+              </a:rPr>
+              <a:t>17</a:t>
+            </a:r>
+            <a:endParaRPr lang="uk-UA" dirty="0">
+              <a:solidFill>
+                <a:schemeClr val="bg2"/>
+              </a:solidFill>
+              <a:latin typeface="Calibri" panose="020F0502020204030204" pitchFamily="34" charset="0"/>
+              <a:cs typeface="Calibri" panose="020F0502020204030204" pitchFamily="34" charset="0"/>
+            </a:endParaRPr>
+          </a:p>
+        </p:txBody>
+      </p:sp>
+      <p:sp>
+        <p:nvSpPr>
+          <p:cNvPr id="192" name="TextBox 191"/>
+          <p:cNvSpPr txBox="1"/>
+          <p:nvPr/>
+        </p:nvSpPr>
+        <p:spPr>
+          <a:xfrm>
+            <a:off x="4522458" y="3659347"/>
+            <a:ext cx="601447" cy="584775"/>
+          </a:xfrm>
+          <a:prstGeom prst="rect">
+            <a:avLst/>
+          </a:prstGeom>
+          <a:noFill/>
+        </p:spPr>
+        <p:txBody>
+          <a:bodyPr wrap="none" rtlCol="0">
+            <a:spAutoFit/>
+          </a:bodyPr>
+          <a:lstStyle/>
+          <a:p>
+            <a:r>
+              <a:rPr lang="en-US" sz="3200" dirty="0" smtClean="0">
+                <a:solidFill>
+                  <a:schemeClr val="bg2"/>
+                </a:solidFill>
+                <a:latin typeface="Calibri" panose="020F0502020204030204" pitchFamily="34" charset="0"/>
+                <a:cs typeface="Calibri" panose="020F0502020204030204" pitchFamily="34" charset="0"/>
+              </a:rPr>
+              <a:t>12</a:t>
+            </a:r>
+            <a:endParaRPr lang="uk-UA" dirty="0">
+              <a:solidFill>
+                <a:schemeClr val="bg2"/>
+              </a:solidFill>
+              <a:latin typeface="Calibri" panose="020F0502020204030204" pitchFamily="34" charset="0"/>
+              <a:cs typeface="Calibri" panose="020F0502020204030204" pitchFamily="34" charset="0"/>
+            </a:endParaRPr>
+          </a:p>
+        </p:txBody>
+      </p:sp>
+      <p:sp>
+        <p:nvSpPr>
+          <p:cNvPr id="193" name="TextBox 192"/>
+          <p:cNvSpPr txBox="1"/>
+          <p:nvPr/>
+        </p:nvSpPr>
+        <p:spPr>
+          <a:xfrm>
+            <a:off x="4236914" y="4915916"/>
+            <a:ext cx="601447" cy="584775"/>
+          </a:xfrm>
+          <a:prstGeom prst="rect">
+            <a:avLst/>
+          </a:prstGeom>
+          <a:noFill/>
+        </p:spPr>
+        <p:txBody>
+          <a:bodyPr wrap="none" rtlCol="0">
+            <a:spAutoFit/>
+          </a:bodyPr>
+          <a:lstStyle/>
+          <a:p>
+            <a:r>
+              <a:rPr lang="en-US" sz="3200" dirty="0" smtClean="0">
+                <a:solidFill>
+                  <a:schemeClr val="bg2"/>
+                </a:solidFill>
+                <a:latin typeface="Calibri" panose="020F0502020204030204" pitchFamily="34" charset="0"/>
+                <a:cs typeface="Calibri" panose="020F0502020204030204" pitchFamily="34" charset="0"/>
+              </a:rPr>
+              <a:t>14</a:t>
+            </a:r>
+            <a:endParaRPr lang="uk-UA" dirty="0">
+              <a:solidFill>
+                <a:schemeClr val="bg2"/>
+              </a:solidFill>
+              <a:latin typeface="Calibri" panose="020F0502020204030204" pitchFamily="34" charset="0"/>
+              <a:cs typeface="Calibri" panose="020F0502020204030204" pitchFamily="34" charset="0"/>
+            </a:endParaRPr>
+          </a:p>
+        </p:txBody>
+      </p:sp>
+      <p:sp>
+        <p:nvSpPr>
+          <p:cNvPr id="194" name="TextBox 193"/>
+          <p:cNvSpPr txBox="1"/>
+          <p:nvPr/>
+        </p:nvSpPr>
+        <p:spPr>
+          <a:xfrm>
+            <a:off x="6282445" y="2481967"/>
+            <a:ext cx="393056" cy="584775"/>
+          </a:xfrm>
+          <a:prstGeom prst="rect">
+            <a:avLst/>
+          </a:prstGeom>
+          <a:noFill/>
+        </p:spPr>
+        <p:txBody>
+          <a:bodyPr wrap="none" rtlCol="0">
+            <a:spAutoFit/>
+          </a:bodyPr>
+          <a:lstStyle/>
+          <a:p>
+            <a:r>
+              <a:rPr lang="en-US" sz="3200" dirty="0">
+                <a:solidFill>
+                  <a:schemeClr val="bg2"/>
+                </a:solidFill>
+                <a:latin typeface="Calibri" panose="020F0502020204030204" pitchFamily="34" charset="0"/>
+                <a:cs typeface="Calibri" panose="020F0502020204030204" pitchFamily="34" charset="0"/>
+              </a:rPr>
+              <a:t>5</a:t>
+            </a:r>
+            <a:endParaRPr lang="uk-UA" dirty="0">
+              <a:solidFill>
+                <a:schemeClr val="bg2"/>
+              </a:solidFill>
+              <a:latin typeface="Calibri" panose="020F0502020204030204" pitchFamily="34" charset="0"/>
+              <a:cs typeface="Calibri" panose="020F0502020204030204" pitchFamily="34" charset="0"/>
+            </a:endParaRPr>
+          </a:p>
+        </p:txBody>
+      </p:sp>
+      <p:sp>
+        <p:nvSpPr>
+          <p:cNvPr id="195" name="TextBox 194"/>
+          <p:cNvSpPr txBox="1"/>
+          <p:nvPr/>
+        </p:nvSpPr>
+        <p:spPr>
+          <a:xfrm>
+            <a:off x="5908958" y="3787131"/>
+            <a:ext cx="601447" cy="584775"/>
+          </a:xfrm>
+          <a:prstGeom prst="rect">
+            <a:avLst/>
+          </a:prstGeom>
+          <a:noFill/>
+        </p:spPr>
+        <p:txBody>
+          <a:bodyPr wrap="none" rtlCol="0">
+            <a:spAutoFit/>
+          </a:bodyPr>
+          <a:lstStyle/>
+          <a:p>
+            <a:r>
+              <a:rPr lang="en-US" sz="3200" dirty="0" smtClean="0">
+                <a:solidFill>
+                  <a:schemeClr val="bg2"/>
+                </a:solidFill>
+                <a:latin typeface="Calibri" panose="020F0502020204030204" pitchFamily="34" charset="0"/>
+                <a:cs typeface="Calibri" panose="020F0502020204030204" pitchFamily="34" charset="0"/>
+              </a:rPr>
+              <a:t>10</a:t>
+            </a:r>
+            <a:endParaRPr lang="uk-UA" dirty="0">
+              <a:solidFill>
+                <a:schemeClr val="bg2"/>
+              </a:solidFill>
+              <a:latin typeface="Calibri" panose="020F0502020204030204" pitchFamily="34" charset="0"/>
+              <a:cs typeface="Calibri" panose="020F0502020204030204" pitchFamily="34" charset="0"/>
+            </a:endParaRPr>
+          </a:p>
+        </p:txBody>
+      </p:sp>
+      <p:sp>
+        <p:nvSpPr>
+          <p:cNvPr id="29" name="Округлений прямокутник 28">
+            <a:hlinkClick r:id="" action="ppaction://hlinkshowjump?jump=nextslide"/>
           </p:cNvPr>
           <p:cNvSpPr/>
           <p:nvPr/>
         </p:nvSpPr>
         <p:spPr>
           <a:xfrm>
-            <a:off x="10107038" y="6282241"/>
-            <a:ext cx="2023927" cy="458596"/>
+            <a:off x="9805482" y="6282241"/>
+            <a:ext cx="2325484" cy="458596"/>
           </a:xfrm>
           <a:prstGeom prst="roundRect">
             <a:avLst/>
@@ -13606,387 +13985,9 @@
                 <a:latin typeface="Calibri" panose="020F0502020204030204" pitchFamily="34" charset="0"/>
                 <a:cs typeface="Calibri" panose="020F0502020204030204" pitchFamily="34" charset="0"/>
               </a:rPr>
-              <a:t>From 1 to 7</a:t>
+              <a:t>Start dijkstra</a:t>
             </a:r>
             <a:endParaRPr lang="uk-UA" sz="2800" dirty="0">
-              <a:solidFill>
-                <a:schemeClr val="bg2"/>
-              </a:solidFill>
-              <a:latin typeface="Calibri" panose="020F0502020204030204" pitchFamily="34" charset="0"/>
-              <a:cs typeface="Calibri" panose="020F0502020204030204" pitchFamily="34" charset="0"/>
-            </a:endParaRPr>
-          </a:p>
-        </p:txBody>
-      </p:sp>
-      <p:sp>
-        <p:nvSpPr>
-          <p:cNvPr id="187" name="TextBox 186"/>
-          <p:cNvSpPr txBox="1"/>
-          <p:nvPr/>
-        </p:nvSpPr>
-        <p:spPr>
-          <a:xfrm>
-            <a:off x="1850740" y="1274957"/>
-            <a:ext cx="393056" cy="584775"/>
-          </a:xfrm>
-          <a:prstGeom prst="rect">
-            <a:avLst/>
-          </a:prstGeom>
-          <a:noFill/>
-        </p:spPr>
-        <p:txBody>
-          <a:bodyPr wrap="none" rtlCol="0">
-            <a:spAutoFit/>
-          </a:bodyPr>
-          <a:lstStyle/>
-          <a:p>
-            <a:r>
-              <a:rPr lang="uk-UA" sz="3200" dirty="0" smtClean="0">
-                <a:solidFill>
-                  <a:schemeClr val="bg2"/>
-                </a:solidFill>
-                <a:latin typeface="Calibri" panose="020F0502020204030204" pitchFamily="34" charset="0"/>
-                <a:cs typeface="Calibri" panose="020F0502020204030204" pitchFamily="34" charset="0"/>
-              </a:rPr>
-              <a:t>9</a:t>
-            </a:r>
-            <a:endParaRPr lang="uk-UA" dirty="0">
-              <a:solidFill>
-                <a:schemeClr val="bg2"/>
-              </a:solidFill>
-              <a:latin typeface="Calibri" panose="020F0502020204030204" pitchFamily="34" charset="0"/>
-              <a:cs typeface="Calibri" panose="020F0502020204030204" pitchFamily="34" charset="0"/>
-            </a:endParaRPr>
-          </a:p>
-        </p:txBody>
-      </p:sp>
-      <p:sp>
-        <p:nvSpPr>
-          <p:cNvPr id="188" name="TextBox 187"/>
-          <p:cNvSpPr txBox="1"/>
-          <p:nvPr/>
-        </p:nvSpPr>
-        <p:spPr>
-          <a:xfrm>
-            <a:off x="2123773" y="2602973"/>
-            <a:ext cx="393056" cy="584775"/>
-          </a:xfrm>
-          <a:prstGeom prst="rect">
-            <a:avLst/>
-          </a:prstGeom>
-          <a:noFill/>
-        </p:spPr>
-        <p:txBody>
-          <a:bodyPr wrap="none" rtlCol="0">
-            <a:spAutoFit/>
-          </a:bodyPr>
-          <a:lstStyle/>
-          <a:p>
-            <a:r>
-              <a:rPr lang="en-US" sz="3200" dirty="0" smtClean="0">
-                <a:solidFill>
-                  <a:schemeClr val="bg2"/>
-                </a:solidFill>
-                <a:latin typeface="Calibri" panose="020F0502020204030204" pitchFamily="34" charset="0"/>
-                <a:cs typeface="Calibri" panose="020F0502020204030204" pitchFamily="34" charset="0"/>
-              </a:rPr>
-              <a:t>4</a:t>
-            </a:r>
-            <a:endParaRPr lang="uk-UA" dirty="0">
-              <a:solidFill>
-                <a:schemeClr val="bg2"/>
-              </a:solidFill>
-              <a:latin typeface="Calibri" panose="020F0502020204030204" pitchFamily="34" charset="0"/>
-              <a:cs typeface="Calibri" panose="020F0502020204030204" pitchFamily="34" charset="0"/>
-            </a:endParaRPr>
-          </a:p>
-        </p:txBody>
-      </p:sp>
-      <p:sp>
-        <p:nvSpPr>
-          <p:cNvPr id="189" name="TextBox 188"/>
-          <p:cNvSpPr txBox="1"/>
-          <p:nvPr/>
-        </p:nvSpPr>
-        <p:spPr>
-          <a:xfrm>
-            <a:off x="2328682" y="3912859"/>
-            <a:ext cx="393056" cy="584775"/>
-          </a:xfrm>
-          <a:prstGeom prst="rect">
-            <a:avLst/>
-          </a:prstGeom>
-          <a:noFill/>
-        </p:spPr>
-        <p:txBody>
-          <a:bodyPr wrap="none" rtlCol="0">
-            <a:spAutoFit/>
-          </a:bodyPr>
-          <a:lstStyle/>
-          <a:p>
-            <a:r>
-              <a:rPr lang="en-US" sz="3200" dirty="0" smtClean="0">
-                <a:solidFill>
-                  <a:schemeClr val="bg2"/>
-                </a:solidFill>
-                <a:latin typeface="Calibri" panose="020F0502020204030204" pitchFamily="34" charset="0"/>
-                <a:cs typeface="Calibri" panose="020F0502020204030204" pitchFamily="34" charset="0"/>
-              </a:rPr>
-              <a:t>7</a:t>
-            </a:r>
-            <a:endParaRPr lang="uk-UA" dirty="0">
-              <a:solidFill>
-                <a:schemeClr val="bg2"/>
-              </a:solidFill>
-              <a:latin typeface="Calibri" panose="020F0502020204030204" pitchFamily="34" charset="0"/>
-              <a:cs typeface="Calibri" panose="020F0502020204030204" pitchFamily="34" charset="0"/>
-            </a:endParaRPr>
-          </a:p>
-        </p:txBody>
-      </p:sp>
-      <p:sp>
-        <p:nvSpPr>
-          <p:cNvPr id="190" name="TextBox 189"/>
-          <p:cNvSpPr txBox="1"/>
-          <p:nvPr/>
-        </p:nvSpPr>
-        <p:spPr>
-          <a:xfrm>
-            <a:off x="4682018" y="1055772"/>
-            <a:ext cx="601447" cy="584775"/>
-          </a:xfrm>
-          <a:prstGeom prst="rect">
-            <a:avLst/>
-          </a:prstGeom>
-          <a:noFill/>
-        </p:spPr>
-        <p:txBody>
-          <a:bodyPr wrap="none" rtlCol="0">
-            <a:spAutoFit/>
-          </a:bodyPr>
-          <a:lstStyle/>
-          <a:p>
-            <a:r>
-              <a:rPr lang="en-US" sz="3200" dirty="0" smtClean="0">
-                <a:solidFill>
-                  <a:schemeClr val="bg2"/>
-                </a:solidFill>
-                <a:latin typeface="Calibri" panose="020F0502020204030204" pitchFamily="34" charset="0"/>
-                <a:cs typeface="Calibri" panose="020F0502020204030204" pitchFamily="34" charset="0"/>
-              </a:rPr>
-              <a:t>11</a:t>
-            </a:r>
-            <a:endParaRPr lang="uk-UA" dirty="0">
-              <a:solidFill>
-                <a:schemeClr val="bg2"/>
-              </a:solidFill>
-              <a:latin typeface="Calibri" panose="020F0502020204030204" pitchFamily="34" charset="0"/>
-              <a:cs typeface="Calibri" panose="020F0502020204030204" pitchFamily="34" charset="0"/>
-            </a:endParaRPr>
-          </a:p>
-        </p:txBody>
-      </p:sp>
-      <p:sp>
-        <p:nvSpPr>
-          <p:cNvPr id="191" name="TextBox 190"/>
-          <p:cNvSpPr txBox="1"/>
-          <p:nvPr/>
-        </p:nvSpPr>
-        <p:spPr>
-          <a:xfrm>
-            <a:off x="4163891" y="2338498"/>
-            <a:ext cx="601447" cy="584775"/>
-          </a:xfrm>
-          <a:prstGeom prst="rect">
-            <a:avLst/>
-          </a:prstGeom>
-          <a:noFill/>
-        </p:spPr>
-        <p:txBody>
-          <a:bodyPr wrap="none" rtlCol="0">
-            <a:spAutoFit/>
-          </a:bodyPr>
-          <a:lstStyle/>
-          <a:p>
-            <a:r>
-              <a:rPr lang="en-US" sz="3200" dirty="0" smtClean="0">
-                <a:solidFill>
-                  <a:schemeClr val="bg2"/>
-                </a:solidFill>
-                <a:latin typeface="Calibri" panose="020F0502020204030204" pitchFamily="34" charset="0"/>
-                <a:cs typeface="Calibri" panose="020F0502020204030204" pitchFamily="34" charset="0"/>
-              </a:rPr>
-              <a:t>17</a:t>
-            </a:r>
-            <a:endParaRPr lang="uk-UA" dirty="0">
-              <a:solidFill>
-                <a:schemeClr val="bg2"/>
-              </a:solidFill>
-              <a:latin typeface="Calibri" panose="020F0502020204030204" pitchFamily="34" charset="0"/>
-              <a:cs typeface="Calibri" panose="020F0502020204030204" pitchFamily="34" charset="0"/>
-            </a:endParaRPr>
-          </a:p>
-        </p:txBody>
-      </p:sp>
-      <p:sp>
-        <p:nvSpPr>
-          <p:cNvPr id="192" name="TextBox 191"/>
-          <p:cNvSpPr txBox="1"/>
-          <p:nvPr/>
-        </p:nvSpPr>
-        <p:spPr>
-          <a:xfrm>
-            <a:off x="4522458" y="3659347"/>
-            <a:ext cx="601447" cy="584775"/>
-          </a:xfrm>
-          <a:prstGeom prst="rect">
-            <a:avLst/>
-          </a:prstGeom>
-          <a:noFill/>
-        </p:spPr>
-        <p:txBody>
-          <a:bodyPr wrap="none" rtlCol="0">
-            <a:spAutoFit/>
-          </a:bodyPr>
-          <a:lstStyle/>
-          <a:p>
-            <a:r>
-              <a:rPr lang="en-US" sz="3200" dirty="0" smtClean="0">
-                <a:solidFill>
-                  <a:schemeClr val="bg2"/>
-                </a:solidFill>
-                <a:latin typeface="Calibri" panose="020F0502020204030204" pitchFamily="34" charset="0"/>
-                <a:cs typeface="Calibri" panose="020F0502020204030204" pitchFamily="34" charset="0"/>
-              </a:rPr>
-              <a:t>12</a:t>
-            </a:r>
-            <a:endParaRPr lang="uk-UA" dirty="0">
-              <a:solidFill>
-                <a:schemeClr val="bg2"/>
-              </a:solidFill>
-              <a:latin typeface="Calibri" panose="020F0502020204030204" pitchFamily="34" charset="0"/>
-              <a:cs typeface="Calibri" panose="020F0502020204030204" pitchFamily="34" charset="0"/>
-            </a:endParaRPr>
-          </a:p>
-        </p:txBody>
-      </p:sp>
-      <p:sp>
-        <p:nvSpPr>
-          <p:cNvPr id="193" name="TextBox 192"/>
-          <p:cNvSpPr txBox="1"/>
-          <p:nvPr/>
-        </p:nvSpPr>
-        <p:spPr>
-          <a:xfrm>
-            <a:off x="4236914" y="4915916"/>
-            <a:ext cx="601447" cy="584775"/>
-          </a:xfrm>
-          <a:prstGeom prst="rect">
-            <a:avLst/>
-          </a:prstGeom>
-          <a:noFill/>
-        </p:spPr>
-        <p:txBody>
-          <a:bodyPr wrap="none" rtlCol="0">
-            <a:spAutoFit/>
-          </a:bodyPr>
-          <a:lstStyle/>
-          <a:p>
-            <a:r>
-              <a:rPr lang="en-US" sz="3200" dirty="0" smtClean="0">
-                <a:solidFill>
-                  <a:schemeClr val="bg2"/>
-                </a:solidFill>
-                <a:latin typeface="Calibri" panose="020F0502020204030204" pitchFamily="34" charset="0"/>
-                <a:cs typeface="Calibri" panose="020F0502020204030204" pitchFamily="34" charset="0"/>
-              </a:rPr>
-              <a:t>14</a:t>
-            </a:r>
-            <a:endParaRPr lang="uk-UA" dirty="0">
-              <a:solidFill>
-                <a:schemeClr val="bg2"/>
-              </a:solidFill>
-              <a:latin typeface="Calibri" panose="020F0502020204030204" pitchFamily="34" charset="0"/>
-              <a:cs typeface="Calibri" panose="020F0502020204030204" pitchFamily="34" charset="0"/>
-            </a:endParaRPr>
-          </a:p>
-        </p:txBody>
-      </p:sp>
-      <p:sp>
-        <p:nvSpPr>
-          <p:cNvPr id="194" name="TextBox 193"/>
-          <p:cNvSpPr txBox="1"/>
-          <p:nvPr/>
-        </p:nvSpPr>
-        <p:spPr>
-          <a:xfrm>
-            <a:off x="6282445" y="2481967"/>
-            <a:ext cx="393056" cy="584775"/>
-          </a:xfrm>
-          <a:prstGeom prst="rect">
-            <a:avLst/>
-          </a:prstGeom>
-          <a:noFill/>
-        </p:spPr>
-        <p:txBody>
-          <a:bodyPr wrap="none" rtlCol="0">
-            <a:spAutoFit/>
-          </a:bodyPr>
-          <a:lstStyle/>
-          <a:p>
-            <a:r>
-              <a:rPr lang="en-US" sz="3200" dirty="0">
-                <a:solidFill>
-                  <a:schemeClr val="bg2"/>
-                </a:solidFill>
-                <a:latin typeface="Calibri" panose="020F0502020204030204" pitchFamily="34" charset="0"/>
-                <a:cs typeface="Calibri" panose="020F0502020204030204" pitchFamily="34" charset="0"/>
-              </a:rPr>
-              <a:t>5</a:t>
-            </a:r>
-            <a:endParaRPr lang="uk-UA" dirty="0">
-              <a:solidFill>
-                <a:schemeClr val="bg2"/>
-              </a:solidFill>
-              <a:latin typeface="Calibri" panose="020F0502020204030204" pitchFamily="34" charset="0"/>
-              <a:cs typeface="Calibri" panose="020F0502020204030204" pitchFamily="34" charset="0"/>
-            </a:endParaRPr>
-          </a:p>
-        </p:txBody>
-      </p:sp>
-      <p:sp>
-        <p:nvSpPr>
-          <p:cNvPr id="195" name="TextBox 194"/>
-          <p:cNvSpPr txBox="1"/>
-          <p:nvPr/>
-        </p:nvSpPr>
-        <p:spPr>
-          <a:xfrm>
-            <a:off x="5908958" y="3787131"/>
-            <a:ext cx="601447" cy="584775"/>
-          </a:xfrm>
-          <a:prstGeom prst="rect">
-            <a:avLst/>
-          </a:prstGeom>
-          <a:noFill/>
-        </p:spPr>
-        <p:txBody>
-          <a:bodyPr wrap="none" rtlCol="0">
-            <a:spAutoFit/>
-          </a:bodyPr>
-          <a:lstStyle/>
-          <a:p>
-            <a:r>
-              <a:rPr lang="en-US" sz="3200" dirty="0" smtClean="0">
-                <a:solidFill>
-                  <a:schemeClr val="bg2"/>
-                </a:solidFill>
-                <a:latin typeface="Calibri" panose="020F0502020204030204" pitchFamily="34" charset="0"/>
-                <a:cs typeface="Calibri" panose="020F0502020204030204" pitchFamily="34" charset="0"/>
-              </a:rPr>
-              <a:t>10</a:t>
-            </a:r>
-            <a:endParaRPr lang="uk-UA" dirty="0">
               <a:solidFill>
                 <a:schemeClr val="bg2"/>
               </a:solidFill>
@@ -14006,7 +14007,7 @@
   <p:clrMapOvr>
     <a:masterClrMapping/>
   </p:clrMapOvr>
-  <p:transition spd="med" advClick="0" advTm="2000">
+  <p:transition spd="med" advClick="0">
     <p:pull dir="u"/>
   </p:transition>
   <p:timing>
@@ -15042,7 +15043,7 @@
                             </p:stCondLst>
                             <p:childTnLst>
                               <p:par>
-                                <p:cTn id="91" presetID="22" presetClass="entr" presetSubtype="1" fill="hold" grpId="0" nodeType="afterEffect">
+                                <p:cTn id="91" presetID="10" presetClass="entr" presetSubtype="0" fill="hold" grpId="0" nodeType="afterEffect">
                                   <p:stCondLst>
                                     <p:cond delay="0"/>
                                   </p:stCondLst>
@@ -15055,7 +15056,7 @@
                                           </p:stCondLst>
                                         </p:cTn>
                                         <p:tgtEl>
-                                          <p:spTgt spid="118"/>
+                                          <p:spTgt spid="29"/>
                                         </p:tgtEl>
                                         <p:attrNameLst>
                                           <p:attrName>style.visibility</p:attrName>
@@ -15065,11 +15066,11 @@
                                         <p:strVal val="visible"/>
                                       </p:to>
                                     </p:set>
-                                    <p:animEffect transition="in" filter="wipe(up)">
+                                    <p:animEffect transition="in" filter="fade">
                                       <p:cBhvr>
                                         <p:cTn id="93" dur="1000"/>
                                         <p:tgtEl>
-                                          <p:spTgt spid="118"/>
+                                          <p:spTgt spid="29"/>
                                         </p:tgtEl>
                                       </p:cBhvr>
                                     </p:animEffect>
@@ -15112,7 +15113,6 @@
       <p:bldP spid="104" grpId="0" animBg="1"/>
       <p:bldP spid="105" grpId="0" animBg="1"/>
       <p:bldP spid="106" grpId="0" animBg="1"/>
-      <p:bldP spid="118" grpId="0" animBg="1"/>
       <p:bldP spid="187" grpId="0"/>
       <p:bldP spid="188" grpId="0"/>
       <p:bldP spid="189" grpId="0"/>
@@ -15122,12 +15122,1226 @@
       <p:bldP spid="193" grpId="0"/>
       <p:bldP spid="194" grpId="0"/>
       <p:bldP spid="195" grpId="0"/>
+      <p:bldP spid="29" grpId="0" animBg="1"/>
     </p:bldLst>
   </p:timing>
 </p:sld>
 </file>
 
 <file path=ppt/slides/slide3.xml><?xml version="1.0" encoding="utf-8"?>
+<p:sld xmlns:a="http://schemas.openxmlformats.org/drawingml/2006/main" xmlns:r="http://schemas.openxmlformats.org/officeDocument/2006/relationships" xmlns:p="http://schemas.openxmlformats.org/presentationml/2006/main">
+  <p:cSld>
+    <p:spTree>
+      <p:nvGrpSpPr>
+        <p:cNvPr id="1" name=""/>
+        <p:cNvGrpSpPr/>
+        <p:nvPr/>
+      </p:nvGrpSpPr>
+      <p:grpSpPr>
+        <a:xfrm>
+          <a:off x="0" y="0"/>
+          <a:ext cx="0" cy="0"/>
+          <a:chOff x="0" y="0"/>
+          <a:chExt cx="0" cy="0"/>
+        </a:xfrm>
+      </p:grpSpPr>
+      <p:sp>
+        <p:nvSpPr>
+          <p:cNvPr id="41" name="Овал 40"/>
+          <p:cNvSpPr/>
+          <p:nvPr/>
+        </p:nvSpPr>
+        <p:spPr>
+          <a:xfrm>
+            <a:off x="3319702" y="775983"/>
+            <a:ext cx="791362" cy="791362"/>
+          </a:xfrm>
+          <a:prstGeom prst="ellipse">
+            <a:avLst/>
+          </a:prstGeom>
+          <a:ln/>
+        </p:spPr>
+        <p:style>
+          <a:lnRef idx="2">
+            <a:schemeClr val="dk1"/>
+          </a:lnRef>
+          <a:fillRef idx="1">
+            <a:schemeClr val="lt1"/>
+          </a:fillRef>
+          <a:effectRef idx="0">
+            <a:schemeClr val="dk1"/>
+          </a:effectRef>
+          <a:fontRef idx="minor">
+            <a:schemeClr val="dk1"/>
+          </a:fontRef>
+        </p:style>
+        <p:txBody>
+          <a:bodyPr rtlCol="0" anchor="ctr"/>
+          <a:lstStyle/>
+          <a:p>
+            <a:pPr algn="ctr"/>
+            <a:r>
+              <a:rPr lang="en-US" sz="3200" dirty="0" smtClean="0">
+                <a:solidFill>
+                  <a:schemeClr val="bg2"/>
+                </a:solidFill>
+                <a:latin typeface="Calibri" panose="020F0502020204030204" pitchFamily="34" charset="0"/>
+                <a:cs typeface="Calibri" panose="020F0502020204030204" pitchFamily="34" charset="0"/>
+              </a:rPr>
+              <a:t>2</a:t>
+            </a:r>
+            <a:endParaRPr lang="uk-UA" sz="3200" dirty="0">
+              <a:solidFill>
+                <a:schemeClr val="bg2"/>
+              </a:solidFill>
+              <a:latin typeface="Calibri" panose="020F0502020204030204" pitchFamily="34" charset="0"/>
+              <a:cs typeface="Calibri" panose="020F0502020204030204" pitchFamily="34" charset="0"/>
+            </a:endParaRPr>
+          </a:p>
+        </p:txBody>
+      </p:sp>
+      <p:sp>
+        <p:nvSpPr>
+          <p:cNvPr id="42" name="Овал 41"/>
+          <p:cNvSpPr/>
+          <p:nvPr/>
+        </p:nvSpPr>
+        <p:spPr>
+          <a:xfrm>
+            <a:off x="5117596" y="1885876"/>
+            <a:ext cx="791362" cy="791362"/>
+          </a:xfrm>
+          <a:prstGeom prst="ellipse">
+            <a:avLst/>
+          </a:prstGeom>
+          <a:ln/>
+        </p:spPr>
+        <p:style>
+          <a:lnRef idx="2">
+            <a:schemeClr val="dk1"/>
+          </a:lnRef>
+          <a:fillRef idx="1">
+            <a:schemeClr val="lt1"/>
+          </a:fillRef>
+          <a:effectRef idx="0">
+            <a:schemeClr val="dk1"/>
+          </a:effectRef>
+          <a:fontRef idx="minor">
+            <a:schemeClr val="dk1"/>
+          </a:fontRef>
+        </p:style>
+        <p:txBody>
+          <a:bodyPr rtlCol="0" anchor="ctr"/>
+          <a:lstStyle/>
+          <a:p>
+            <a:pPr algn="ctr"/>
+            <a:r>
+              <a:rPr lang="en-US" sz="3200" dirty="0" smtClean="0">
+                <a:solidFill>
+                  <a:schemeClr val="bg2"/>
+                </a:solidFill>
+                <a:latin typeface="Calibri" panose="020F0502020204030204" pitchFamily="34" charset="0"/>
+                <a:cs typeface="Calibri" panose="020F0502020204030204" pitchFamily="34" charset="0"/>
+              </a:rPr>
+              <a:t>5</a:t>
+            </a:r>
+            <a:endParaRPr lang="uk-UA" sz="3200" dirty="0">
+              <a:solidFill>
+                <a:schemeClr val="bg2"/>
+              </a:solidFill>
+              <a:latin typeface="Calibri" panose="020F0502020204030204" pitchFamily="34" charset="0"/>
+              <a:cs typeface="Calibri" panose="020F0502020204030204" pitchFamily="34" charset="0"/>
+            </a:endParaRPr>
+          </a:p>
+        </p:txBody>
+      </p:sp>
+      <p:sp>
+        <p:nvSpPr>
+          <p:cNvPr id="43" name="Овал 42"/>
+          <p:cNvSpPr/>
+          <p:nvPr/>
+        </p:nvSpPr>
+        <p:spPr>
+          <a:xfrm>
+            <a:off x="6655933" y="3268241"/>
+            <a:ext cx="791362" cy="791362"/>
+          </a:xfrm>
+          <a:prstGeom prst="ellipse">
+            <a:avLst/>
+          </a:prstGeom>
+          <a:ln/>
+        </p:spPr>
+        <p:style>
+          <a:lnRef idx="2">
+            <a:schemeClr val="dk1"/>
+          </a:lnRef>
+          <a:fillRef idx="1">
+            <a:schemeClr val="lt1"/>
+          </a:fillRef>
+          <a:effectRef idx="0">
+            <a:schemeClr val="dk1"/>
+          </a:effectRef>
+          <a:fontRef idx="minor">
+            <a:schemeClr val="dk1"/>
+          </a:fontRef>
+        </p:style>
+        <p:txBody>
+          <a:bodyPr rtlCol="0" anchor="ctr"/>
+          <a:lstStyle/>
+          <a:p>
+            <a:pPr algn="ctr"/>
+            <a:r>
+              <a:rPr lang="en-US" sz="3200" dirty="0">
+                <a:solidFill>
+                  <a:schemeClr val="bg2"/>
+                </a:solidFill>
+                <a:latin typeface="Calibri" panose="020F0502020204030204" pitchFamily="34" charset="0"/>
+                <a:cs typeface="Calibri" panose="020F0502020204030204" pitchFamily="34" charset="0"/>
+              </a:rPr>
+              <a:t>7</a:t>
+            </a:r>
+            <a:endParaRPr lang="uk-UA" sz="3200" dirty="0">
+              <a:solidFill>
+                <a:schemeClr val="bg2"/>
+              </a:solidFill>
+              <a:latin typeface="Calibri" panose="020F0502020204030204" pitchFamily="34" charset="0"/>
+              <a:cs typeface="Calibri" panose="020F0502020204030204" pitchFamily="34" charset="0"/>
+            </a:endParaRPr>
+          </a:p>
+        </p:txBody>
+      </p:sp>
+      <p:sp>
+        <p:nvSpPr>
+          <p:cNvPr id="44" name="Овал 43"/>
+          <p:cNvSpPr/>
+          <p:nvPr/>
+        </p:nvSpPr>
+        <p:spPr>
+          <a:xfrm>
+            <a:off x="5177590" y="4653597"/>
+            <a:ext cx="791362" cy="791362"/>
+          </a:xfrm>
+          <a:prstGeom prst="ellipse">
+            <a:avLst/>
+          </a:prstGeom>
+          <a:ln/>
+        </p:spPr>
+        <p:style>
+          <a:lnRef idx="2">
+            <a:schemeClr val="dk1"/>
+          </a:lnRef>
+          <a:fillRef idx="1">
+            <a:schemeClr val="lt1"/>
+          </a:fillRef>
+          <a:effectRef idx="0">
+            <a:schemeClr val="dk1"/>
+          </a:effectRef>
+          <a:fontRef idx="minor">
+            <a:schemeClr val="dk1"/>
+          </a:fontRef>
+        </p:style>
+        <p:txBody>
+          <a:bodyPr rtlCol="0" anchor="ctr"/>
+          <a:lstStyle/>
+          <a:p>
+            <a:pPr algn="ctr"/>
+            <a:r>
+              <a:rPr lang="en-US" sz="3200" dirty="0">
+                <a:solidFill>
+                  <a:schemeClr val="bg2"/>
+                </a:solidFill>
+                <a:latin typeface="Calibri" panose="020F0502020204030204" pitchFamily="34" charset="0"/>
+                <a:cs typeface="Calibri" panose="020F0502020204030204" pitchFamily="34" charset="0"/>
+              </a:rPr>
+              <a:t>6</a:t>
+            </a:r>
+            <a:endParaRPr lang="uk-UA" sz="3200" dirty="0">
+              <a:solidFill>
+                <a:schemeClr val="bg2"/>
+              </a:solidFill>
+              <a:latin typeface="Calibri" panose="020F0502020204030204" pitchFamily="34" charset="0"/>
+              <a:cs typeface="Calibri" panose="020F0502020204030204" pitchFamily="34" charset="0"/>
+            </a:endParaRPr>
+          </a:p>
+        </p:txBody>
+      </p:sp>
+      <p:sp>
+        <p:nvSpPr>
+          <p:cNvPr id="45" name="TextBox 44"/>
+          <p:cNvSpPr txBox="1"/>
+          <p:nvPr/>
+        </p:nvSpPr>
+        <p:spPr>
+          <a:xfrm>
+            <a:off x="4464615" y="191208"/>
+            <a:ext cx="2644891" cy="584775"/>
+          </a:xfrm>
+          <a:prstGeom prst="rect">
+            <a:avLst/>
+          </a:prstGeom>
+          <a:noFill/>
+        </p:spPr>
+        <p:txBody>
+          <a:bodyPr wrap="none" rtlCol="0">
+            <a:spAutoFit/>
+          </a:bodyPr>
+          <a:lstStyle/>
+          <a:p>
+            <a:r>
+              <a:rPr lang="en-US" sz="3200" dirty="0" smtClean="0">
+                <a:solidFill>
+                  <a:schemeClr val="bg2"/>
+                </a:solidFill>
+                <a:latin typeface="Calibri" panose="020F0502020204030204" pitchFamily="34" charset="0"/>
+                <a:cs typeface="Calibri" panose="020F0502020204030204" pitchFamily="34" charset="0"/>
+              </a:rPr>
+              <a:t>Graph building</a:t>
+            </a:r>
+            <a:endParaRPr lang="uk-UA" sz="3200" dirty="0">
+              <a:solidFill>
+                <a:schemeClr val="bg2"/>
+              </a:solidFill>
+              <a:latin typeface="Calibri" panose="020F0502020204030204" pitchFamily="34" charset="0"/>
+              <a:cs typeface="Calibri" panose="020F0502020204030204" pitchFamily="34" charset="0"/>
+            </a:endParaRPr>
+          </a:p>
+        </p:txBody>
+      </p:sp>
+      <p:cxnSp>
+        <p:nvCxnSpPr>
+          <p:cNvPr id="46" name="Пряма сполучна лінія 45"/>
+          <p:cNvCxnSpPr>
+            <a:stCxn id="41" idx="6"/>
+            <a:endCxn id="42" idx="1"/>
+          </p:cNvCxnSpPr>
+          <p:nvPr/>
+        </p:nvCxnSpPr>
+        <p:spPr>
+          <a:xfrm>
+            <a:off x="4111064" y="1171664"/>
+            <a:ext cx="1122424" cy="830104"/>
+          </a:xfrm>
+          <a:prstGeom prst="line">
+            <a:avLst/>
+          </a:prstGeom>
+          <a:ln w="76200"/>
+        </p:spPr>
+        <p:style>
+          <a:lnRef idx="3">
+            <a:schemeClr val="dk1"/>
+          </a:lnRef>
+          <a:fillRef idx="0">
+            <a:schemeClr val="dk1"/>
+          </a:fillRef>
+          <a:effectRef idx="2">
+            <a:schemeClr val="dk1"/>
+          </a:effectRef>
+          <a:fontRef idx="minor">
+            <a:schemeClr val="tx1"/>
+          </a:fontRef>
+        </p:style>
+      </p:cxnSp>
+      <p:cxnSp>
+        <p:nvCxnSpPr>
+          <p:cNvPr id="47" name="Пряма сполучна лінія 46"/>
+          <p:cNvCxnSpPr>
+            <a:stCxn id="56" idx="1"/>
+            <a:endCxn id="55" idx="5"/>
+          </p:cNvCxnSpPr>
+          <p:nvPr/>
+        </p:nvCxnSpPr>
+        <p:spPr>
+          <a:xfrm flipH="1" flipV="1">
+            <a:off x="1054622" y="3190464"/>
+            <a:ext cx="2406109" cy="2254495"/>
+          </a:xfrm>
+          <a:prstGeom prst="line">
+            <a:avLst/>
+          </a:prstGeom>
+          <a:ln w="76200"/>
+        </p:spPr>
+        <p:style>
+          <a:lnRef idx="3">
+            <a:schemeClr val="dk1"/>
+          </a:lnRef>
+          <a:fillRef idx="0">
+            <a:schemeClr val="dk1"/>
+          </a:fillRef>
+          <a:effectRef idx="2">
+            <a:schemeClr val="dk1"/>
+          </a:effectRef>
+          <a:fontRef idx="minor">
+            <a:schemeClr val="tx1"/>
+          </a:fontRef>
+        </p:style>
+      </p:cxnSp>
+      <p:cxnSp>
+        <p:nvCxnSpPr>
+          <p:cNvPr id="48" name="Пряма сполучна лінія 47"/>
+          <p:cNvCxnSpPr>
+            <a:stCxn id="55" idx="7"/>
+            <a:endCxn id="41" idx="2"/>
+          </p:cNvCxnSpPr>
+          <p:nvPr/>
+        </p:nvCxnSpPr>
+        <p:spPr>
+          <a:xfrm flipV="1">
+            <a:off x="1054622" y="1171664"/>
+            <a:ext cx="2265080" cy="1459222"/>
+          </a:xfrm>
+          <a:prstGeom prst="line">
+            <a:avLst/>
+          </a:prstGeom>
+          <a:ln w="76200"/>
+        </p:spPr>
+        <p:style>
+          <a:lnRef idx="3">
+            <a:schemeClr val="dk1"/>
+          </a:lnRef>
+          <a:fillRef idx="0">
+            <a:schemeClr val="dk1"/>
+          </a:fillRef>
+          <a:effectRef idx="2">
+            <a:schemeClr val="dk1"/>
+          </a:effectRef>
+          <a:fontRef idx="minor">
+            <a:schemeClr val="tx1"/>
+          </a:fontRef>
+        </p:style>
+      </p:cxnSp>
+      <p:cxnSp>
+        <p:nvCxnSpPr>
+          <p:cNvPr id="49" name="Пряма сполучна лінія 48"/>
+          <p:cNvCxnSpPr>
+            <a:stCxn id="55" idx="6"/>
+            <a:endCxn id="57" idx="2"/>
+          </p:cNvCxnSpPr>
+          <p:nvPr/>
+        </p:nvCxnSpPr>
+        <p:spPr>
+          <a:xfrm>
+            <a:off x="1170514" y="2910675"/>
+            <a:ext cx="2149188" cy="639636"/>
+          </a:xfrm>
+          <a:prstGeom prst="line">
+            <a:avLst/>
+          </a:prstGeom>
+          <a:ln w="76200"/>
+        </p:spPr>
+        <p:style>
+          <a:lnRef idx="3">
+            <a:schemeClr val="dk1"/>
+          </a:lnRef>
+          <a:fillRef idx="0">
+            <a:schemeClr val="dk1"/>
+          </a:fillRef>
+          <a:effectRef idx="2">
+            <a:schemeClr val="dk1"/>
+          </a:effectRef>
+          <a:fontRef idx="minor">
+            <a:schemeClr val="tx1"/>
+          </a:fontRef>
+        </p:style>
+      </p:cxnSp>
+      <p:cxnSp>
+        <p:nvCxnSpPr>
+          <p:cNvPr id="50" name="Пряма сполучна лінія 49"/>
+          <p:cNvCxnSpPr>
+            <a:stCxn id="57" idx="5"/>
+            <a:endCxn id="44" idx="1"/>
+          </p:cNvCxnSpPr>
+          <p:nvPr/>
+        </p:nvCxnSpPr>
+        <p:spPr>
+          <a:xfrm>
+            <a:off x="3995172" y="3830100"/>
+            <a:ext cx="1298310" cy="939389"/>
+          </a:xfrm>
+          <a:prstGeom prst="line">
+            <a:avLst/>
+          </a:prstGeom>
+          <a:ln w="76200"/>
+        </p:spPr>
+        <p:style>
+          <a:lnRef idx="3">
+            <a:schemeClr val="dk1"/>
+          </a:lnRef>
+          <a:fillRef idx="0">
+            <a:schemeClr val="dk1"/>
+          </a:fillRef>
+          <a:effectRef idx="2">
+            <a:schemeClr val="dk1"/>
+          </a:effectRef>
+          <a:fontRef idx="minor">
+            <a:schemeClr val="tx1"/>
+          </a:fontRef>
+        </p:style>
+      </p:cxnSp>
+      <p:cxnSp>
+        <p:nvCxnSpPr>
+          <p:cNvPr id="51" name="Пряма сполучна лінія 50"/>
+          <p:cNvCxnSpPr>
+            <a:stCxn id="44" idx="7"/>
+            <a:endCxn id="43" idx="3"/>
+          </p:cNvCxnSpPr>
+          <p:nvPr/>
+        </p:nvCxnSpPr>
+        <p:spPr>
+          <a:xfrm flipV="1">
+            <a:off x="5853060" y="3943711"/>
+            <a:ext cx="918765" cy="825778"/>
+          </a:xfrm>
+          <a:prstGeom prst="line">
+            <a:avLst/>
+          </a:prstGeom>
+          <a:ln w="76200"/>
+        </p:spPr>
+        <p:style>
+          <a:lnRef idx="3">
+            <a:schemeClr val="dk1"/>
+          </a:lnRef>
+          <a:fillRef idx="0">
+            <a:schemeClr val="dk1"/>
+          </a:fillRef>
+          <a:effectRef idx="2">
+            <a:schemeClr val="dk1"/>
+          </a:effectRef>
+          <a:fontRef idx="minor">
+            <a:schemeClr val="tx1"/>
+          </a:fontRef>
+        </p:style>
+      </p:cxnSp>
+      <p:cxnSp>
+        <p:nvCxnSpPr>
+          <p:cNvPr id="52" name="Пряма сполучна лінія 51"/>
+          <p:cNvCxnSpPr>
+            <a:stCxn id="42" idx="5"/>
+            <a:endCxn id="43" idx="1"/>
+          </p:cNvCxnSpPr>
+          <p:nvPr/>
+        </p:nvCxnSpPr>
+        <p:spPr>
+          <a:xfrm>
+            <a:off x="5793066" y="2561346"/>
+            <a:ext cx="978759" cy="822787"/>
+          </a:xfrm>
+          <a:prstGeom prst="line">
+            <a:avLst/>
+          </a:prstGeom>
+          <a:ln w="76200"/>
+        </p:spPr>
+        <p:style>
+          <a:lnRef idx="3">
+            <a:schemeClr val="dk1"/>
+          </a:lnRef>
+          <a:fillRef idx="0">
+            <a:schemeClr val="dk1"/>
+          </a:fillRef>
+          <a:effectRef idx="2">
+            <a:schemeClr val="dk1"/>
+          </a:effectRef>
+          <a:fontRef idx="minor">
+            <a:schemeClr val="tx1"/>
+          </a:fontRef>
+        </p:style>
+      </p:cxnSp>
+      <p:cxnSp>
+        <p:nvCxnSpPr>
+          <p:cNvPr id="53" name="Пряма сполучна лінія 52"/>
+          <p:cNvCxnSpPr>
+            <a:stCxn id="57" idx="7"/>
+            <a:endCxn id="42" idx="3"/>
+          </p:cNvCxnSpPr>
+          <p:nvPr/>
+        </p:nvCxnSpPr>
+        <p:spPr>
+          <a:xfrm flipV="1">
+            <a:off x="3995172" y="2561346"/>
+            <a:ext cx="1238316" cy="709176"/>
+          </a:xfrm>
+          <a:prstGeom prst="line">
+            <a:avLst/>
+          </a:prstGeom>
+          <a:ln w="76200"/>
+        </p:spPr>
+        <p:style>
+          <a:lnRef idx="3">
+            <a:schemeClr val="dk1"/>
+          </a:lnRef>
+          <a:fillRef idx="0">
+            <a:schemeClr val="dk1"/>
+          </a:fillRef>
+          <a:effectRef idx="2">
+            <a:schemeClr val="dk1"/>
+          </a:effectRef>
+          <a:fontRef idx="minor">
+            <a:schemeClr val="tx1"/>
+          </a:fontRef>
+        </p:style>
+      </p:cxnSp>
+      <p:cxnSp>
+        <p:nvCxnSpPr>
+          <p:cNvPr id="54" name="Пряма сполучна лінія 53"/>
+          <p:cNvCxnSpPr>
+            <a:stCxn id="56" idx="6"/>
+            <a:endCxn id="44" idx="3"/>
+          </p:cNvCxnSpPr>
+          <p:nvPr/>
+        </p:nvCxnSpPr>
+        <p:spPr>
+          <a:xfrm flipV="1">
+            <a:off x="4136201" y="5329067"/>
+            <a:ext cx="1157281" cy="395681"/>
+          </a:xfrm>
+          <a:prstGeom prst="line">
+            <a:avLst/>
+          </a:prstGeom>
+          <a:ln w="76200"/>
+        </p:spPr>
+        <p:style>
+          <a:lnRef idx="3">
+            <a:schemeClr val="dk1"/>
+          </a:lnRef>
+          <a:fillRef idx="0">
+            <a:schemeClr val="dk1"/>
+          </a:fillRef>
+          <a:effectRef idx="2">
+            <a:schemeClr val="dk1"/>
+          </a:effectRef>
+          <a:fontRef idx="minor">
+            <a:schemeClr val="tx1"/>
+          </a:fontRef>
+        </p:style>
+      </p:cxnSp>
+      <p:sp>
+        <p:nvSpPr>
+          <p:cNvPr id="55" name="Овал 54"/>
+          <p:cNvSpPr/>
+          <p:nvPr/>
+        </p:nvSpPr>
+        <p:spPr>
+          <a:xfrm>
+            <a:off x="379152" y="2514994"/>
+            <a:ext cx="791362" cy="791362"/>
+          </a:xfrm>
+          <a:prstGeom prst="ellipse">
+            <a:avLst/>
+          </a:prstGeom>
+          <a:ln/>
+        </p:spPr>
+        <p:style>
+          <a:lnRef idx="2">
+            <a:schemeClr val="dk1"/>
+          </a:lnRef>
+          <a:fillRef idx="1">
+            <a:schemeClr val="lt1"/>
+          </a:fillRef>
+          <a:effectRef idx="0">
+            <a:schemeClr val="dk1"/>
+          </a:effectRef>
+          <a:fontRef idx="minor">
+            <a:schemeClr val="dk1"/>
+          </a:fontRef>
+        </p:style>
+        <p:txBody>
+          <a:bodyPr rtlCol="0" anchor="ctr"/>
+          <a:lstStyle/>
+          <a:p>
+            <a:pPr algn="ctr"/>
+            <a:r>
+              <a:rPr lang="en-US" sz="3200" dirty="0" smtClean="0">
+                <a:solidFill>
+                  <a:schemeClr val="bg2"/>
+                </a:solidFill>
+                <a:latin typeface="Calibri" panose="020F0502020204030204" pitchFamily="34" charset="0"/>
+                <a:cs typeface="Calibri" panose="020F0502020204030204" pitchFamily="34" charset="0"/>
+              </a:rPr>
+              <a:t>1</a:t>
+            </a:r>
+            <a:endParaRPr lang="uk-UA" sz="3200" dirty="0">
+              <a:solidFill>
+                <a:schemeClr val="bg2"/>
+              </a:solidFill>
+              <a:latin typeface="Calibri" panose="020F0502020204030204" pitchFamily="34" charset="0"/>
+              <a:cs typeface="Calibri" panose="020F0502020204030204" pitchFamily="34" charset="0"/>
+            </a:endParaRPr>
+          </a:p>
+        </p:txBody>
+      </p:sp>
+      <p:sp>
+        <p:nvSpPr>
+          <p:cNvPr id="56" name="Овал 55"/>
+          <p:cNvSpPr/>
+          <p:nvPr/>
+        </p:nvSpPr>
+        <p:spPr>
+          <a:xfrm>
+            <a:off x="3344839" y="5329067"/>
+            <a:ext cx="791362" cy="791362"/>
+          </a:xfrm>
+          <a:prstGeom prst="ellipse">
+            <a:avLst/>
+          </a:prstGeom>
+          <a:ln/>
+        </p:spPr>
+        <p:style>
+          <a:lnRef idx="2">
+            <a:schemeClr val="dk1"/>
+          </a:lnRef>
+          <a:fillRef idx="1">
+            <a:schemeClr val="lt1"/>
+          </a:fillRef>
+          <a:effectRef idx="0">
+            <a:schemeClr val="dk1"/>
+          </a:effectRef>
+          <a:fontRef idx="minor">
+            <a:schemeClr val="dk1"/>
+          </a:fontRef>
+        </p:style>
+        <p:txBody>
+          <a:bodyPr rtlCol="0" anchor="ctr"/>
+          <a:lstStyle/>
+          <a:p>
+            <a:pPr algn="ctr"/>
+            <a:r>
+              <a:rPr lang="uk-UA" sz="3200" dirty="0" smtClean="0">
+                <a:solidFill>
+                  <a:schemeClr val="bg2"/>
+                </a:solidFill>
+                <a:latin typeface="Calibri" panose="020F0502020204030204" pitchFamily="34" charset="0"/>
+                <a:cs typeface="Calibri" panose="020F0502020204030204" pitchFamily="34" charset="0"/>
+              </a:rPr>
+              <a:t>4</a:t>
+            </a:r>
+            <a:endParaRPr lang="uk-UA" sz="3200" dirty="0">
+              <a:solidFill>
+                <a:schemeClr val="bg2"/>
+              </a:solidFill>
+              <a:latin typeface="Calibri" panose="020F0502020204030204" pitchFamily="34" charset="0"/>
+              <a:cs typeface="Calibri" panose="020F0502020204030204" pitchFamily="34" charset="0"/>
+            </a:endParaRPr>
+          </a:p>
+        </p:txBody>
+      </p:sp>
+      <p:sp>
+        <p:nvSpPr>
+          <p:cNvPr id="57" name="Овал 56"/>
+          <p:cNvSpPr/>
+          <p:nvPr/>
+        </p:nvSpPr>
+        <p:spPr>
+          <a:xfrm>
+            <a:off x="3319702" y="3154630"/>
+            <a:ext cx="791362" cy="791362"/>
+          </a:xfrm>
+          <a:prstGeom prst="ellipse">
+            <a:avLst/>
+          </a:prstGeom>
+          <a:ln/>
+        </p:spPr>
+        <p:style>
+          <a:lnRef idx="2">
+            <a:schemeClr val="dk1"/>
+          </a:lnRef>
+          <a:fillRef idx="1">
+            <a:schemeClr val="lt1"/>
+          </a:fillRef>
+          <a:effectRef idx="0">
+            <a:schemeClr val="dk1"/>
+          </a:effectRef>
+          <a:fontRef idx="minor">
+            <a:schemeClr val="dk1"/>
+          </a:fontRef>
+        </p:style>
+        <p:txBody>
+          <a:bodyPr rtlCol="0" anchor="ctr"/>
+          <a:lstStyle/>
+          <a:p>
+            <a:pPr algn="ctr"/>
+            <a:r>
+              <a:rPr lang="uk-UA" sz="3200" dirty="0" smtClean="0">
+                <a:solidFill>
+                  <a:schemeClr val="bg2"/>
+                </a:solidFill>
+                <a:latin typeface="Calibri" panose="020F0502020204030204" pitchFamily="34" charset="0"/>
+                <a:cs typeface="Calibri" panose="020F0502020204030204" pitchFamily="34" charset="0"/>
+              </a:rPr>
+              <a:t>3</a:t>
+            </a:r>
+            <a:endParaRPr lang="uk-UA" sz="3200" dirty="0">
+              <a:solidFill>
+                <a:schemeClr val="bg2"/>
+              </a:solidFill>
+              <a:latin typeface="Calibri" panose="020F0502020204030204" pitchFamily="34" charset="0"/>
+              <a:cs typeface="Calibri" panose="020F0502020204030204" pitchFamily="34" charset="0"/>
+            </a:endParaRPr>
+          </a:p>
+        </p:txBody>
+      </p:sp>
+      <p:sp>
+        <p:nvSpPr>
+          <p:cNvPr id="58" name="TextBox 57"/>
+          <p:cNvSpPr txBox="1"/>
+          <p:nvPr/>
+        </p:nvSpPr>
+        <p:spPr>
+          <a:xfrm>
+            <a:off x="1850740" y="1274957"/>
+            <a:ext cx="393056" cy="584775"/>
+          </a:xfrm>
+          <a:prstGeom prst="rect">
+            <a:avLst/>
+          </a:prstGeom>
+          <a:noFill/>
+        </p:spPr>
+        <p:txBody>
+          <a:bodyPr wrap="none" rtlCol="0">
+            <a:spAutoFit/>
+          </a:bodyPr>
+          <a:lstStyle/>
+          <a:p>
+            <a:r>
+              <a:rPr lang="uk-UA" sz="3200" dirty="0" smtClean="0">
+                <a:solidFill>
+                  <a:schemeClr val="bg2"/>
+                </a:solidFill>
+                <a:latin typeface="Calibri" panose="020F0502020204030204" pitchFamily="34" charset="0"/>
+                <a:cs typeface="Calibri" panose="020F0502020204030204" pitchFamily="34" charset="0"/>
+              </a:rPr>
+              <a:t>9</a:t>
+            </a:r>
+            <a:endParaRPr lang="uk-UA" dirty="0">
+              <a:solidFill>
+                <a:schemeClr val="bg2"/>
+              </a:solidFill>
+              <a:latin typeface="Calibri" panose="020F0502020204030204" pitchFamily="34" charset="0"/>
+              <a:cs typeface="Calibri" panose="020F0502020204030204" pitchFamily="34" charset="0"/>
+            </a:endParaRPr>
+          </a:p>
+        </p:txBody>
+      </p:sp>
+      <p:sp>
+        <p:nvSpPr>
+          <p:cNvPr id="59" name="TextBox 58"/>
+          <p:cNvSpPr txBox="1"/>
+          <p:nvPr/>
+        </p:nvSpPr>
+        <p:spPr>
+          <a:xfrm>
+            <a:off x="2123773" y="2602973"/>
+            <a:ext cx="393056" cy="584775"/>
+          </a:xfrm>
+          <a:prstGeom prst="rect">
+            <a:avLst/>
+          </a:prstGeom>
+          <a:noFill/>
+        </p:spPr>
+        <p:txBody>
+          <a:bodyPr wrap="none" rtlCol="0">
+            <a:spAutoFit/>
+          </a:bodyPr>
+          <a:lstStyle/>
+          <a:p>
+            <a:r>
+              <a:rPr lang="en-US" sz="3200" dirty="0" smtClean="0">
+                <a:solidFill>
+                  <a:schemeClr val="bg2"/>
+                </a:solidFill>
+                <a:latin typeface="Calibri" panose="020F0502020204030204" pitchFamily="34" charset="0"/>
+                <a:cs typeface="Calibri" panose="020F0502020204030204" pitchFamily="34" charset="0"/>
+              </a:rPr>
+              <a:t>4</a:t>
+            </a:r>
+            <a:endParaRPr lang="uk-UA" dirty="0">
+              <a:solidFill>
+                <a:schemeClr val="bg2"/>
+              </a:solidFill>
+              <a:latin typeface="Calibri" panose="020F0502020204030204" pitchFamily="34" charset="0"/>
+              <a:cs typeface="Calibri" panose="020F0502020204030204" pitchFamily="34" charset="0"/>
+            </a:endParaRPr>
+          </a:p>
+        </p:txBody>
+      </p:sp>
+      <p:sp>
+        <p:nvSpPr>
+          <p:cNvPr id="60" name="TextBox 59"/>
+          <p:cNvSpPr txBox="1"/>
+          <p:nvPr/>
+        </p:nvSpPr>
+        <p:spPr>
+          <a:xfrm>
+            <a:off x="2328682" y="3912859"/>
+            <a:ext cx="393056" cy="584775"/>
+          </a:xfrm>
+          <a:prstGeom prst="rect">
+            <a:avLst/>
+          </a:prstGeom>
+          <a:noFill/>
+        </p:spPr>
+        <p:txBody>
+          <a:bodyPr wrap="none" rtlCol="0">
+            <a:spAutoFit/>
+          </a:bodyPr>
+          <a:lstStyle/>
+          <a:p>
+            <a:r>
+              <a:rPr lang="en-US" sz="3200" dirty="0" smtClean="0">
+                <a:solidFill>
+                  <a:schemeClr val="bg2"/>
+                </a:solidFill>
+                <a:latin typeface="Calibri" panose="020F0502020204030204" pitchFamily="34" charset="0"/>
+                <a:cs typeface="Calibri" panose="020F0502020204030204" pitchFamily="34" charset="0"/>
+              </a:rPr>
+              <a:t>7</a:t>
+            </a:r>
+            <a:endParaRPr lang="uk-UA" dirty="0">
+              <a:solidFill>
+                <a:schemeClr val="bg2"/>
+              </a:solidFill>
+              <a:latin typeface="Calibri" panose="020F0502020204030204" pitchFamily="34" charset="0"/>
+              <a:cs typeface="Calibri" panose="020F0502020204030204" pitchFamily="34" charset="0"/>
+            </a:endParaRPr>
+          </a:p>
+        </p:txBody>
+      </p:sp>
+      <p:sp>
+        <p:nvSpPr>
+          <p:cNvPr id="61" name="TextBox 60"/>
+          <p:cNvSpPr txBox="1"/>
+          <p:nvPr/>
+        </p:nvSpPr>
+        <p:spPr>
+          <a:xfrm>
+            <a:off x="4682018" y="1055772"/>
+            <a:ext cx="601447" cy="584775"/>
+          </a:xfrm>
+          <a:prstGeom prst="rect">
+            <a:avLst/>
+          </a:prstGeom>
+          <a:noFill/>
+        </p:spPr>
+        <p:txBody>
+          <a:bodyPr wrap="none" rtlCol="0">
+            <a:spAutoFit/>
+          </a:bodyPr>
+          <a:lstStyle/>
+          <a:p>
+            <a:r>
+              <a:rPr lang="en-US" sz="3200" dirty="0" smtClean="0">
+                <a:solidFill>
+                  <a:schemeClr val="bg2"/>
+                </a:solidFill>
+                <a:latin typeface="Calibri" panose="020F0502020204030204" pitchFamily="34" charset="0"/>
+                <a:cs typeface="Calibri" panose="020F0502020204030204" pitchFamily="34" charset="0"/>
+              </a:rPr>
+              <a:t>11</a:t>
+            </a:r>
+            <a:endParaRPr lang="uk-UA" dirty="0">
+              <a:solidFill>
+                <a:schemeClr val="bg2"/>
+              </a:solidFill>
+              <a:latin typeface="Calibri" panose="020F0502020204030204" pitchFamily="34" charset="0"/>
+              <a:cs typeface="Calibri" panose="020F0502020204030204" pitchFamily="34" charset="0"/>
+            </a:endParaRPr>
+          </a:p>
+        </p:txBody>
+      </p:sp>
+      <p:sp>
+        <p:nvSpPr>
+          <p:cNvPr id="62" name="TextBox 61"/>
+          <p:cNvSpPr txBox="1"/>
+          <p:nvPr/>
+        </p:nvSpPr>
+        <p:spPr>
+          <a:xfrm>
+            <a:off x="4163891" y="2338498"/>
+            <a:ext cx="601447" cy="584775"/>
+          </a:xfrm>
+          <a:prstGeom prst="rect">
+            <a:avLst/>
+          </a:prstGeom>
+          <a:noFill/>
+        </p:spPr>
+        <p:txBody>
+          <a:bodyPr wrap="none" rtlCol="0">
+            <a:spAutoFit/>
+          </a:bodyPr>
+          <a:lstStyle/>
+          <a:p>
+            <a:r>
+              <a:rPr lang="en-US" sz="3200" dirty="0" smtClean="0">
+                <a:solidFill>
+                  <a:schemeClr val="bg2"/>
+                </a:solidFill>
+                <a:latin typeface="Calibri" panose="020F0502020204030204" pitchFamily="34" charset="0"/>
+                <a:cs typeface="Calibri" panose="020F0502020204030204" pitchFamily="34" charset="0"/>
+              </a:rPr>
+              <a:t>17</a:t>
+            </a:r>
+            <a:endParaRPr lang="uk-UA" dirty="0">
+              <a:solidFill>
+                <a:schemeClr val="bg2"/>
+              </a:solidFill>
+              <a:latin typeface="Calibri" panose="020F0502020204030204" pitchFamily="34" charset="0"/>
+              <a:cs typeface="Calibri" panose="020F0502020204030204" pitchFamily="34" charset="0"/>
+            </a:endParaRPr>
+          </a:p>
+        </p:txBody>
+      </p:sp>
+      <p:sp>
+        <p:nvSpPr>
+          <p:cNvPr id="63" name="TextBox 62"/>
+          <p:cNvSpPr txBox="1"/>
+          <p:nvPr/>
+        </p:nvSpPr>
+        <p:spPr>
+          <a:xfrm>
+            <a:off x="4522458" y="3659347"/>
+            <a:ext cx="601447" cy="584775"/>
+          </a:xfrm>
+          <a:prstGeom prst="rect">
+            <a:avLst/>
+          </a:prstGeom>
+          <a:noFill/>
+        </p:spPr>
+        <p:txBody>
+          <a:bodyPr wrap="none" rtlCol="0">
+            <a:spAutoFit/>
+          </a:bodyPr>
+          <a:lstStyle/>
+          <a:p>
+            <a:r>
+              <a:rPr lang="en-US" sz="3200" dirty="0" smtClean="0">
+                <a:solidFill>
+                  <a:schemeClr val="bg2"/>
+                </a:solidFill>
+                <a:latin typeface="Calibri" panose="020F0502020204030204" pitchFamily="34" charset="0"/>
+                <a:cs typeface="Calibri" panose="020F0502020204030204" pitchFamily="34" charset="0"/>
+              </a:rPr>
+              <a:t>12</a:t>
+            </a:r>
+            <a:endParaRPr lang="uk-UA" dirty="0">
+              <a:solidFill>
+                <a:schemeClr val="bg2"/>
+              </a:solidFill>
+              <a:latin typeface="Calibri" panose="020F0502020204030204" pitchFamily="34" charset="0"/>
+              <a:cs typeface="Calibri" panose="020F0502020204030204" pitchFamily="34" charset="0"/>
+            </a:endParaRPr>
+          </a:p>
+        </p:txBody>
+      </p:sp>
+      <p:sp>
+        <p:nvSpPr>
+          <p:cNvPr id="64" name="TextBox 63"/>
+          <p:cNvSpPr txBox="1"/>
+          <p:nvPr/>
+        </p:nvSpPr>
+        <p:spPr>
+          <a:xfrm>
+            <a:off x="4236914" y="4915916"/>
+            <a:ext cx="601447" cy="584775"/>
+          </a:xfrm>
+          <a:prstGeom prst="rect">
+            <a:avLst/>
+          </a:prstGeom>
+          <a:noFill/>
+        </p:spPr>
+        <p:txBody>
+          <a:bodyPr wrap="none" rtlCol="0">
+            <a:spAutoFit/>
+          </a:bodyPr>
+          <a:lstStyle/>
+          <a:p>
+            <a:r>
+              <a:rPr lang="en-US" sz="3200" dirty="0" smtClean="0">
+                <a:solidFill>
+                  <a:schemeClr val="bg2"/>
+                </a:solidFill>
+                <a:latin typeface="Calibri" panose="020F0502020204030204" pitchFamily="34" charset="0"/>
+                <a:cs typeface="Calibri" panose="020F0502020204030204" pitchFamily="34" charset="0"/>
+              </a:rPr>
+              <a:t>14</a:t>
+            </a:r>
+            <a:endParaRPr lang="uk-UA" dirty="0">
+              <a:solidFill>
+                <a:schemeClr val="bg2"/>
+              </a:solidFill>
+              <a:latin typeface="Calibri" panose="020F0502020204030204" pitchFamily="34" charset="0"/>
+              <a:cs typeface="Calibri" panose="020F0502020204030204" pitchFamily="34" charset="0"/>
+            </a:endParaRPr>
+          </a:p>
+        </p:txBody>
+      </p:sp>
+      <p:sp>
+        <p:nvSpPr>
+          <p:cNvPr id="65" name="TextBox 64"/>
+          <p:cNvSpPr txBox="1"/>
+          <p:nvPr/>
+        </p:nvSpPr>
+        <p:spPr>
+          <a:xfrm>
+            <a:off x="6282445" y="2481967"/>
+            <a:ext cx="393056" cy="584775"/>
+          </a:xfrm>
+          <a:prstGeom prst="rect">
+            <a:avLst/>
+          </a:prstGeom>
+          <a:noFill/>
+        </p:spPr>
+        <p:txBody>
+          <a:bodyPr wrap="none" rtlCol="0">
+            <a:spAutoFit/>
+          </a:bodyPr>
+          <a:lstStyle/>
+          <a:p>
+            <a:r>
+              <a:rPr lang="en-US" sz="3200" dirty="0">
+                <a:solidFill>
+                  <a:schemeClr val="bg2"/>
+                </a:solidFill>
+                <a:latin typeface="Calibri" panose="020F0502020204030204" pitchFamily="34" charset="0"/>
+                <a:cs typeface="Calibri" panose="020F0502020204030204" pitchFamily="34" charset="0"/>
+              </a:rPr>
+              <a:t>5</a:t>
+            </a:r>
+            <a:endParaRPr lang="uk-UA" dirty="0">
+              <a:solidFill>
+                <a:schemeClr val="bg2"/>
+              </a:solidFill>
+              <a:latin typeface="Calibri" panose="020F0502020204030204" pitchFamily="34" charset="0"/>
+              <a:cs typeface="Calibri" panose="020F0502020204030204" pitchFamily="34" charset="0"/>
+            </a:endParaRPr>
+          </a:p>
+        </p:txBody>
+      </p:sp>
+      <p:sp>
+        <p:nvSpPr>
+          <p:cNvPr id="66" name="TextBox 65"/>
+          <p:cNvSpPr txBox="1"/>
+          <p:nvPr/>
+        </p:nvSpPr>
+        <p:spPr>
+          <a:xfrm>
+            <a:off x="5908958" y="3787131"/>
+            <a:ext cx="601447" cy="584775"/>
+          </a:xfrm>
+          <a:prstGeom prst="rect">
+            <a:avLst/>
+          </a:prstGeom>
+          <a:noFill/>
+        </p:spPr>
+        <p:txBody>
+          <a:bodyPr wrap="none" rtlCol="0">
+            <a:spAutoFit/>
+          </a:bodyPr>
+          <a:lstStyle/>
+          <a:p>
+            <a:r>
+              <a:rPr lang="en-US" sz="3200" dirty="0" smtClean="0">
+                <a:solidFill>
+                  <a:schemeClr val="bg2"/>
+                </a:solidFill>
+                <a:latin typeface="Calibri" panose="020F0502020204030204" pitchFamily="34" charset="0"/>
+                <a:cs typeface="Calibri" panose="020F0502020204030204" pitchFamily="34" charset="0"/>
+              </a:rPr>
+              <a:t>10</a:t>
+            </a:r>
+            <a:endParaRPr lang="uk-UA" dirty="0">
+              <a:solidFill>
+                <a:schemeClr val="bg2"/>
+              </a:solidFill>
+              <a:latin typeface="Calibri" panose="020F0502020204030204" pitchFamily="34" charset="0"/>
+              <a:cs typeface="Calibri" panose="020F0502020204030204" pitchFamily="34" charset="0"/>
+            </a:endParaRPr>
+          </a:p>
+        </p:txBody>
+      </p:sp>
+      <p:sp>
+        <p:nvSpPr>
+          <p:cNvPr id="93" name="Округлений прямокутник 92">
+            <a:hlinkClick r:id="" action="ppaction://hlinkshowjump?jump=nextslide"/>
+          </p:cNvPr>
+          <p:cNvSpPr/>
+          <p:nvPr/>
+        </p:nvSpPr>
+        <p:spPr>
+          <a:xfrm>
+            <a:off x="9805482" y="6282241"/>
+            <a:ext cx="2325484" cy="458596"/>
+          </a:xfrm>
+          <a:prstGeom prst="roundRect">
+            <a:avLst/>
+          </a:prstGeom>
+          <a:ln/>
+        </p:spPr>
+        <p:style>
+          <a:lnRef idx="1">
+            <a:schemeClr val="accent5"/>
+          </a:lnRef>
+          <a:fillRef idx="2">
+            <a:schemeClr val="accent5"/>
+          </a:fillRef>
+          <a:effectRef idx="1">
+            <a:schemeClr val="accent5"/>
+          </a:effectRef>
+          <a:fontRef idx="minor">
+            <a:schemeClr val="dk1"/>
+          </a:fontRef>
+        </p:style>
+        <p:txBody>
+          <a:bodyPr rtlCol="0" anchor="ctr"/>
+          <a:lstStyle/>
+          <a:p>
+            <a:pPr algn="ctr"/>
+            <a:r>
+              <a:rPr lang="en-US" sz="2800" dirty="0" smtClean="0">
+                <a:solidFill>
+                  <a:schemeClr val="bg2"/>
+                </a:solidFill>
+                <a:latin typeface="Calibri" panose="020F0502020204030204" pitchFamily="34" charset="0"/>
+                <a:cs typeface="Calibri" panose="020F0502020204030204" pitchFamily="34" charset="0"/>
+              </a:rPr>
+              <a:t>Start dijkstra</a:t>
+            </a:r>
+            <a:endParaRPr lang="uk-UA" sz="2800" dirty="0">
+              <a:solidFill>
+                <a:schemeClr val="bg2"/>
+              </a:solidFill>
+              <a:latin typeface="Calibri" panose="020F0502020204030204" pitchFamily="34" charset="0"/>
+              <a:cs typeface="Calibri" panose="020F0502020204030204" pitchFamily="34" charset="0"/>
+            </a:endParaRPr>
+          </a:p>
+        </p:txBody>
+      </p:sp>
+    </p:spTree>
+    <p:extLst>
+      <p:ext uri="{BB962C8B-B14F-4D97-AF65-F5344CB8AC3E}">
+        <p14:creationId xmlns:p14="http://schemas.microsoft.com/office/powerpoint/2010/main" val="308384444"/>
+      </p:ext>
+    </p:extLst>
+  </p:cSld>
+  <p:clrMapOvr>
+    <a:masterClrMapping/>
+  </p:clrMapOvr>
+  <mc:AlternateContent xmlns:mc="http://schemas.openxmlformats.org/markup-compatibility/2006">
+    <mc:Choice xmlns:p14="http://schemas.microsoft.com/office/powerpoint/2010/main" Requires="p14">
+      <p:transition spd="slow" p14:dur="2000" advClick="0" advTm="0"/>
+    </mc:Choice>
+    <mc:Fallback>
+      <p:transition spd="slow" advClick="0" advTm="0"/>
+    </mc:Fallback>
+  </mc:AlternateContent>
+  <p:timing>
+    <p:tnLst>
+      <p:par>
+        <p:cTn id="1" dur="indefinite" restart="never" nodeType="tmRoot"/>
+      </p:par>
+    </p:tnLst>
+  </p:timing>
+</p:sld>
+</file>
+
+<file path=ppt/slides/slide4.xml><?xml version="1.0" encoding="utf-8"?>
 <p:sld xmlns:a="http://schemas.openxmlformats.org/drawingml/2006/main" xmlns:r="http://schemas.openxmlformats.org/officeDocument/2006/relationships" xmlns:p="http://schemas.openxmlformats.org/presentationml/2006/main">
   <p:cSld>
     <p:spTree>
@@ -16866,8 +18080,8 @@
         </p:nvSpPr>
         <p:spPr>
           <a:xfrm>
-            <a:off x="1455692" y="6282241"/>
-            <a:ext cx="4613186" cy="461665"/>
+            <a:off x="4993630" y="6278054"/>
+            <a:ext cx="1681871" cy="461665"/>
           </a:xfrm>
           <a:prstGeom prst="rect">
             <a:avLst/>
@@ -16880,16 +18094,6 @@
           </a:bodyPr>
           <a:lstStyle/>
           <a:p>
-            <a:r>
-              <a:rPr lang="en-US" sz="2400" dirty="0" smtClean="0">
-                <a:solidFill>
-                  <a:schemeClr val="tx2">
-                    <a:lumMod val="75000"/>
-                  </a:schemeClr>
-                </a:solidFill>
-              </a:rPr>
-              <a:t>MinPath from 1 to 7 is </a:t>
-            </a:r>
             <a:r>
               <a:rPr lang="en-US" sz="2400" dirty="0" smtClean="0">
                 <a:solidFill>
@@ -16938,7 +18142,7 @@
         <p:spPr>
           <a:xfrm>
             <a:off x="6771825" y="6277345"/>
-            <a:ext cx="2589940" cy="461665"/>
+            <a:ext cx="2674578" cy="461665"/>
           </a:xfrm>
           <a:prstGeom prst="rect">
             <a:avLst/>
@@ -16957,8 +18161,20 @@
                     <a:lumMod val="75000"/>
                   </a:schemeClr>
                 </a:solidFill>
+                <a:latin typeface="Calibri" panose="020F0502020204030204" pitchFamily="34" charset="0"/>
+                <a:cs typeface="Calibri" panose="020F0502020204030204" pitchFamily="34" charset="0"/>
               </a:rPr>
-              <a:t>MinPath_lenth = 25</a:t>
+              <a:t>MinPath_lenth = </a:t>
+            </a:r>
+            <a:r>
+              <a:rPr lang="en-US" sz="2400" dirty="0">
+                <a:solidFill>
+                  <a:schemeClr val="tx2">
+                    <a:lumMod val="75000"/>
+                  </a:schemeClr>
+                </a:solidFill>
+              </a:rPr>
+              <a:t>25</a:t>
             </a:r>
             <a:endParaRPr lang="uk-UA" sz="2400" dirty="0">
               <a:solidFill>
@@ -16966,6 +18182,103 @@
                   <a:lumMod val="75000"/>
                 </a:schemeClr>
               </a:solidFill>
+            </a:endParaRPr>
+          </a:p>
+        </p:txBody>
+      </p:sp>
+      <p:sp>
+        <p:nvSpPr>
+          <p:cNvPr id="7" name="Прямокутник 6"/>
+          <p:cNvSpPr/>
+          <p:nvPr/>
+        </p:nvSpPr>
+        <p:spPr>
+          <a:xfrm>
+            <a:off x="2174935" y="6266397"/>
+            <a:ext cx="3022174" cy="461665"/>
+          </a:xfrm>
+          <a:prstGeom prst="rect">
+            <a:avLst/>
+          </a:prstGeom>
+        </p:spPr>
+        <p:txBody>
+          <a:bodyPr wrap="none">
+            <a:spAutoFit/>
+          </a:bodyPr>
+          <a:lstStyle/>
+          <a:p>
+            <a:r>
+              <a:rPr lang="en-US" sz="2400" dirty="0">
+                <a:solidFill>
+                  <a:schemeClr val="tx2">
+                    <a:lumMod val="75000"/>
+                  </a:schemeClr>
+                </a:solidFill>
+                <a:latin typeface="Calibri" panose="020F0502020204030204" pitchFamily="34" charset="0"/>
+                <a:cs typeface="Calibri" panose="020F0502020204030204" pitchFamily="34" charset="0"/>
+              </a:rPr>
+              <a:t>MinPath from 1 to 7 is </a:t>
+            </a:r>
+            <a:endParaRPr lang="uk-UA" sz="2400" dirty="0">
+              <a:latin typeface="Calibri" panose="020F0502020204030204" pitchFamily="34" charset="0"/>
+              <a:cs typeface="Calibri" panose="020F0502020204030204" pitchFamily="34" charset="0"/>
+            </a:endParaRPr>
+          </a:p>
+        </p:txBody>
+      </p:sp>
+      <p:sp>
+        <p:nvSpPr>
+          <p:cNvPr id="45" name="Округлений прямокутник 44">
+            <a:hlinkClick r:id="" action="ppaction://hlinkshowjump?jump=previousslide"/>
+          </p:cNvPr>
+          <p:cNvSpPr/>
+          <p:nvPr/>
+        </p:nvSpPr>
+        <p:spPr>
+          <a:xfrm>
+            <a:off x="50917" y="6282241"/>
+            <a:ext cx="2027694" cy="458596"/>
+          </a:xfrm>
+          <a:prstGeom prst="roundRect">
+            <a:avLst/>
+          </a:prstGeom>
+          <a:ln/>
+        </p:spPr>
+        <p:style>
+          <a:lnRef idx="1">
+            <a:schemeClr val="accent5"/>
+          </a:lnRef>
+          <a:fillRef idx="2">
+            <a:schemeClr val="accent5"/>
+          </a:fillRef>
+          <a:effectRef idx="1">
+            <a:schemeClr val="accent5"/>
+          </a:effectRef>
+          <a:fontRef idx="minor">
+            <a:schemeClr val="dk1"/>
+          </a:fontRef>
+        </p:style>
+        <p:txBody>
+          <a:bodyPr rtlCol="0" anchor="ctr"/>
+          <a:lstStyle/>
+          <a:p>
+            <a:pPr algn="ctr"/>
+            <a:r>
+              <a:rPr lang="en-US" sz="2800" dirty="0" smtClean="0">
+                <a:solidFill>
+                  <a:schemeClr val="bg2"/>
+                </a:solidFill>
+                <a:latin typeface="Calibri" panose="020F0502020204030204" pitchFamily="34" charset="0"/>
+                <a:cs typeface="Calibri" panose="020F0502020204030204" pitchFamily="34" charset="0"/>
+              </a:rPr>
+              <a:t>Restart algo</a:t>
+            </a:r>
+            <a:endParaRPr lang="uk-UA" sz="2800" dirty="0">
+              <a:solidFill>
+                <a:schemeClr val="bg2"/>
+              </a:solidFill>
+              <a:latin typeface="Calibri" panose="020F0502020204030204" pitchFamily="34" charset="0"/>
+              <a:cs typeface="Calibri" panose="020F0502020204030204" pitchFamily="34" charset="0"/>
             </a:endParaRPr>
           </a:p>
         </p:txBody>
@@ -16980,9 +18293,18 @@
   <p:clrMapOvr>
     <a:masterClrMapping/>
   </p:clrMapOvr>
-  <p:transition spd="med" advClick="0">
-    <p:pull dir="u"/>
-  </p:transition>
+  <mc:AlternateContent xmlns:mc="http://schemas.openxmlformats.org/markup-compatibility/2006">
+    <mc:Choice xmlns:p14="http://schemas.microsoft.com/office/powerpoint/2010/main" Requires="p14">
+      <p:transition spd="slow" p14:dur="1500" advClick="0" advTm="0">
+        <p:fade/>
+      </p:transition>
+    </mc:Choice>
+    <mc:Fallback>
+      <p:transition spd="slow" advClick="0" advTm="0">
+        <p:fade/>
+      </p:transition>
+    </mc:Fallback>
+  </mc:AlternateContent>
   <p:timing>
     <p:tnLst>
       <p:par>
@@ -18535,7 +19857,7 @@
                         <p:par>
                           <p:cTn id="132" fill="hold">
                             <p:stCondLst>
-                              <p:cond delay="15500"/>
+                              <p:cond delay="14500"/>
                             </p:stCondLst>
                             <p:childTnLst>
                               <p:par>
@@ -18543,13 +19865,57 @@
                                   <p:stCondLst>
                                     <p:cond delay="0"/>
                                   </p:stCondLst>
+                                  <p:childTnLst>
+                                    <p:set>
+                                      <p:cBhvr>
+                                        <p:cTn id="134" dur="1" fill="hold">
+                                          <p:stCondLst>
+                                            <p:cond delay="0"/>
+                                          </p:stCondLst>
+                                        </p:cTn>
+                                        <p:tgtEl>
+                                          <p:spTgt spid="7"/>
+                                        </p:tgtEl>
+                                        <p:attrNameLst>
+                                          <p:attrName>style.visibility</p:attrName>
+                                        </p:attrNameLst>
+                                      </p:cBhvr>
+                                      <p:to>
+                                        <p:strVal val="visible"/>
+                                      </p:to>
+                                    </p:set>
+                                    <p:animEffect transition="in" filter="wipe(left)">
+                                      <p:cBhvr>
+                                        <p:cTn id="135" dur="1000"/>
+                                        <p:tgtEl>
+                                          <p:spTgt spid="7"/>
+                                        </p:tgtEl>
+                                      </p:cBhvr>
+                                    </p:animEffect>
+                                  </p:childTnLst>
+                                </p:cTn>
+                              </p:par>
+                            </p:childTnLst>
+                          </p:cTn>
+                        </p:par>
+                        <p:par>
+                          <p:cTn id="136" fill="hold">
+                            <p:stCondLst>
+                              <p:cond delay="15500"/>
+                            </p:stCondLst>
+                            <p:childTnLst>
+                              <p:par>
+                                <p:cTn id="137" presetID="22" presetClass="entr" presetSubtype="8" fill="hold" grpId="0" nodeType="afterEffect">
+                                  <p:stCondLst>
+                                    <p:cond delay="0"/>
+                                  </p:stCondLst>
                                   <p:iterate type="wd">
-                                    <p:tmPct val="50000"/>
+                                    <p:tmPct val="25000"/>
                                   </p:iterate>
                                   <p:childTnLst>
                                     <p:set>
                                       <p:cBhvr>
-                                        <p:cTn id="134" dur="1" fill="hold">
+                                        <p:cTn id="138" dur="1" fill="hold">
                                           <p:stCondLst>
                                             <p:cond delay="0"/>
                                           </p:stCondLst>
@@ -18567,7 +19933,7 @@
                                     </p:set>
                                     <p:animEffect transition="in" filter="wipe(left)">
                                       <p:cBhvr>
-                                        <p:cTn id="135" dur="1000"/>
+                                        <p:cTn id="139" dur="1000"/>
                                         <p:tgtEl>
                                           <p:spTgt spid="2"/>
                                         </p:tgtEl>
@@ -18580,13 +19946,13 @@
                           </p:cTn>
                         </p:par>
                         <p:par>
-                          <p:cTn id="136" fill="hold">
+                          <p:cTn id="140" fill="hold">
                             <p:stCondLst>
-                              <p:cond delay="22500"/>
+                              <p:cond delay="18000"/>
                             </p:stCondLst>
                             <p:childTnLst>
                               <p:par>
-                                <p:cTn id="137" presetID="22" presetClass="entr" presetSubtype="8" fill="hold" grpId="0" nodeType="afterEffect">
+                                <p:cTn id="141" presetID="22" presetClass="entr" presetSubtype="8" fill="hold" grpId="0" nodeType="afterEffect">
                                   <p:stCondLst>
                                     <p:cond delay="0"/>
                                   </p:stCondLst>
@@ -18596,7 +19962,7 @@
                                   <p:childTnLst>
                                     <p:set>
                                       <p:cBhvr>
-                                        <p:cTn id="138" dur="1" fill="hold">
+                                        <p:cTn id="142" dur="1" fill="hold">
                                           <p:stCondLst>
                                             <p:cond delay="0"/>
                                           </p:stCondLst>
@@ -18614,7 +19980,7 @@
                                     </p:set>
                                     <p:animEffect transition="in" filter="wipe(left)">
                                       <p:cBhvr>
-                                        <p:cTn id="139" dur="1000"/>
+                                        <p:cTn id="143" dur="1000"/>
                                         <p:tgtEl>
                                           <p:spTgt spid="3"/>
                                         </p:tgtEl>
@@ -18627,20 +19993,158 @@
                           </p:cTn>
                         </p:par>
                         <p:par>
-                          <p:cTn id="140" fill="hold">
+                          <p:cTn id="144" fill="hold">
                             <p:stCondLst>
-                              <p:cond delay="24500"/>
+                              <p:cond delay="20000"/>
                             </p:stCondLst>
                             <p:childTnLst>
                               <p:par>
-                                <p:cTn id="141" presetID="22" presetClass="entr" presetSubtype="1" fill="hold" grpId="0" nodeType="afterEffect">
+                                <p:cTn id="145" presetID="7" presetClass="emph" presetSubtype="2" fill="hold" nodeType="afterEffect">
+                                  <p:stCondLst>
+                                    <p:cond delay="0"/>
+                                  </p:stCondLst>
+                                  <p:childTnLst>
+                                    <p:animClr clrSpc="rgb" dir="cw">
+                                      <p:cBhvr>
+                                        <p:cTn id="146" dur="1000" fill="hold"/>
+                                        <p:tgtEl>
+                                          <p:spTgt spid="64"/>
+                                        </p:tgtEl>
+                                        <p:attrNameLst>
+                                          <p:attrName>stroke.color</p:attrName>
+                                        </p:attrNameLst>
+                                      </p:cBhvr>
+                                      <p:to>
+                                        <a:srgbClr val="FF0000"/>
+                                      </p:to>
+                                    </p:animClr>
+                                    <p:set>
+                                      <p:cBhvr>
+                                        <p:cTn id="147" dur="1000" fill="hold"/>
+                                        <p:tgtEl>
+                                          <p:spTgt spid="64"/>
+                                        </p:tgtEl>
+                                        <p:attrNameLst>
+                                          <p:attrName>stroke.on</p:attrName>
+                                        </p:attrNameLst>
+                                      </p:cBhvr>
+                                      <p:to>
+                                        <p:strVal val="true"/>
+                                      </p:to>
+                                    </p:set>
+                                  </p:childTnLst>
+                                </p:cTn>
+                              </p:par>
+                            </p:childTnLst>
+                          </p:cTn>
+                        </p:par>
+                        <p:par>
+                          <p:cTn id="148" fill="hold">
+                            <p:stCondLst>
+                              <p:cond delay="21000"/>
+                            </p:stCondLst>
+                            <p:childTnLst>
+                              <p:par>
+                                <p:cTn id="149" presetID="7" presetClass="emph" presetSubtype="2" fill="hold" nodeType="afterEffect">
+                                  <p:stCondLst>
+                                    <p:cond delay="0"/>
+                                  </p:stCondLst>
+                                  <p:childTnLst>
+                                    <p:animClr clrSpc="rgb" dir="cw">
+                                      <p:cBhvr>
+                                        <p:cTn id="150" dur="1000" fill="hold"/>
+                                        <p:tgtEl>
+                                          <p:spTgt spid="51"/>
+                                        </p:tgtEl>
+                                        <p:attrNameLst>
+                                          <p:attrName>stroke.color</p:attrName>
+                                        </p:attrNameLst>
+                                      </p:cBhvr>
+                                      <p:to>
+                                        <a:srgbClr val="FF0000"/>
+                                      </p:to>
+                                    </p:animClr>
+                                    <p:set>
+                                      <p:cBhvr>
+                                        <p:cTn id="151" dur="1000" fill="hold"/>
+                                        <p:tgtEl>
+                                          <p:spTgt spid="51"/>
+                                        </p:tgtEl>
+                                        <p:attrNameLst>
+                                          <p:attrName>stroke.on</p:attrName>
+                                        </p:attrNameLst>
+                                      </p:cBhvr>
+                                      <p:to>
+                                        <p:strVal val="true"/>
+                                      </p:to>
+                                    </p:set>
+                                  </p:childTnLst>
+                                </p:cTn>
+                              </p:par>
+                            </p:childTnLst>
+                          </p:cTn>
+                        </p:par>
+                        <p:par>
+                          <p:cTn id="152" fill="hold">
+                            <p:stCondLst>
+                              <p:cond delay="22000"/>
+                            </p:stCondLst>
+                            <p:childTnLst>
+                              <p:par>
+                                <p:cTn id="153" presetID="7" presetClass="emph" presetSubtype="2" fill="hold" nodeType="afterEffect">
+                                  <p:stCondLst>
+                                    <p:cond delay="0"/>
+                                  </p:stCondLst>
+                                  <p:childTnLst>
+                                    <p:animClr clrSpc="rgb" dir="cw">
+                                      <p:cBhvr>
+                                        <p:cTn id="154" dur="1000" fill="hold"/>
+                                        <p:tgtEl>
+                                          <p:spTgt spid="80"/>
+                                        </p:tgtEl>
+                                        <p:attrNameLst>
+                                          <p:attrName>stroke.color</p:attrName>
+                                        </p:attrNameLst>
+                                      </p:cBhvr>
+                                      <p:to>
+                                        <a:srgbClr val="FF0000"/>
+                                      </p:to>
+                                    </p:animClr>
+                                    <p:set>
+                                      <p:cBhvr>
+                                        <p:cTn id="155" dur="1000" fill="hold"/>
+                                        <p:tgtEl>
+                                          <p:spTgt spid="80"/>
+                                        </p:tgtEl>
+                                        <p:attrNameLst>
+                                          <p:attrName>stroke.on</p:attrName>
+                                        </p:attrNameLst>
+                                      </p:cBhvr>
+                                      <p:to>
+                                        <p:strVal val="true"/>
+                                      </p:to>
+                                    </p:set>
+                                  </p:childTnLst>
+                                </p:cTn>
+                              </p:par>
+                            </p:childTnLst>
+                          </p:cTn>
+                        </p:par>
+                        <p:par>
+                          <p:cTn id="156" fill="hold">
+                            <p:stCondLst>
+                              <p:cond delay="23000"/>
+                            </p:stCondLst>
+                            <p:childTnLst>
+                              <p:par>
+                                <p:cTn id="157" presetID="22" presetClass="entr" presetSubtype="1" fill="hold" grpId="0" nodeType="afterEffect">
                                   <p:stCondLst>
                                     <p:cond delay="0"/>
                                   </p:stCondLst>
                                   <p:childTnLst>
                                     <p:set>
                                       <p:cBhvr>
-                                        <p:cTn id="142" dur="1" fill="hold">
+                                        <p:cTn id="158" dur="1" fill="hold">
                                           <p:stCondLst>
                                             <p:cond delay="0"/>
                                           </p:stCondLst>
@@ -18658,9 +20162,44 @@
                                     </p:set>
                                     <p:animEffect transition="in" filter="wipe(up)">
                                       <p:cBhvr>
-                                        <p:cTn id="143" dur="1000"/>
+                                        <p:cTn id="159" dur="1000"/>
                                         <p:tgtEl>
                                           <p:spTgt spid="42"/>
+                                        </p:tgtEl>
+                                      </p:cBhvr>
+                                    </p:animEffect>
+                                  </p:childTnLst>
+                                </p:cTn>
+                              </p:par>
+                              <p:par>
+                                <p:cTn id="160" presetID="22" presetClass="entr" presetSubtype="1" fill="hold" grpId="0" nodeType="withEffect">
+                                  <p:stCondLst>
+                                    <p:cond delay="0"/>
+                                  </p:stCondLst>
+                                  <p:childTnLst>
+                                    <p:set>
+                                      <p:cBhvr>
+                                        <p:cTn id="161" dur="1" fill="hold">
+                                          <p:stCondLst>
+                                            <p:cond delay="0"/>
+                                          </p:stCondLst>
+                                        </p:cTn>
+                                        <p:tgtEl>
+                                          <p:spTgt spid="45"/>
+                                        </p:tgtEl>
+                                        <p:attrNameLst>
+                                          <p:attrName>style.visibility</p:attrName>
+                                        </p:attrNameLst>
+                                      </p:cBhvr>
+                                      <p:to>
+                                        <p:strVal val="visible"/>
+                                      </p:to>
+                                    </p:set>
+                                    <p:animEffect transition="in" filter="wipe(up)">
+                                      <p:cBhvr>
+                                        <p:cTn id="162" dur="1000"/>
+                                        <p:tgtEl>
+                                          <p:spTgt spid="45"/>
                                         </p:tgtEl>
                                       </p:cBhvr>
                                     </p:animEffect>
@@ -18718,12 +20257,14 @@
       <p:bldP spid="42" grpId="0" animBg="1"/>
       <p:bldP spid="2" grpId="0"/>
       <p:bldP spid="3" grpId="0"/>
+      <p:bldP spid="7" grpId="0"/>
+      <p:bldP spid="45" grpId="0" animBg="1"/>
     </p:bldLst>
   </p:timing>
 </p:sld>
 </file>
 
-<file path=ppt/slides/slide4.xml><?xml version="1.0" encoding="utf-8"?>
+<file path=ppt/slides/slide5.xml><?xml version="1.0" encoding="utf-8"?>
 <p:sld xmlns:a="http://schemas.openxmlformats.org/drawingml/2006/main" xmlns:r="http://schemas.openxmlformats.org/officeDocument/2006/relationships" xmlns:p="http://schemas.openxmlformats.org/presentationml/2006/main">
   <p:cSld>
     <p:spTree>
